--- a/MI5014701 科技研究與論文寫作 Technology Research and Thesis Writing/5. Notation-Algorithm.pptx
+++ b/MI5014701 科技研究與論文寫作 Technology Research and Thesis Writing/5. Notation-Algorithm.pptx
@@ -342,7 +342,7 @@
             <a:fld id="{54558840-8EC7-4C21-A303-AC6CE2E849D0}" type="datetimeFigureOut">
               <a:rPr lang="zh-TW" altLang="en-US" smtClean="0"/>
               <a:pPr/>
-              <a:t>2023/11/2</a:t>
+              <a:t>2023/11/9</a:t>
             </a:fld>
             <a:endParaRPr lang="zh-TW" altLang="en-US"/>
           </a:p>
@@ -509,7 +509,7 @@
             <a:fld id="{B1C7EAF7-AC0E-4270-8977-86C0333B8B02}" type="datetimeFigureOut">
               <a:rPr lang="zh-TW" altLang="en-US" smtClean="0"/>
               <a:pPr/>
-              <a:t>2023/11/2</a:t>
+              <a:t>2023/11/9</a:t>
             </a:fld>
             <a:endParaRPr lang="zh-TW" altLang="en-US"/>
           </a:p>
@@ -2273,7 +2273,313 @@
           <a:bodyPr/>
           <a:lstStyle/>
           <a:p>
-            <a:endParaRPr lang="zh-TW" altLang="en-US" dirty="0"/>
+            <a:pPr marL="228600" indent="-228600">
+              <a:buFont typeface="+mj-lt"/>
+              <a:buAutoNum type="arabicPeriod"/>
+            </a:pPr>
+            <a:r>
+              <a:rPr lang="zh-TW" altLang="en-US" dirty="0">
+                <a:highlight>
+                  <a:srgbClr val="FFFF00"/>
+                </a:highlight>
+              </a:rPr>
+              <a:t>沒有定義</a:t>
+            </a:r>
+            <a:r>
+              <a:rPr lang="en-US" altLang="zh-TW" dirty="0">
+                <a:highlight>
+                  <a:srgbClr val="FFFF00"/>
+                </a:highlight>
+              </a:rPr>
+              <a:t>IJ</a:t>
+            </a:r>
+            <a:r>
+              <a:rPr lang="zh-TW" altLang="en-US" dirty="0">
+                <a:highlight>
+                  <a:srgbClr val="FFFF00"/>
+                </a:highlight>
+              </a:rPr>
+              <a:t>為何物 這是超級常犯的錯誤</a:t>
+            </a:r>
+            <a:endParaRPr lang="en-US" altLang="zh-TW" dirty="0">
+              <a:highlight>
+                <a:srgbClr val="FFFF00"/>
+              </a:highlight>
+            </a:endParaRPr>
+          </a:p>
+          <a:p>
+            <a:pPr marL="228600" indent="-228600">
+              <a:buFont typeface="+mj-lt"/>
+              <a:buAutoNum type="arabicPeriod"/>
+            </a:pPr>
+            <a:r>
+              <a:rPr lang="en-US" altLang="zh-TW" dirty="0">
+                <a:highlight>
+                  <a:srgbClr val="FFFF00"/>
+                </a:highlight>
+              </a:rPr>
+              <a:t>IJ(</a:t>
+            </a:r>
+            <a:r>
+              <a:rPr lang="zh-TW" altLang="en-US" dirty="0">
+                <a:highlight>
+                  <a:srgbClr val="FFFF00"/>
+                </a:highlight>
+              </a:rPr>
+              <a:t>第</a:t>
+            </a:r>
+            <a:r>
+              <a:rPr lang="en-US" altLang="zh-TW" dirty="0">
+                <a:highlight>
+                  <a:srgbClr val="FFFF00"/>
+                </a:highlight>
+              </a:rPr>
+              <a:t>I</a:t>
+            </a:r>
+            <a:r>
+              <a:rPr lang="zh-TW" altLang="en-US" dirty="0">
+                <a:highlight>
+                  <a:srgbClr val="FFFF00"/>
+                </a:highlight>
+              </a:rPr>
+              <a:t>個第</a:t>
+            </a:r>
+            <a:r>
+              <a:rPr lang="en-US" altLang="zh-TW" dirty="0">
+                <a:highlight>
+                  <a:srgbClr val="FFFF00"/>
+                </a:highlight>
+              </a:rPr>
+              <a:t>J</a:t>
+            </a:r>
+            <a:r>
+              <a:rPr lang="zh-TW" altLang="en-US" dirty="0">
+                <a:highlight>
+                  <a:srgbClr val="FFFF00"/>
+                </a:highlight>
+              </a:rPr>
+              <a:t>個</a:t>
+            </a:r>
+            <a:r>
+              <a:rPr lang="en-US" altLang="zh-TW" dirty="0">
+                <a:highlight>
+                  <a:srgbClr val="FFFF00"/>
+                </a:highlight>
+              </a:rPr>
+              <a:t>)</a:t>
+            </a:r>
+            <a:r>
+              <a:rPr lang="zh-TW" altLang="en-US" dirty="0">
+                <a:highlight>
+                  <a:srgbClr val="FFFF00"/>
+                </a:highlight>
+              </a:rPr>
+              <a:t>和 </a:t>
+            </a:r>
+            <a:r>
+              <a:rPr lang="en-US" altLang="zh-TW" dirty="0">
+                <a:highlight>
+                  <a:srgbClr val="FFFF00"/>
+                </a:highlight>
+              </a:rPr>
+              <a:t>IJ</a:t>
+            </a:r>
+            <a:r>
+              <a:rPr lang="zh-TW" altLang="en-US" dirty="0">
+                <a:highlight>
+                  <a:srgbClr val="FFFF00"/>
+                </a:highlight>
+              </a:rPr>
+              <a:t>本身為就是他的名字是不一樣的</a:t>
+            </a:r>
+            <a:r>
+              <a:rPr lang="en-US" altLang="zh-TW" dirty="0">
+                <a:highlight>
+                  <a:srgbClr val="FFFF00"/>
+                </a:highlight>
+              </a:rPr>
+              <a:t>~</a:t>
+            </a:r>
+          </a:p>
+          <a:p>
+            <a:pPr marL="228600" indent="-228600">
+              <a:buFont typeface="+mj-lt"/>
+              <a:buAutoNum type="arabicPeriod"/>
+            </a:pPr>
+            <a:r>
+              <a:rPr lang="zh-TW" altLang="en-US" dirty="0">
+                <a:highlight>
+                  <a:srgbClr val="FFFF00"/>
+                </a:highlight>
+              </a:rPr>
+              <a:t>變數盡量小寫</a:t>
+            </a:r>
+            <a:endParaRPr lang="en-US" altLang="zh-TW" dirty="0">
+              <a:highlight>
+                <a:srgbClr val="FFFF00"/>
+              </a:highlight>
+            </a:endParaRPr>
+          </a:p>
+          <a:p>
+            <a:pPr marL="228600" indent="-228600">
+              <a:buFont typeface="+mj-lt"/>
+              <a:buAutoNum type="arabicPeriod"/>
+            </a:pPr>
+            <a:r>
+              <a:rPr lang="zh-TW" altLang="en-US" dirty="0">
+                <a:highlight>
+                  <a:srgbClr val="FFFF00"/>
+                </a:highlight>
+              </a:rPr>
+              <a:t>常數盡量大寫</a:t>
+            </a:r>
+            <a:endParaRPr lang="en-US" altLang="zh-TW" dirty="0">
+              <a:highlight>
+                <a:srgbClr val="FFFF00"/>
+              </a:highlight>
+            </a:endParaRPr>
+          </a:p>
+          <a:p>
+            <a:pPr marL="228600" indent="-228600">
+              <a:buFont typeface="+mj-lt"/>
+              <a:buAutoNum type="arabicPeriod"/>
+            </a:pPr>
+            <a:r>
+              <a:rPr lang="zh-TW" altLang="en-US" dirty="0">
+                <a:highlight>
+                  <a:srgbClr val="FFFF00"/>
+                </a:highlight>
+              </a:rPr>
+              <a:t>括弧</a:t>
+            </a:r>
+            <a:r>
+              <a:rPr lang="en-US" altLang="zh-TW" dirty="0">
+                <a:highlight>
+                  <a:srgbClr val="FFFF00"/>
+                </a:highlight>
+              </a:rPr>
+              <a:t>01</a:t>
+            </a:r>
+            <a:r>
+              <a:rPr lang="zh-TW" altLang="en-US" dirty="0">
+                <a:highlight>
+                  <a:srgbClr val="FFFF00"/>
+                </a:highlight>
+              </a:rPr>
+              <a:t>不用寫</a:t>
+            </a:r>
+            <a:endParaRPr lang="en-US" altLang="zh-TW" dirty="0">
+              <a:highlight>
+                <a:srgbClr val="FFFF00"/>
+              </a:highlight>
+            </a:endParaRPr>
+          </a:p>
+          <a:p>
+            <a:pPr marL="228600" indent="-228600">
+              <a:buFont typeface="+mj-lt"/>
+              <a:buAutoNum type="arabicPeriod"/>
+            </a:pPr>
+            <a:r>
+              <a:rPr lang="zh-TW" altLang="en-US" dirty="0">
+                <a:highlight>
+                  <a:srgbClr val="FFFF00"/>
+                </a:highlight>
+              </a:rPr>
+              <a:t>有無句點</a:t>
+            </a:r>
+            <a:r>
+              <a:rPr lang="en-US" altLang="zh-TW" dirty="0">
+                <a:highlight>
+                  <a:srgbClr val="FFFF00"/>
+                </a:highlight>
+              </a:rPr>
+              <a:t>(</a:t>
+            </a:r>
+            <a:r>
+              <a:rPr lang="zh-TW" altLang="en-US" dirty="0">
+                <a:highlight>
+                  <a:srgbClr val="FFFF00"/>
+                </a:highlight>
+              </a:rPr>
+              <a:t>你覺得要不要</a:t>
+            </a:r>
+            <a:r>
+              <a:rPr lang="en-US" altLang="zh-TW" dirty="0">
+                <a:highlight>
+                  <a:srgbClr val="FFFF00"/>
+                </a:highlight>
+              </a:rPr>
+              <a:t>)</a:t>
+            </a:r>
+            <a:r>
+              <a:rPr lang="zh-TW" altLang="en-US" dirty="0">
+                <a:highlight>
+                  <a:srgbClr val="FFFF00"/>
+                </a:highlight>
+              </a:rPr>
+              <a:t> 一般是不要句點</a:t>
+            </a:r>
+            <a:r>
+              <a:rPr lang="en-US" altLang="zh-TW" dirty="0">
+                <a:highlight>
+                  <a:srgbClr val="FFFF00"/>
+                </a:highlight>
+              </a:rPr>
+              <a:t>(</a:t>
+            </a:r>
+            <a:r>
+              <a:rPr lang="zh-TW" altLang="en-US" dirty="0">
+                <a:highlight>
+                  <a:srgbClr val="FFFF00"/>
+                </a:highlight>
+              </a:rPr>
+              <a:t>如果是名詞</a:t>
+            </a:r>
+            <a:r>
+              <a:rPr lang="en-US" altLang="zh-TW" dirty="0">
+                <a:highlight>
+                  <a:srgbClr val="FFFF00"/>
+                </a:highlight>
+              </a:rPr>
+              <a:t>)(</a:t>
+            </a:r>
+            <a:r>
+              <a:rPr lang="zh-TW" altLang="en-US" dirty="0">
+                <a:highlight>
+                  <a:srgbClr val="FFFF00"/>
+                </a:highlight>
+              </a:rPr>
+              <a:t>句子可能要句點</a:t>
+            </a:r>
+            <a:r>
+              <a:rPr lang="en-US" altLang="zh-TW" dirty="0">
+                <a:highlight>
+                  <a:srgbClr val="FFFF00"/>
+                </a:highlight>
+              </a:rPr>
+              <a:t>)</a:t>
+            </a:r>
+            <a:r>
+              <a:rPr lang="zh-TW" altLang="en-US" dirty="0">
+                <a:highlight>
+                  <a:srgbClr val="FFFF00"/>
+                </a:highlight>
+              </a:rPr>
+              <a:t> 或是 </a:t>
+            </a:r>
+            <a:r>
+              <a:rPr lang="zh-TW" altLang="en-US" b="1" dirty="0">
+                <a:highlight>
+                  <a:srgbClr val="FFFF00"/>
+                </a:highlight>
+              </a:rPr>
+              <a:t>全部都不要加</a:t>
+            </a:r>
+            <a:endParaRPr lang="en-US" altLang="zh-TW" b="1" dirty="0">
+              <a:highlight>
+                <a:srgbClr val="FFFF00"/>
+              </a:highlight>
+            </a:endParaRPr>
           </a:p>
         </p:txBody>
       </p:sp>
@@ -2358,6 +2664,37 @@
           <a:bodyPr/>
           <a:lstStyle/>
           <a:p>
+            <a:pPr marL="228600" indent="-228600">
+              <a:buFont typeface="+mj-lt"/>
+              <a:buAutoNum type="arabicPeriod"/>
+            </a:pPr>
+            <a:r>
+              <a:rPr lang="zh-TW" altLang="en-US" dirty="0"/>
+              <a:t>沒有去定義這些變數是甚麼</a:t>
+            </a:r>
+            <a:endParaRPr lang="en-US" altLang="zh-TW" dirty="0"/>
+          </a:p>
+          <a:p>
+            <a:pPr marL="228600" indent="-228600">
+              <a:buFont typeface="+mj-lt"/>
+              <a:buAutoNum type="arabicPeriod"/>
+            </a:pPr>
+            <a:r>
+              <a:rPr lang="zh-TW" altLang="en-US" dirty="0"/>
+              <a:t>他其實在下面的框框裡面有解釋 但要放一起 他其實是想表示這個</a:t>
+            </a:r>
+            <a:r>
+              <a:rPr lang="en-US" altLang="zh-TW" dirty="0"/>
+              <a:t>datacenter</a:t>
+            </a:r>
+            <a:r>
+              <a:rPr lang="zh-TW" altLang="en-US" dirty="0"/>
+              <a:t>裡面有很多</a:t>
+            </a:r>
+            <a:r>
+              <a:rPr lang="en-US" altLang="zh-TW" dirty="0"/>
+              <a:t>Cloud</a:t>
+            </a:r>
             <a:endParaRPr lang="zh-TW" altLang="en-US" dirty="0"/>
           </a:p>
         </p:txBody>
@@ -2588,7 +2925,7 @@
       </p:grpSpPr>
       <p:sp>
         <p:nvSpPr>
-          <p:cNvPr id="2" name="投影片圖像版面配置區 1"/>
+          <p:cNvPr id="2" name="投影片影像版面配置區 1"/>
           <p:cNvSpPr>
             <a:spLocks noGrp="1" noRot="1" noChangeAspect="1"/>
           </p:cNvSpPr>
@@ -2613,6 +2950,10 @@
           <a:bodyPr/>
           <a:lstStyle/>
           <a:p>
+            <a:pPr marL="228600" indent="-228600">
+              <a:buFont typeface="+mj-lt"/>
+              <a:buAutoNum type="arabicPeriod"/>
+            </a:pPr>
             <a:endParaRPr lang="zh-TW" altLang="en-US" dirty="0"/>
           </a:p>
         </p:txBody>
@@ -2624,7 +2965,7 @@
             <a:spLocks noGrp="1"/>
           </p:cNvSpPr>
           <p:nvPr>
-            <p:ph type="sldNum" sz="quarter" idx="10"/>
+            <p:ph type="sldNum" sz="quarter" idx="5"/>
           </p:nvPr>
         </p:nvSpPr>
         <p:spPr/>
@@ -2635,7 +2976,7 @@
             <a:fld id="{518BE4F5-F18B-4D2C-9D11-3E6D941672A9}" type="slidenum">
               <a:rPr lang="zh-TW" altLang="en-US" smtClean="0"/>
               <a:pPr/>
-              <a:t>42</a:t>
+              <a:t>41</a:t>
             </a:fld>
             <a:endParaRPr lang="zh-TW" altLang="en-US"/>
           </a:p>
@@ -2644,7 +2985,7 @@
     </p:spTree>
     <p:extLst>
       <p:ext uri="{BB962C8B-B14F-4D97-AF65-F5344CB8AC3E}">
-        <p14:creationId xmlns:p14="http://schemas.microsoft.com/office/powerpoint/2010/main" val="506961585"/>
+        <p14:creationId xmlns:p14="http://schemas.microsoft.com/office/powerpoint/2010/main" val="2275816126"/>
       </p:ext>
     </p:extLst>
   </p:cSld>
@@ -2720,7 +3061,7 @@
             <a:fld id="{518BE4F5-F18B-4D2C-9D11-3E6D941672A9}" type="slidenum">
               <a:rPr lang="zh-TW" altLang="en-US" smtClean="0"/>
               <a:pPr/>
-              <a:t>43</a:t>
+              <a:t>42</a:t>
             </a:fld>
             <a:endParaRPr lang="zh-TW" altLang="en-US"/>
           </a:p>
@@ -2729,7 +3070,7 @@
     </p:spTree>
     <p:extLst>
       <p:ext uri="{BB962C8B-B14F-4D97-AF65-F5344CB8AC3E}">
-        <p14:creationId xmlns:p14="http://schemas.microsoft.com/office/powerpoint/2010/main" val="1863989127"/>
+        <p14:creationId xmlns:p14="http://schemas.microsoft.com/office/powerpoint/2010/main" val="506961585"/>
       </p:ext>
     </p:extLst>
   </p:cSld>
@@ -2783,7 +3124,10 @@
           <a:bodyPr/>
           <a:lstStyle/>
           <a:p>
-            <a:endParaRPr lang="zh-TW" altLang="en-US" dirty="0"/>
+            <a:r>
+              <a:rPr lang="zh-TW" altLang="en-US" dirty="0"/>
+              <a:t>不要重疊讓圖有點斷掉的感覺</a:t>
+            </a:r>
           </a:p>
         </p:txBody>
       </p:sp>
@@ -2805,7 +3149,7 @@
             <a:fld id="{518BE4F5-F18B-4D2C-9D11-3E6D941672A9}" type="slidenum">
               <a:rPr lang="zh-TW" altLang="en-US" smtClean="0"/>
               <a:pPr/>
-              <a:t>44</a:t>
+              <a:t>43</a:t>
             </a:fld>
             <a:endParaRPr lang="zh-TW" altLang="en-US"/>
           </a:p>
@@ -2814,7 +3158,7 @@
     </p:spTree>
     <p:extLst>
       <p:ext uri="{BB962C8B-B14F-4D97-AF65-F5344CB8AC3E}">
-        <p14:creationId xmlns:p14="http://schemas.microsoft.com/office/powerpoint/2010/main" val="3989163760"/>
+        <p14:creationId xmlns:p14="http://schemas.microsoft.com/office/powerpoint/2010/main" val="1863989127"/>
       </p:ext>
     </p:extLst>
   </p:cSld>
@@ -2975,7 +3319,7 @@
             <a:fld id="{518BE4F5-F18B-4D2C-9D11-3E6D941672A9}" type="slidenum">
               <a:rPr lang="zh-TW" altLang="en-US" smtClean="0"/>
               <a:pPr/>
-              <a:t>45</a:t>
+              <a:t>44</a:t>
             </a:fld>
             <a:endParaRPr lang="zh-TW" altLang="en-US"/>
           </a:p>
@@ -2984,7 +3328,7 @@
     </p:spTree>
     <p:extLst>
       <p:ext uri="{BB962C8B-B14F-4D97-AF65-F5344CB8AC3E}">
-        <p14:creationId xmlns:p14="http://schemas.microsoft.com/office/powerpoint/2010/main" val="330722128"/>
+        <p14:creationId xmlns:p14="http://schemas.microsoft.com/office/powerpoint/2010/main" val="3989163760"/>
       </p:ext>
     </p:extLst>
   </p:cSld>
@@ -3038,177 +3382,6 @@
           <a:bodyPr/>
           <a:lstStyle/>
           <a:p>
-            <a:r>
-              <a:rPr lang="zh-TW" altLang="en-US" dirty="0"/>
-              <a:t>實驗三步驟</a:t>
-            </a:r>
-            <a:r>
-              <a:rPr lang="en-US" altLang="zh-TW" dirty="0"/>
-              <a:t>:</a:t>
-            </a:r>
-            <a:r>
-              <a:rPr lang="zh-TW" altLang="en-US" dirty="0"/>
-              <a:t> </a:t>
-            </a:r>
-            <a:r>
-              <a:rPr lang="zh-TW" altLang="en-US" baseline="0" dirty="0"/>
-              <a:t>  輸入</a:t>
-            </a:r>
-            <a:r>
-              <a:rPr lang="en-US" altLang="zh-TW" baseline="0" dirty="0"/>
-              <a:t>-</a:t>
-            </a:r>
-            <a:r>
-              <a:rPr lang="zh-TW" altLang="en-US" baseline="0" dirty="0"/>
-              <a:t>處理</a:t>
-            </a:r>
-            <a:r>
-              <a:rPr lang="en-US" altLang="zh-TW" baseline="0" dirty="0"/>
-              <a:t>-</a:t>
-            </a:r>
-            <a:r>
-              <a:rPr lang="zh-TW" altLang="en-US" baseline="0" dirty="0"/>
-              <a:t>輸出</a:t>
-            </a:r>
-            <a:endParaRPr lang="en-US" altLang="zh-TW" baseline="0" dirty="0"/>
-          </a:p>
-          <a:p>
-            <a:endParaRPr lang="en-US" altLang="zh-TW" baseline="0" dirty="0"/>
-          </a:p>
-          <a:p>
-            <a:r>
-              <a:rPr lang="zh-TW" altLang="en-US" dirty="0"/>
-              <a:t>範例</a:t>
-            </a:r>
-            <a:r>
-              <a:rPr lang="en-US" altLang="zh-TW" dirty="0"/>
-              <a:t>:</a:t>
-            </a:r>
-          </a:p>
-          <a:p>
-            <a:endParaRPr lang="en-US" altLang="zh-TW" dirty="0"/>
-          </a:p>
-          <a:p>
-            <a:r>
-              <a:rPr lang="zh-TW" altLang="en-US" dirty="0"/>
-              <a:t>輸入</a:t>
-            </a:r>
-            <a:r>
-              <a:rPr lang="en-US" altLang="zh-TW" dirty="0"/>
-              <a:t>:</a:t>
-            </a:r>
-            <a:r>
-              <a:rPr lang="zh-TW" altLang="en-US" dirty="0"/>
-              <a:t>   兩人的座標</a:t>
-            </a:r>
-            <a:endParaRPr lang="en-US" altLang="zh-TW" dirty="0"/>
-          </a:p>
-          <a:p>
-            <a:r>
-              <a:rPr lang="zh-TW" altLang="en-US" dirty="0"/>
-              <a:t>處理</a:t>
-            </a:r>
-            <a:r>
-              <a:rPr lang="en-US" altLang="zh-TW" dirty="0"/>
-              <a:t>:</a:t>
-            </a:r>
-            <a:r>
-              <a:rPr lang="zh-TW" altLang="en-US" dirty="0"/>
-              <a:t>   求直線距離的公式</a:t>
-            </a:r>
-            <a:endParaRPr lang="en-US" altLang="zh-TW" dirty="0"/>
-          </a:p>
-          <a:p>
-            <a:r>
-              <a:rPr lang="zh-TW" altLang="en-US" dirty="0"/>
-              <a:t>輸出</a:t>
-            </a:r>
-            <a:r>
-              <a:rPr lang="en-US" altLang="zh-TW" dirty="0"/>
-              <a:t>:</a:t>
-            </a:r>
-            <a:r>
-              <a:rPr lang="zh-TW" altLang="en-US" dirty="0"/>
-              <a:t>   兩人的直線距離</a:t>
-            </a:r>
-            <a:endParaRPr lang="en-US" altLang="zh-TW" dirty="0"/>
-          </a:p>
-          <a:p>
-            <a:endParaRPr lang="en-US" altLang="zh-TW" dirty="0"/>
-          </a:p>
-          <a:p>
-            <a:pPr marL="0" marR="0" indent="0" algn="l" defTabSz="914400" rtl="0" eaLnBrk="1" fontAlgn="auto" latinLnBrk="0" hangingPunct="1">
-              <a:lnSpc>
-                <a:spcPct val="100000"/>
-              </a:lnSpc>
-              <a:spcBef>
-                <a:spcPts val="0"/>
-              </a:spcBef>
-              <a:spcAft>
-                <a:spcPts val="0"/>
-              </a:spcAft>
-              <a:buClrTx/>
-              <a:buSzTx/>
-              <a:buFontTx/>
-              <a:buNone/>
-              <a:tabLst/>
-              <a:defRPr/>
-            </a:pPr>
-            <a:r>
-              <a:rPr lang="zh-TW" altLang="en-US" dirty="0"/>
-              <a:t>圖片取自</a:t>
-            </a:r>
-            <a:r>
-              <a:rPr lang="en-US" altLang="zh-TW" dirty="0"/>
-              <a:t>:</a:t>
-            </a:r>
-            <a:r>
-              <a:rPr lang="zh-TW" altLang="en-US" sz="1200" b="1" dirty="0">
-                <a:solidFill>
-                  <a:schemeClr val="tx2">
-                    <a:satMod val="130000"/>
-                  </a:schemeClr>
-                </a:solidFill>
-                <a:effectLst>
-                  <a:outerShdw blurRad="38100" dist="38100" dir="2700000" algn="tl">
-                    <a:srgbClr val="C0C0C0"/>
-                  </a:outerShdw>
-                </a:effectLst>
-                <a:latin typeface="微軟正黑體" pitchFamily="34" charset="-120"/>
-              </a:rPr>
-              <a:t>李春雄  博士  計算機概論第六章 </a:t>
-            </a:r>
-            <a:r>
-              <a:rPr lang="en-US" altLang="zh-TW" sz="1200" b="1" dirty="0" err="1">
-                <a:solidFill>
-                  <a:schemeClr val="tx2">
-                    <a:satMod val="130000"/>
-                  </a:schemeClr>
-                </a:solidFill>
-                <a:effectLst>
-                  <a:outerShdw blurRad="38100" dist="38100" dir="2700000" algn="tl">
-                    <a:srgbClr val="C0C0C0"/>
-                  </a:outerShdw>
-                </a:effectLst>
-                <a:latin typeface="微軟正黑體" pitchFamily="34" charset="-120"/>
-              </a:rPr>
-              <a:t>ppt</a:t>
-            </a:r>
-            <a:endParaRPr lang="en-US" altLang="zh-TW" sz="1200" b="1" dirty="0">
-              <a:solidFill>
-                <a:schemeClr val="tx2">
-                  <a:satMod val="130000"/>
-                </a:schemeClr>
-              </a:solidFill>
-              <a:effectLst>
-                <a:outerShdw blurRad="38100" dist="38100" dir="2700000" algn="tl">
-                  <a:srgbClr val="C0C0C0"/>
-                </a:outerShdw>
-              </a:effectLst>
-              <a:latin typeface="微軟正黑體" pitchFamily="34" charset="-120"/>
-            </a:endParaRPr>
-          </a:p>
-          <a:p>
             <a:endParaRPr lang="zh-TW" altLang="en-US" dirty="0"/>
           </a:p>
         </p:txBody>
@@ -3231,7 +3404,7 @@
             <a:fld id="{518BE4F5-F18B-4D2C-9D11-3E6D941672A9}" type="slidenum">
               <a:rPr lang="zh-TW" altLang="en-US" smtClean="0"/>
               <a:pPr/>
-              <a:t>46</a:t>
+              <a:t>45</a:t>
             </a:fld>
             <a:endParaRPr lang="zh-TW" altLang="en-US"/>
           </a:p>
@@ -3240,7 +3413,7 @@
     </p:spTree>
     <p:extLst>
       <p:ext uri="{BB962C8B-B14F-4D97-AF65-F5344CB8AC3E}">
-        <p14:creationId xmlns:p14="http://schemas.microsoft.com/office/powerpoint/2010/main" val="1179725274"/>
+        <p14:creationId xmlns:p14="http://schemas.microsoft.com/office/powerpoint/2010/main" val="330722128"/>
       </p:ext>
     </p:extLst>
   </p:cSld>
@@ -3294,6 +3467,177 @@
           <a:bodyPr/>
           <a:lstStyle/>
           <a:p>
+            <a:r>
+              <a:rPr lang="zh-TW" altLang="en-US" dirty="0"/>
+              <a:t>實驗三步驟</a:t>
+            </a:r>
+            <a:r>
+              <a:rPr lang="en-US" altLang="zh-TW" dirty="0"/>
+              <a:t>:</a:t>
+            </a:r>
+            <a:r>
+              <a:rPr lang="zh-TW" altLang="en-US" dirty="0"/>
+              <a:t> </a:t>
+            </a:r>
+            <a:r>
+              <a:rPr lang="zh-TW" altLang="en-US" baseline="0" dirty="0"/>
+              <a:t>  輸入</a:t>
+            </a:r>
+            <a:r>
+              <a:rPr lang="en-US" altLang="zh-TW" baseline="0" dirty="0"/>
+              <a:t>-</a:t>
+            </a:r>
+            <a:r>
+              <a:rPr lang="zh-TW" altLang="en-US" baseline="0" dirty="0"/>
+              <a:t>處理</a:t>
+            </a:r>
+            <a:r>
+              <a:rPr lang="en-US" altLang="zh-TW" baseline="0" dirty="0"/>
+              <a:t>-</a:t>
+            </a:r>
+            <a:r>
+              <a:rPr lang="zh-TW" altLang="en-US" baseline="0" dirty="0"/>
+              <a:t>輸出</a:t>
+            </a:r>
+            <a:endParaRPr lang="en-US" altLang="zh-TW" baseline="0" dirty="0"/>
+          </a:p>
+          <a:p>
+            <a:endParaRPr lang="en-US" altLang="zh-TW" baseline="0" dirty="0"/>
+          </a:p>
+          <a:p>
+            <a:r>
+              <a:rPr lang="zh-TW" altLang="en-US" dirty="0"/>
+              <a:t>範例</a:t>
+            </a:r>
+            <a:r>
+              <a:rPr lang="en-US" altLang="zh-TW" dirty="0"/>
+              <a:t>:</a:t>
+            </a:r>
+          </a:p>
+          <a:p>
+            <a:endParaRPr lang="en-US" altLang="zh-TW" dirty="0"/>
+          </a:p>
+          <a:p>
+            <a:r>
+              <a:rPr lang="zh-TW" altLang="en-US" dirty="0"/>
+              <a:t>輸入</a:t>
+            </a:r>
+            <a:r>
+              <a:rPr lang="en-US" altLang="zh-TW" dirty="0"/>
+              <a:t>:</a:t>
+            </a:r>
+            <a:r>
+              <a:rPr lang="zh-TW" altLang="en-US" dirty="0"/>
+              <a:t>   兩人的座標</a:t>
+            </a:r>
+            <a:endParaRPr lang="en-US" altLang="zh-TW" dirty="0"/>
+          </a:p>
+          <a:p>
+            <a:r>
+              <a:rPr lang="zh-TW" altLang="en-US" dirty="0"/>
+              <a:t>處理</a:t>
+            </a:r>
+            <a:r>
+              <a:rPr lang="en-US" altLang="zh-TW" dirty="0"/>
+              <a:t>:</a:t>
+            </a:r>
+            <a:r>
+              <a:rPr lang="zh-TW" altLang="en-US" dirty="0"/>
+              <a:t>   求直線距離的公式</a:t>
+            </a:r>
+            <a:endParaRPr lang="en-US" altLang="zh-TW" dirty="0"/>
+          </a:p>
+          <a:p>
+            <a:r>
+              <a:rPr lang="zh-TW" altLang="en-US" dirty="0"/>
+              <a:t>輸出</a:t>
+            </a:r>
+            <a:r>
+              <a:rPr lang="en-US" altLang="zh-TW" dirty="0"/>
+              <a:t>:</a:t>
+            </a:r>
+            <a:r>
+              <a:rPr lang="zh-TW" altLang="en-US" dirty="0"/>
+              <a:t>   兩人的直線距離</a:t>
+            </a:r>
+            <a:endParaRPr lang="en-US" altLang="zh-TW" dirty="0"/>
+          </a:p>
+          <a:p>
+            <a:endParaRPr lang="en-US" altLang="zh-TW" dirty="0"/>
+          </a:p>
+          <a:p>
+            <a:pPr marL="0" marR="0" indent="0" algn="l" defTabSz="914400" rtl="0" eaLnBrk="1" fontAlgn="auto" latinLnBrk="0" hangingPunct="1">
+              <a:lnSpc>
+                <a:spcPct val="100000"/>
+              </a:lnSpc>
+              <a:spcBef>
+                <a:spcPts val="0"/>
+              </a:spcBef>
+              <a:spcAft>
+                <a:spcPts val="0"/>
+              </a:spcAft>
+              <a:buClrTx/>
+              <a:buSzTx/>
+              <a:buFontTx/>
+              <a:buNone/>
+              <a:tabLst/>
+              <a:defRPr/>
+            </a:pPr>
+            <a:r>
+              <a:rPr lang="zh-TW" altLang="en-US" dirty="0"/>
+              <a:t>圖片取自</a:t>
+            </a:r>
+            <a:r>
+              <a:rPr lang="en-US" altLang="zh-TW" dirty="0"/>
+              <a:t>:</a:t>
+            </a:r>
+            <a:r>
+              <a:rPr lang="zh-TW" altLang="en-US" sz="1200" b="1" dirty="0">
+                <a:solidFill>
+                  <a:schemeClr val="tx2">
+                    <a:satMod val="130000"/>
+                  </a:schemeClr>
+                </a:solidFill>
+                <a:effectLst>
+                  <a:outerShdw blurRad="38100" dist="38100" dir="2700000" algn="tl">
+                    <a:srgbClr val="C0C0C0"/>
+                  </a:outerShdw>
+                </a:effectLst>
+                <a:latin typeface="微軟正黑體" pitchFamily="34" charset="-120"/>
+              </a:rPr>
+              <a:t>李春雄  博士  計算機概論第六章 </a:t>
+            </a:r>
+            <a:r>
+              <a:rPr lang="en-US" altLang="zh-TW" sz="1200" b="1" dirty="0" err="1">
+                <a:solidFill>
+                  <a:schemeClr val="tx2">
+                    <a:satMod val="130000"/>
+                  </a:schemeClr>
+                </a:solidFill>
+                <a:effectLst>
+                  <a:outerShdw blurRad="38100" dist="38100" dir="2700000" algn="tl">
+                    <a:srgbClr val="C0C0C0"/>
+                  </a:outerShdw>
+                </a:effectLst>
+                <a:latin typeface="微軟正黑體" pitchFamily="34" charset="-120"/>
+              </a:rPr>
+              <a:t>ppt</a:t>
+            </a:r>
+            <a:endParaRPr lang="en-US" altLang="zh-TW" sz="1200" b="1" dirty="0">
+              <a:solidFill>
+                <a:schemeClr val="tx2">
+                  <a:satMod val="130000"/>
+                </a:schemeClr>
+              </a:solidFill>
+              <a:effectLst>
+                <a:outerShdw blurRad="38100" dist="38100" dir="2700000" algn="tl">
+                  <a:srgbClr val="C0C0C0"/>
+                </a:outerShdw>
+              </a:effectLst>
+              <a:latin typeface="微軟正黑體" pitchFamily="34" charset="-120"/>
+            </a:endParaRPr>
+          </a:p>
+          <a:p>
             <a:endParaRPr lang="zh-TW" altLang="en-US" dirty="0"/>
           </a:p>
         </p:txBody>
@@ -3316,7 +3660,7 @@
             <a:fld id="{518BE4F5-F18B-4D2C-9D11-3E6D941672A9}" type="slidenum">
               <a:rPr lang="zh-TW" altLang="en-US" smtClean="0"/>
               <a:pPr/>
-              <a:t>47</a:t>
+              <a:t>46</a:t>
             </a:fld>
             <a:endParaRPr lang="zh-TW" altLang="en-US"/>
           </a:p>
@@ -3325,7 +3669,7 @@
     </p:spTree>
     <p:extLst>
       <p:ext uri="{BB962C8B-B14F-4D97-AF65-F5344CB8AC3E}">
-        <p14:creationId xmlns:p14="http://schemas.microsoft.com/office/powerpoint/2010/main" val="3828338750"/>
+        <p14:creationId xmlns:p14="http://schemas.microsoft.com/office/powerpoint/2010/main" val="1179725274"/>
       </p:ext>
     </p:extLst>
   </p:cSld>
@@ -3401,7 +3745,7 @@
             <a:fld id="{518BE4F5-F18B-4D2C-9D11-3E6D941672A9}" type="slidenum">
               <a:rPr lang="zh-TW" altLang="en-US" smtClean="0"/>
               <a:pPr/>
-              <a:t>48</a:t>
+              <a:t>47</a:t>
             </a:fld>
             <a:endParaRPr lang="zh-TW" altLang="en-US"/>
           </a:p>
@@ -3410,7 +3754,7 @@
     </p:spTree>
     <p:extLst>
       <p:ext uri="{BB962C8B-B14F-4D97-AF65-F5344CB8AC3E}">
-        <p14:creationId xmlns:p14="http://schemas.microsoft.com/office/powerpoint/2010/main" val="2768533516"/>
+        <p14:creationId xmlns:p14="http://schemas.microsoft.com/office/powerpoint/2010/main" val="3828338750"/>
       </p:ext>
     </p:extLst>
   </p:cSld>
@@ -3466,176 +3810,8 @@
           <a:p>
             <a:r>
               <a:rPr lang="zh-TW" altLang="en-US" dirty="0"/>
-              <a:t>實驗三步驟</a:t>
-            </a:r>
-            <a:r>
-              <a:rPr lang="en-US" altLang="zh-TW" dirty="0"/>
-              <a:t>:</a:t>
-            </a:r>
-            <a:r>
-              <a:rPr lang="zh-TW" altLang="en-US" dirty="0"/>
-              <a:t> </a:t>
-            </a:r>
-            <a:r>
-              <a:rPr lang="zh-TW" altLang="en-US" baseline="0" dirty="0"/>
-              <a:t>  輸入</a:t>
-            </a:r>
-            <a:r>
-              <a:rPr lang="en-US" altLang="zh-TW" baseline="0" dirty="0"/>
-              <a:t>-</a:t>
-            </a:r>
-            <a:r>
-              <a:rPr lang="zh-TW" altLang="en-US" baseline="0" dirty="0"/>
-              <a:t>處理</a:t>
-            </a:r>
-            <a:r>
-              <a:rPr lang="en-US" altLang="zh-TW" baseline="0" dirty="0"/>
-              <a:t>-</a:t>
-            </a:r>
-            <a:r>
-              <a:rPr lang="zh-TW" altLang="en-US" baseline="0" dirty="0"/>
-              <a:t>輸出</a:t>
-            </a:r>
-            <a:endParaRPr lang="en-US" altLang="zh-TW" baseline="0" dirty="0"/>
-          </a:p>
-          <a:p>
-            <a:endParaRPr lang="en-US" altLang="zh-TW" baseline="0" dirty="0"/>
-          </a:p>
-          <a:p>
-            <a:r>
-              <a:rPr lang="zh-TW" altLang="en-US" dirty="0"/>
-              <a:t>範例</a:t>
-            </a:r>
-            <a:r>
-              <a:rPr lang="en-US" altLang="zh-TW" dirty="0"/>
-              <a:t>:</a:t>
-            </a:r>
-          </a:p>
-          <a:p>
-            <a:endParaRPr lang="en-US" altLang="zh-TW" dirty="0"/>
-          </a:p>
-          <a:p>
-            <a:r>
-              <a:rPr lang="zh-TW" altLang="en-US" dirty="0"/>
-              <a:t>輸入</a:t>
-            </a:r>
-            <a:r>
-              <a:rPr lang="en-US" altLang="zh-TW" dirty="0"/>
-              <a:t>:</a:t>
-            </a:r>
-            <a:r>
-              <a:rPr lang="zh-TW" altLang="en-US" dirty="0"/>
-              <a:t>   兩人的座標</a:t>
-            </a:r>
-            <a:endParaRPr lang="en-US" altLang="zh-TW" dirty="0"/>
-          </a:p>
-          <a:p>
-            <a:r>
-              <a:rPr lang="zh-TW" altLang="en-US" dirty="0"/>
-              <a:t>處理</a:t>
-            </a:r>
-            <a:r>
-              <a:rPr lang="en-US" altLang="zh-TW" dirty="0"/>
-              <a:t>:</a:t>
-            </a:r>
-            <a:r>
-              <a:rPr lang="zh-TW" altLang="en-US" dirty="0"/>
-              <a:t>   求直線距離的公式</a:t>
-            </a:r>
-            <a:endParaRPr lang="en-US" altLang="zh-TW" dirty="0"/>
-          </a:p>
-          <a:p>
-            <a:r>
-              <a:rPr lang="zh-TW" altLang="en-US" dirty="0"/>
-              <a:t>輸出</a:t>
-            </a:r>
-            <a:r>
-              <a:rPr lang="en-US" altLang="zh-TW" dirty="0"/>
-              <a:t>:</a:t>
-            </a:r>
-            <a:r>
-              <a:rPr lang="zh-TW" altLang="en-US" dirty="0"/>
-              <a:t>   兩人的直線距離</a:t>
-            </a:r>
-            <a:endParaRPr lang="en-US" altLang="zh-TW" dirty="0"/>
-          </a:p>
-          <a:p>
-            <a:endParaRPr lang="en-US" altLang="zh-TW" dirty="0"/>
-          </a:p>
-          <a:p>
-            <a:pPr marL="0" marR="0" indent="0" algn="l" defTabSz="914400" rtl="0" eaLnBrk="1" fontAlgn="auto" latinLnBrk="0" hangingPunct="1">
-              <a:lnSpc>
-                <a:spcPct val="100000"/>
-              </a:lnSpc>
-              <a:spcBef>
-                <a:spcPts val="0"/>
-              </a:spcBef>
-              <a:spcAft>
-                <a:spcPts val="0"/>
-              </a:spcAft>
-              <a:buClrTx/>
-              <a:buSzTx/>
-              <a:buFontTx/>
-              <a:buNone/>
-              <a:tabLst/>
-              <a:defRPr/>
-            </a:pPr>
-            <a:r>
-              <a:rPr lang="zh-TW" altLang="en-US" dirty="0"/>
-              <a:t>圖片取自</a:t>
-            </a:r>
-            <a:r>
-              <a:rPr lang="en-US" altLang="zh-TW" dirty="0"/>
-              <a:t>:</a:t>
-            </a:r>
-            <a:r>
-              <a:rPr lang="zh-TW" altLang="en-US" sz="1200" b="1" dirty="0">
-                <a:solidFill>
-                  <a:schemeClr val="tx2">
-                    <a:satMod val="130000"/>
-                  </a:schemeClr>
-                </a:solidFill>
-                <a:effectLst>
-                  <a:outerShdw blurRad="38100" dist="38100" dir="2700000" algn="tl">
-                    <a:srgbClr val="C0C0C0"/>
-                  </a:outerShdw>
-                </a:effectLst>
-                <a:latin typeface="微軟正黑體" pitchFamily="34" charset="-120"/>
-              </a:rPr>
-              <a:t>李春雄  博士  計算機概論第六章 </a:t>
-            </a:r>
-            <a:r>
-              <a:rPr lang="en-US" altLang="zh-TW" sz="1200" b="1" dirty="0" err="1">
-                <a:solidFill>
-                  <a:schemeClr val="tx2">
-                    <a:satMod val="130000"/>
-                  </a:schemeClr>
-                </a:solidFill>
-                <a:effectLst>
-                  <a:outerShdw blurRad="38100" dist="38100" dir="2700000" algn="tl">
-                    <a:srgbClr val="C0C0C0"/>
-                  </a:outerShdw>
-                </a:effectLst>
-                <a:latin typeface="微軟正黑體" pitchFamily="34" charset="-120"/>
-              </a:rPr>
-              <a:t>ppt</a:t>
-            </a:r>
-            <a:endParaRPr lang="en-US" altLang="zh-TW" sz="1200" b="1" dirty="0">
-              <a:solidFill>
-                <a:schemeClr val="tx2">
-                  <a:satMod val="130000"/>
-                </a:schemeClr>
-              </a:solidFill>
-              <a:effectLst>
-                <a:outerShdw blurRad="38100" dist="38100" dir="2700000" algn="tl">
-                  <a:srgbClr val="C0C0C0"/>
-                </a:outerShdw>
-              </a:effectLst>
-              <a:latin typeface="微軟正黑體" pitchFamily="34" charset="-120"/>
-            </a:endParaRPr>
-          </a:p>
-          <a:p>
-            <a:endParaRPr lang="zh-TW" altLang="en-US" dirty="0"/>
+              <a:t>流程圖多進一出很重要 保持 一個出口 保證流程執行的對</a:t>
+            </a:r>
           </a:p>
         </p:txBody>
       </p:sp>
@@ -3657,7 +3833,7 @@
             <a:fld id="{518BE4F5-F18B-4D2C-9D11-3E6D941672A9}" type="slidenum">
               <a:rPr lang="zh-TW" altLang="en-US" smtClean="0"/>
               <a:pPr/>
-              <a:t>49</a:t>
+              <a:t>48</a:t>
             </a:fld>
             <a:endParaRPr lang="zh-TW" altLang="en-US"/>
           </a:p>
@@ -3666,7 +3842,7 @@
     </p:spTree>
     <p:extLst>
       <p:ext uri="{BB962C8B-B14F-4D97-AF65-F5344CB8AC3E}">
-        <p14:creationId xmlns:p14="http://schemas.microsoft.com/office/powerpoint/2010/main" val="2910835618"/>
+        <p14:creationId xmlns:p14="http://schemas.microsoft.com/office/powerpoint/2010/main" val="2768533516"/>
       </p:ext>
     </p:extLst>
   </p:cSld>
@@ -3720,6 +3896,31 @@
           <a:bodyPr/>
           <a:lstStyle/>
           <a:p>
+            <a:pPr marL="228600" indent="-228600">
+              <a:buFont typeface="+mj-lt"/>
+              <a:buAutoNum type="arabicPeriod"/>
+            </a:pPr>
+            <a:r>
+              <a:rPr lang="zh-TW" altLang="en-US" dirty="0">
+                <a:solidFill>
+                  <a:srgbClr val="FF0000"/>
+                </a:solidFill>
+              </a:rPr>
+              <a:t>沒有</a:t>
+            </a:r>
+            <a:r>
+              <a:rPr lang="en-US" altLang="zh-TW" dirty="0">
+                <a:solidFill>
+                  <a:srgbClr val="FF0000"/>
+                </a:solidFill>
+              </a:rPr>
+              <a:t>start</a:t>
+            </a:r>
+          </a:p>
+          <a:p>
+            <a:endParaRPr lang="en-US" altLang="zh-TW" dirty="0"/>
+          </a:p>
+          <a:p>
             <a:r>
               <a:rPr lang="zh-TW" altLang="en-US" dirty="0"/>
               <a:t>實驗三步驟</a:t>
@@ -3913,7 +4114,7 @@
             <a:fld id="{518BE4F5-F18B-4D2C-9D11-3E6D941672A9}" type="slidenum">
               <a:rPr lang="zh-TW" altLang="en-US" smtClean="0"/>
               <a:pPr/>
-              <a:t>50</a:t>
+              <a:t>49</a:t>
             </a:fld>
             <a:endParaRPr lang="zh-TW" altLang="en-US"/>
           </a:p>
@@ -3922,7 +4123,7 @@
     </p:spTree>
     <p:extLst>
       <p:ext uri="{BB962C8B-B14F-4D97-AF65-F5344CB8AC3E}">
-        <p14:creationId xmlns:p14="http://schemas.microsoft.com/office/powerpoint/2010/main" val="1276461803"/>
+        <p14:creationId xmlns:p14="http://schemas.microsoft.com/office/powerpoint/2010/main" val="2910835618"/>
       </p:ext>
     </p:extLst>
   </p:cSld>
@@ -3976,6 +4177,58 @@
           <a:bodyPr/>
           <a:lstStyle/>
           <a:p>
+            <a:pPr marL="228600" indent="-228600">
+              <a:buFont typeface="+mj-lt"/>
+              <a:buAutoNum type="arabicPeriod"/>
+            </a:pPr>
+            <a:r>
+              <a:rPr lang="zh-TW" altLang="en-US" dirty="0"/>
+              <a:t>到底是要做哪個 這個多個位置</a:t>
+            </a:r>
+            <a:endParaRPr lang="en-US" altLang="zh-TW" dirty="0"/>
+          </a:p>
+          <a:p>
+            <a:pPr marL="228600" indent="-228600">
+              <a:buFont typeface="+mj-lt"/>
+              <a:buAutoNum type="arabicPeriod"/>
+            </a:pPr>
+            <a:r>
+              <a:rPr lang="zh-TW" altLang="en-US" dirty="0"/>
+              <a:t>如果是要做這三件事的話 那應該是要先判斷進來的東西再判斷要用哪一隻程式 那是不是需要先</a:t>
+            </a:r>
+            <a:r>
+              <a:rPr lang="en-US" altLang="zh-TW" dirty="0"/>
+              <a:t>Wait event?</a:t>
+            </a:r>
+            <a:r>
+              <a:rPr lang="zh-TW" altLang="en-US" dirty="0"/>
+              <a:t> </a:t>
+            </a:r>
+            <a:endParaRPr lang="en-US" altLang="zh-TW" dirty="0"/>
+          </a:p>
+          <a:p>
+            <a:pPr marL="228600" indent="-228600">
+              <a:buFont typeface="+mj-lt"/>
+              <a:buAutoNum type="arabicPeriod"/>
+            </a:pPr>
+            <a:r>
+              <a:rPr lang="zh-TW" altLang="en-US" dirty="0"/>
+              <a:t>這兩條線是哪裡來的</a:t>
+            </a:r>
+            <a:r>
+              <a:rPr lang="en-US" altLang="zh-TW" dirty="0"/>
+              <a:t>?</a:t>
+            </a:r>
+            <a:r>
+              <a:rPr lang="zh-TW" altLang="en-US" dirty="0"/>
+              <a:t>畫得太複雜會讓人誤會</a:t>
+            </a:r>
+            <a:endParaRPr lang="en-US" altLang="zh-TW" dirty="0"/>
+          </a:p>
+          <a:p>
+            <a:endParaRPr lang="en-US" altLang="zh-TW" dirty="0"/>
+          </a:p>
+          <a:p>
             <a:r>
               <a:rPr lang="zh-TW" altLang="en-US" dirty="0"/>
               <a:t>實驗三步驟</a:t>
@@ -4169,7 +4422,7 @@
             <a:fld id="{518BE4F5-F18B-4D2C-9D11-3E6D941672A9}" type="slidenum">
               <a:rPr lang="zh-TW" altLang="en-US" smtClean="0"/>
               <a:pPr/>
-              <a:t>51</a:t>
+              <a:t>50</a:t>
             </a:fld>
             <a:endParaRPr lang="zh-TW" altLang="en-US"/>
           </a:p>
@@ -4178,7 +4431,7 @@
     </p:spTree>
     <p:extLst>
       <p:ext uri="{BB962C8B-B14F-4D97-AF65-F5344CB8AC3E}">
-        <p14:creationId xmlns:p14="http://schemas.microsoft.com/office/powerpoint/2010/main" val="2814512471"/>
+        <p14:creationId xmlns:p14="http://schemas.microsoft.com/office/powerpoint/2010/main" val="1276461803"/>
       </p:ext>
     </p:extLst>
   </p:cSld>
@@ -4232,6 +4485,177 @@
           <a:bodyPr/>
           <a:lstStyle/>
           <a:p>
+            <a:r>
+              <a:rPr lang="zh-TW" altLang="en-US" dirty="0"/>
+              <a:t>實驗三步驟</a:t>
+            </a:r>
+            <a:r>
+              <a:rPr lang="en-US" altLang="zh-TW" dirty="0"/>
+              <a:t>:</a:t>
+            </a:r>
+            <a:r>
+              <a:rPr lang="zh-TW" altLang="en-US" dirty="0"/>
+              <a:t> </a:t>
+            </a:r>
+            <a:r>
+              <a:rPr lang="zh-TW" altLang="en-US" baseline="0" dirty="0"/>
+              <a:t>  輸入</a:t>
+            </a:r>
+            <a:r>
+              <a:rPr lang="en-US" altLang="zh-TW" baseline="0" dirty="0"/>
+              <a:t>-</a:t>
+            </a:r>
+            <a:r>
+              <a:rPr lang="zh-TW" altLang="en-US" baseline="0" dirty="0"/>
+              <a:t>處理</a:t>
+            </a:r>
+            <a:r>
+              <a:rPr lang="en-US" altLang="zh-TW" baseline="0" dirty="0"/>
+              <a:t>-</a:t>
+            </a:r>
+            <a:r>
+              <a:rPr lang="zh-TW" altLang="en-US" baseline="0" dirty="0"/>
+              <a:t>輸出</a:t>
+            </a:r>
+            <a:endParaRPr lang="en-US" altLang="zh-TW" baseline="0" dirty="0"/>
+          </a:p>
+          <a:p>
+            <a:endParaRPr lang="en-US" altLang="zh-TW" baseline="0" dirty="0"/>
+          </a:p>
+          <a:p>
+            <a:r>
+              <a:rPr lang="zh-TW" altLang="en-US" dirty="0"/>
+              <a:t>範例</a:t>
+            </a:r>
+            <a:r>
+              <a:rPr lang="en-US" altLang="zh-TW" dirty="0"/>
+              <a:t>:</a:t>
+            </a:r>
+          </a:p>
+          <a:p>
+            <a:endParaRPr lang="en-US" altLang="zh-TW" dirty="0"/>
+          </a:p>
+          <a:p>
+            <a:r>
+              <a:rPr lang="zh-TW" altLang="en-US" dirty="0"/>
+              <a:t>輸入</a:t>
+            </a:r>
+            <a:r>
+              <a:rPr lang="en-US" altLang="zh-TW" dirty="0"/>
+              <a:t>:</a:t>
+            </a:r>
+            <a:r>
+              <a:rPr lang="zh-TW" altLang="en-US" dirty="0"/>
+              <a:t>   兩人的座標</a:t>
+            </a:r>
+            <a:endParaRPr lang="en-US" altLang="zh-TW" dirty="0"/>
+          </a:p>
+          <a:p>
+            <a:r>
+              <a:rPr lang="zh-TW" altLang="en-US" dirty="0"/>
+              <a:t>處理</a:t>
+            </a:r>
+            <a:r>
+              <a:rPr lang="en-US" altLang="zh-TW" dirty="0"/>
+              <a:t>:</a:t>
+            </a:r>
+            <a:r>
+              <a:rPr lang="zh-TW" altLang="en-US" dirty="0"/>
+              <a:t>   求直線距離的公式</a:t>
+            </a:r>
+            <a:endParaRPr lang="en-US" altLang="zh-TW" dirty="0"/>
+          </a:p>
+          <a:p>
+            <a:r>
+              <a:rPr lang="zh-TW" altLang="en-US" dirty="0"/>
+              <a:t>輸出</a:t>
+            </a:r>
+            <a:r>
+              <a:rPr lang="en-US" altLang="zh-TW" dirty="0"/>
+              <a:t>:</a:t>
+            </a:r>
+            <a:r>
+              <a:rPr lang="zh-TW" altLang="en-US" dirty="0"/>
+              <a:t>   兩人的直線距離</a:t>
+            </a:r>
+            <a:endParaRPr lang="en-US" altLang="zh-TW" dirty="0"/>
+          </a:p>
+          <a:p>
+            <a:endParaRPr lang="en-US" altLang="zh-TW" dirty="0"/>
+          </a:p>
+          <a:p>
+            <a:pPr marL="0" marR="0" indent="0" algn="l" defTabSz="914400" rtl="0" eaLnBrk="1" fontAlgn="auto" latinLnBrk="0" hangingPunct="1">
+              <a:lnSpc>
+                <a:spcPct val="100000"/>
+              </a:lnSpc>
+              <a:spcBef>
+                <a:spcPts val="0"/>
+              </a:spcBef>
+              <a:spcAft>
+                <a:spcPts val="0"/>
+              </a:spcAft>
+              <a:buClrTx/>
+              <a:buSzTx/>
+              <a:buFontTx/>
+              <a:buNone/>
+              <a:tabLst/>
+              <a:defRPr/>
+            </a:pPr>
+            <a:r>
+              <a:rPr lang="zh-TW" altLang="en-US" dirty="0"/>
+              <a:t>圖片取自</a:t>
+            </a:r>
+            <a:r>
+              <a:rPr lang="en-US" altLang="zh-TW" dirty="0"/>
+              <a:t>:</a:t>
+            </a:r>
+            <a:r>
+              <a:rPr lang="zh-TW" altLang="en-US" sz="1200" b="1" dirty="0">
+                <a:solidFill>
+                  <a:schemeClr val="tx2">
+                    <a:satMod val="130000"/>
+                  </a:schemeClr>
+                </a:solidFill>
+                <a:effectLst>
+                  <a:outerShdw blurRad="38100" dist="38100" dir="2700000" algn="tl">
+                    <a:srgbClr val="C0C0C0"/>
+                  </a:outerShdw>
+                </a:effectLst>
+                <a:latin typeface="微軟正黑體" pitchFamily="34" charset="-120"/>
+              </a:rPr>
+              <a:t>李春雄  博士  計算機概論第六章 </a:t>
+            </a:r>
+            <a:r>
+              <a:rPr lang="en-US" altLang="zh-TW" sz="1200" b="1" dirty="0" err="1">
+                <a:solidFill>
+                  <a:schemeClr val="tx2">
+                    <a:satMod val="130000"/>
+                  </a:schemeClr>
+                </a:solidFill>
+                <a:effectLst>
+                  <a:outerShdw blurRad="38100" dist="38100" dir="2700000" algn="tl">
+                    <a:srgbClr val="C0C0C0"/>
+                  </a:outerShdw>
+                </a:effectLst>
+                <a:latin typeface="微軟正黑體" pitchFamily="34" charset="-120"/>
+              </a:rPr>
+              <a:t>ppt</a:t>
+            </a:r>
+            <a:endParaRPr lang="en-US" altLang="zh-TW" sz="1200" b="1" dirty="0">
+              <a:solidFill>
+                <a:schemeClr val="tx2">
+                  <a:satMod val="130000"/>
+                </a:schemeClr>
+              </a:solidFill>
+              <a:effectLst>
+                <a:outerShdw blurRad="38100" dist="38100" dir="2700000" algn="tl">
+                  <a:srgbClr val="C0C0C0"/>
+                </a:outerShdw>
+              </a:effectLst>
+              <a:latin typeface="微軟正黑體" pitchFamily="34" charset="-120"/>
+            </a:endParaRPr>
+          </a:p>
+          <a:p>
             <a:endParaRPr lang="zh-TW" altLang="en-US" dirty="0"/>
           </a:p>
         </p:txBody>
@@ -4254,7 +4678,7 @@
             <a:fld id="{518BE4F5-F18B-4D2C-9D11-3E6D941672A9}" type="slidenum">
               <a:rPr lang="zh-TW" altLang="en-US" smtClean="0"/>
               <a:pPr/>
-              <a:t>52</a:t>
+              <a:t>51</a:t>
             </a:fld>
             <a:endParaRPr lang="zh-TW" altLang="en-US"/>
           </a:p>
@@ -4263,7 +4687,7 @@
     </p:spTree>
     <p:extLst>
       <p:ext uri="{BB962C8B-B14F-4D97-AF65-F5344CB8AC3E}">
-        <p14:creationId xmlns:p14="http://schemas.microsoft.com/office/powerpoint/2010/main" val="327213798"/>
+        <p14:creationId xmlns:p14="http://schemas.microsoft.com/office/powerpoint/2010/main" val="2814512471"/>
       </p:ext>
     </p:extLst>
   </p:cSld>
@@ -4317,95 +4741,7 @@
           <a:bodyPr/>
           <a:lstStyle/>
           <a:p>
-            <a:r>
-              <a:rPr lang="zh-TW" altLang="en-US" dirty="0"/>
-              <a:t>找一個字串中 </a:t>
-            </a:r>
-            <a:r>
-              <a:rPr lang="en-US" altLang="zh-TW" dirty="0"/>
-              <a:t>“</a:t>
-            </a:r>
-            <a:r>
-              <a:rPr lang="zh-TW" altLang="en-US" dirty="0"/>
-              <a:t>字首</a:t>
-            </a:r>
-            <a:r>
-              <a:rPr lang="en-US" altLang="zh-TW" dirty="0"/>
-              <a:t>”</a:t>
-            </a:r>
-            <a:r>
-              <a:rPr lang="zh-TW" altLang="en-US" dirty="0"/>
-              <a:t>出現的次數 </a:t>
-            </a:r>
-            <a:r>
-              <a:rPr lang="en-US" altLang="zh-TW" dirty="0"/>
-              <a:t>(</a:t>
-            </a:r>
-            <a:r>
-              <a:rPr lang="zh-TW" altLang="en-US" dirty="0"/>
-              <a:t> </a:t>
-            </a:r>
-            <a:r>
-              <a:rPr lang="en-US" altLang="zh-TW" dirty="0"/>
-              <a:t>n </a:t>
-            </a:r>
-            <a:r>
-              <a:rPr lang="zh-TW" altLang="en-US" dirty="0"/>
-              <a:t>次以內</a:t>
-            </a:r>
-            <a:r>
-              <a:rPr lang="en-US" altLang="zh-TW" dirty="0"/>
-              <a:t>)</a:t>
-            </a:r>
-          </a:p>
-          <a:p>
-            <a:endParaRPr lang="en-US" altLang="zh-TW" dirty="0"/>
-          </a:p>
-          <a:p>
-            <a:r>
-              <a:rPr lang="en-US" altLang="zh-TW" dirty="0"/>
-              <a:t>ANS </a:t>
-            </a:r>
-          </a:p>
-          <a:p>
-            <a:r>
-              <a:rPr lang="en-US" altLang="zh-TW" dirty="0"/>
-              <a:t>1.1: p</a:t>
-            </a:r>
-            <a:r>
-              <a:rPr lang="en-US" altLang="zh-TW" baseline="0" dirty="0"/>
-              <a:t>    appeared    3    times</a:t>
-            </a:r>
-          </a:p>
-          <a:p>
-            <a:r>
-              <a:rPr lang="en-US" altLang="zh-TW" baseline="0" dirty="0"/>
-              <a:t>1.2: C    appeared    6    times</a:t>
-            </a:r>
-          </a:p>
-          <a:p>
-            <a:endParaRPr lang="en-US" altLang="zh-TW" baseline="0" dirty="0"/>
-          </a:p>
-          <a:p>
-            <a:endParaRPr lang="en-US" altLang="zh-TW" baseline="0" dirty="0"/>
-          </a:p>
-          <a:p>
-            <a:r>
-              <a:rPr lang="zh-TW" altLang="en-US" baseline="0" dirty="0"/>
-              <a:t>題目取自 </a:t>
-            </a:r>
-            <a:r>
-              <a:rPr lang="en-US" altLang="zh-TW" baseline="0" dirty="0"/>
-              <a:t>:</a:t>
-            </a:r>
-            <a:r>
-              <a:rPr lang="zh-TW" altLang="en-US" baseline="0" dirty="0"/>
-              <a:t>  </a:t>
-            </a:r>
-            <a:r>
-              <a:rPr lang="en-US" altLang="zh-TW" baseline="0" dirty="0"/>
-              <a:t>http://programmersknowledge.weebly.com/pseudocode.html</a:t>
-            </a:r>
+            <a:endParaRPr lang="zh-TW" altLang="en-US" dirty="0"/>
           </a:p>
         </p:txBody>
       </p:sp>
@@ -4427,7 +4763,7 @@
             <a:fld id="{518BE4F5-F18B-4D2C-9D11-3E6D941672A9}" type="slidenum">
               <a:rPr lang="zh-TW" altLang="en-US" smtClean="0"/>
               <a:pPr/>
-              <a:t>53</a:t>
+              <a:t>52</a:t>
             </a:fld>
             <a:endParaRPr lang="zh-TW" altLang="en-US"/>
           </a:p>
@@ -4436,7 +4772,7 @@
     </p:spTree>
     <p:extLst>
       <p:ext uri="{BB962C8B-B14F-4D97-AF65-F5344CB8AC3E}">
-        <p14:creationId xmlns:p14="http://schemas.microsoft.com/office/powerpoint/2010/main" val="1003467561"/>
+        <p14:creationId xmlns:p14="http://schemas.microsoft.com/office/powerpoint/2010/main" val="327213798"/>
       </p:ext>
     </p:extLst>
   </p:cSld>
@@ -4490,7 +4826,95 @@
           <a:bodyPr/>
           <a:lstStyle/>
           <a:p>
-            <a:endParaRPr lang="zh-TW" altLang="en-US" dirty="0"/>
+            <a:r>
+              <a:rPr lang="zh-TW" altLang="en-US" dirty="0"/>
+              <a:t>找一個字串中 </a:t>
+            </a:r>
+            <a:r>
+              <a:rPr lang="en-US" altLang="zh-TW" dirty="0"/>
+              <a:t>“</a:t>
+            </a:r>
+            <a:r>
+              <a:rPr lang="zh-TW" altLang="en-US" dirty="0"/>
+              <a:t>字首</a:t>
+            </a:r>
+            <a:r>
+              <a:rPr lang="en-US" altLang="zh-TW" dirty="0"/>
+              <a:t>”</a:t>
+            </a:r>
+            <a:r>
+              <a:rPr lang="zh-TW" altLang="en-US" dirty="0"/>
+              <a:t>出現的次數 </a:t>
+            </a:r>
+            <a:r>
+              <a:rPr lang="en-US" altLang="zh-TW" dirty="0"/>
+              <a:t>(</a:t>
+            </a:r>
+            <a:r>
+              <a:rPr lang="zh-TW" altLang="en-US" dirty="0"/>
+              <a:t> </a:t>
+            </a:r>
+            <a:r>
+              <a:rPr lang="en-US" altLang="zh-TW" dirty="0"/>
+              <a:t>n </a:t>
+            </a:r>
+            <a:r>
+              <a:rPr lang="zh-TW" altLang="en-US" dirty="0"/>
+              <a:t>次以內</a:t>
+            </a:r>
+            <a:r>
+              <a:rPr lang="en-US" altLang="zh-TW" dirty="0"/>
+              <a:t>)</a:t>
+            </a:r>
+          </a:p>
+          <a:p>
+            <a:endParaRPr lang="en-US" altLang="zh-TW" dirty="0"/>
+          </a:p>
+          <a:p>
+            <a:r>
+              <a:rPr lang="en-US" altLang="zh-TW" dirty="0"/>
+              <a:t>ANS </a:t>
+            </a:r>
+          </a:p>
+          <a:p>
+            <a:r>
+              <a:rPr lang="en-US" altLang="zh-TW" dirty="0"/>
+              <a:t>1.1: p</a:t>
+            </a:r>
+            <a:r>
+              <a:rPr lang="en-US" altLang="zh-TW" baseline="0" dirty="0"/>
+              <a:t>    appeared    3    times</a:t>
+            </a:r>
+          </a:p>
+          <a:p>
+            <a:r>
+              <a:rPr lang="en-US" altLang="zh-TW" baseline="0" dirty="0"/>
+              <a:t>1.2: C    appeared    6    times</a:t>
+            </a:r>
+          </a:p>
+          <a:p>
+            <a:endParaRPr lang="en-US" altLang="zh-TW" baseline="0" dirty="0"/>
+          </a:p>
+          <a:p>
+            <a:endParaRPr lang="en-US" altLang="zh-TW" baseline="0" dirty="0"/>
+          </a:p>
+          <a:p>
+            <a:r>
+              <a:rPr lang="zh-TW" altLang="en-US" baseline="0" dirty="0"/>
+              <a:t>題目取自 </a:t>
+            </a:r>
+            <a:r>
+              <a:rPr lang="en-US" altLang="zh-TW" baseline="0" dirty="0"/>
+              <a:t>:</a:t>
+            </a:r>
+            <a:r>
+              <a:rPr lang="zh-TW" altLang="en-US" baseline="0" dirty="0"/>
+              <a:t>  </a:t>
+            </a:r>
+            <a:r>
+              <a:rPr lang="en-US" altLang="zh-TW" baseline="0" dirty="0"/>
+              <a:t>http://programmersknowledge.weebly.com/pseudocode.html</a:t>
+            </a:r>
           </a:p>
         </p:txBody>
       </p:sp>
@@ -4512,7 +4936,7 @@
             <a:fld id="{518BE4F5-F18B-4D2C-9D11-3E6D941672A9}" type="slidenum">
               <a:rPr lang="zh-TW" altLang="en-US" smtClean="0"/>
               <a:pPr/>
-              <a:t>54</a:t>
+              <a:t>53</a:t>
             </a:fld>
             <a:endParaRPr lang="zh-TW" altLang="en-US"/>
           </a:p>
@@ -4521,7 +4945,7 @@
     </p:spTree>
     <p:extLst>
       <p:ext uri="{BB962C8B-B14F-4D97-AF65-F5344CB8AC3E}">
-        <p14:creationId xmlns:p14="http://schemas.microsoft.com/office/powerpoint/2010/main" val="2270251353"/>
+        <p14:creationId xmlns:p14="http://schemas.microsoft.com/office/powerpoint/2010/main" val="1003467561"/>
       </p:ext>
     </p:extLst>
   </p:cSld>
@@ -4660,95 +5084,7 @@
           <a:bodyPr/>
           <a:lstStyle/>
           <a:p>
-            <a:r>
-              <a:rPr lang="zh-TW" altLang="en-US" dirty="0"/>
-              <a:t>找一個字串中 </a:t>
-            </a:r>
-            <a:r>
-              <a:rPr lang="en-US" altLang="zh-TW" dirty="0"/>
-              <a:t>“</a:t>
-            </a:r>
-            <a:r>
-              <a:rPr lang="zh-TW" altLang="en-US" dirty="0"/>
-              <a:t>字首</a:t>
-            </a:r>
-            <a:r>
-              <a:rPr lang="en-US" altLang="zh-TW" dirty="0"/>
-              <a:t>”</a:t>
-            </a:r>
-            <a:r>
-              <a:rPr lang="zh-TW" altLang="en-US" dirty="0"/>
-              <a:t>出現的次數 </a:t>
-            </a:r>
-            <a:r>
-              <a:rPr lang="en-US" altLang="zh-TW" dirty="0"/>
-              <a:t>(</a:t>
-            </a:r>
-            <a:r>
-              <a:rPr lang="zh-TW" altLang="en-US" dirty="0"/>
-              <a:t> </a:t>
-            </a:r>
-            <a:r>
-              <a:rPr lang="en-US" altLang="zh-TW" dirty="0"/>
-              <a:t>n </a:t>
-            </a:r>
-            <a:r>
-              <a:rPr lang="zh-TW" altLang="en-US" dirty="0"/>
-              <a:t>次以內</a:t>
-            </a:r>
-            <a:r>
-              <a:rPr lang="en-US" altLang="zh-TW" dirty="0"/>
-              <a:t>)</a:t>
-            </a:r>
-          </a:p>
-          <a:p>
-            <a:endParaRPr lang="en-US" altLang="zh-TW" dirty="0"/>
-          </a:p>
-          <a:p>
-            <a:r>
-              <a:rPr lang="en-US" altLang="zh-TW" dirty="0"/>
-              <a:t>ANS </a:t>
-            </a:r>
-          </a:p>
-          <a:p>
-            <a:r>
-              <a:rPr lang="en-US" altLang="zh-TW" dirty="0"/>
-              <a:t>1.1: p</a:t>
-            </a:r>
-            <a:r>
-              <a:rPr lang="en-US" altLang="zh-TW" baseline="0" dirty="0"/>
-              <a:t>    appeared    3    times</a:t>
-            </a:r>
-          </a:p>
-          <a:p>
-            <a:r>
-              <a:rPr lang="en-US" altLang="zh-TW" baseline="0" dirty="0"/>
-              <a:t>1.2: C    appeared    6    times</a:t>
-            </a:r>
-          </a:p>
-          <a:p>
-            <a:endParaRPr lang="en-US" altLang="zh-TW" baseline="0" dirty="0"/>
-          </a:p>
-          <a:p>
-            <a:endParaRPr lang="en-US" altLang="zh-TW" baseline="0" dirty="0"/>
-          </a:p>
-          <a:p>
-            <a:r>
-              <a:rPr lang="zh-TW" altLang="en-US" baseline="0" dirty="0"/>
-              <a:t>題目取自 </a:t>
-            </a:r>
-            <a:r>
-              <a:rPr lang="en-US" altLang="zh-TW" baseline="0" dirty="0"/>
-              <a:t>:</a:t>
-            </a:r>
-            <a:r>
-              <a:rPr lang="zh-TW" altLang="en-US" baseline="0" dirty="0"/>
-              <a:t>  </a:t>
-            </a:r>
-            <a:r>
-              <a:rPr lang="en-US" altLang="zh-TW" baseline="0" dirty="0"/>
-              <a:t>http://programmersknowledge.weebly.com/pseudocode.html</a:t>
-            </a:r>
+            <a:endParaRPr lang="zh-TW" altLang="en-US" dirty="0"/>
           </a:p>
         </p:txBody>
       </p:sp>
@@ -4770,7 +5106,7 @@
             <a:fld id="{518BE4F5-F18B-4D2C-9D11-3E6D941672A9}" type="slidenum">
               <a:rPr lang="zh-TW" altLang="en-US" smtClean="0"/>
               <a:pPr/>
-              <a:t>55</a:t>
+              <a:t>54</a:t>
             </a:fld>
             <a:endParaRPr lang="zh-TW" altLang="en-US"/>
           </a:p>
@@ -4779,7 +5115,7 @@
     </p:spTree>
     <p:extLst>
       <p:ext uri="{BB962C8B-B14F-4D97-AF65-F5344CB8AC3E}">
-        <p14:creationId xmlns:p14="http://schemas.microsoft.com/office/powerpoint/2010/main" val="3979034712"/>
+        <p14:creationId xmlns:p14="http://schemas.microsoft.com/office/powerpoint/2010/main" val="2270251353"/>
       </p:ext>
     </p:extLst>
   </p:cSld>
@@ -4833,6 +5169,107 @@
           <a:bodyPr/>
           <a:lstStyle/>
           <a:p>
+            <a:pPr marL="228600" indent="-228600">
+              <a:buFont typeface="+mj-lt"/>
+              <a:buAutoNum type="arabicPeriod"/>
+            </a:pPr>
+            <a:r>
+              <a:rPr lang="zh-TW" altLang="en-US" dirty="0"/>
+              <a:t>大括號沒有對齊 但可以接受</a:t>
+            </a:r>
+            <a:endParaRPr lang="en-US" altLang="zh-TW" dirty="0"/>
+          </a:p>
+          <a:p>
+            <a:pPr marL="228600" indent="-228600">
+              <a:buFont typeface="+mj-lt"/>
+              <a:buAutoNum type="arabicPeriod"/>
+            </a:pPr>
+            <a:r>
+              <a:rPr lang="zh-TW" altLang="en-US" dirty="0"/>
+              <a:t>不要粗體 可以斜體 只是強調特別字</a:t>
+            </a:r>
+            <a:endParaRPr lang="en-US" altLang="zh-TW" dirty="0"/>
+          </a:p>
+          <a:p>
+            <a:pPr marL="228600" indent="-228600">
+              <a:buFont typeface="+mj-lt"/>
+              <a:buAutoNum type="arabicPeriod"/>
+            </a:pPr>
+            <a:r>
+              <a:rPr lang="zh-TW" altLang="en-US" dirty="0"/>
+              <a:t>字可以用定義的 這樣就不會這麼長</a:t>
+            </a:r>
+            <a:endParaRPr lang="en-US" altLang="zh-TW" dirty="0"/>
+          </a:p>
+          <a:p>
+            <a:pPr marL="228600" indent="-228600">
+              <a:buFont typeface="+mj-lt"/>
+              <a:buAutoNum type="arabicPeriod"/>
+            </a:pPr>
+            <a:r>
+              <a:rPr lang="en-US" altLang="zh-TW" dirty="0"/>
+              <a:t>Record </a:t>
+            </a:r>
+            <a:r>
+              <a:rPr lang="zh-TW" altLang="en-US" dirty="0"/>
+              <a:t>沒有和</a:t>
+            </a:r>
+            <a:r>
+              <a:rPr lang="en-US" altLang="zh-TW" dirty="0"/>
+              <a:t>repeat</a:t>
+            </a:r>
+            <a:r>
+              <a:rPr lang="zh-TW" altLang="en-US" dirty="0"/>
+              <a:t>對齊 下面的</a:t>
+            </a:r>
+            <a:r>
+              <a:rPr lang="en-US" altLang="zh-TW" dirty="0"/>
+              <a:t>if</a:t>
+            </a:r>
+            <a:r>
+              <a:rPr lang="zh-TW" altLang="en-US" dirty="0"/>
+              <a:t>已經對齊</a:t>
+            </a:r>
+            <a:endParaRPr lang="en-US" altLang="zh-TW" dirty="0"/>
+          </a:p>
+          <a:p>
+            <a:pPr marL="228600" indent="-228600">
+              <a:buFont typeface="+mj-lt"/>
+              <a:buAutoNum type="arabicPeriod"/>
+            </a:pPr>
+            <a:r>
+              <a:rPr lang="zh-TW" altLang="en-US" b="1" dirty="0"/>
+              <a:t>寫完程式可以來對虛擬馬是不是</a:t>
+            </a:r>
+            <a:r>
+              <a:rPr lang="en-US" altLang="zh-TW" b="1" dirty="0"/>
+              <a:t>ok </a:t>
+            </a:r>
+            <a:r>
+              <a:rPr lang="zh-TW" altLang="en-US" b="1" dirty="0"/>
+              <a:t>但一開始就要來寫虛擬馬 </a:t>
+            </a:r>
+            <a:r>
+              <a:rPr lang="en-US" altLang="zh-TW" b="1" dirty="0"/>
+              <a:t>(</a:t>
+            </a:r>
+            <a:r>
+              <a:rPr lang="zh-TW" altLang="en-US" b="1" dirty="0"/>
+              <a:t>可以用例子來驗證虛擬馬隊不對</a:t>
+            </a:r>
+            <a:r>
+              <a:rPr lang="en-US" altLang="zh-TW" b="1" dirty="0"/>
+              <a:t>)</a:t>
+            </a:r>
+          </a:p>
+          <a:p>
+            <a:pPr marL="228600" indent="-228600">
+              <a:buFont typeface="+mj-lt"/>
+              <a:buAutoNum type="arabicPeriod"/>
+            </a:pPr>
+            <a:endParaRPr lang="en-US" altLang="zh-TW" dirty="0"/>
+          </a:p>
+          <a:p>
             <a:r>
               <a:rPr lang="zh-TW" altLang="en-US" dirty="0"/>
               <a:t>找一個字串中 </a:t>
@@ -4943,7 +5380,7 @@
             <a:fld id="{518BE4F5-F18B-4D2C-9D11-3E6D941672A9}" type="slidenum">
               <a:rPr lang="zh-TW" altLang="en-US" smtClean="0"/>
               <a:pPr/>
-              <a:t>56</a:t>
+              <a:t>55</a:t>
             </a:fld>
             <a:endParaRPr lang="zh-TW" altLang="en-US"/>
           </a:p>
@@ -4952,7 +5389,7 @@
     </p:spTree>
     <p:extLst>
       <p:ext uri="{BB962C8B-B14F-4D97-AF65-F5344CB8AC3E}">
-        <p14:creationId xmlns:p14="http://schemas.microsoft.com/office/powerpoint/2010/main" val="3659981381"/>
+        <p14:creationId xmlns:p14="http://schemas.microsoft.com/office/powerpoint/2010/main" val="3979034712"/>
       </p:ext>
     </p:extLst>
   </p:cSld>
@@ -5006,6 +5443,89 @@
           <a:bodyPr/>
           <a:lstStyle/>
           <a:p>
+            <a:pPr marL="228600" indent="-228600">
+              <a:buFont typeface="+mj-lt"/>
+              <a:buAutoNum type="arabicPeriod"/>
+            </a:pPr>
+            <a:r>
+              <a:rPr lang="zh-TW" altLang="en-US" dirty="0"/>
+              <a:t>框框看起來更不清楚</a:t>
+            </a:r>
+            <a:endParaRPr lang="en-US" altLang="zh-TW" dirty="0"/>
+          </a:p>
+          <a:p>
+            <a:pPr marL="228600" indent="-228600">
+              <a:buFont typeface="+mj-lt"/>
+              <a:buAutoNum type="arabicPeriod"/>
+            </a:pPr>
+            <a:r>
+              <a:rPr lang="zh-TW" altLang="en-US" dirty="0"/>
+              <a:t>符號不太清楚 他應該是想表示</a:t>
+            </a:r>
+            <a:r>
+              <a:rPr lang="en-US" altLang="zh-TW" dirty="0" err="1"/>
+              <a:t>i</a:t>
+            </a:r>
+            <a:r>
+              <a:rPr lang="en-US" altLang="zh-TW" dirty="0"/>
+              <a:t>=n(</a:t>
+            </a:r>
+            <a:r>
+              <a:rPr lang="zh-TW" altLang="en-US" dirty="0"/>
+              <a:t>初始直</a:t>
+            </a:r>
+            <a:r>
+              <a:rPr lang="en-US" altLang="zh-TW" dirty="0"/>
+              <a:t>)</a:t>
+            </a:r>
+            <a:r>
+              <a:rPr lang="zh-TW" altLang="en-US" dirty="0"/>
+              <a:t>但這邊不太對</a:t>
+            </a:r>
+            <a:endParaRPr lang="en-US" altLang="zh-TW" dirty="0"/>
+          </a:p>
+          <a:p>
+            <a:pPr marL="228600" indent="-228600">
+              <a:buFont typeface="+mj-lt"/>
+              <a:buAutoNum type="arabicPeriod"/>
+            </a:pPr>
+            <a:r>
+              <a:rPr lang="en-US" altLang="zh-TW" dirty="0"/>
+              <a:t>For</a:t>
+            </a:r>
+            <a:r>
+              <a:rPr lang="zh-TW" altLang="en-US" dirty="0"/>
+              <a:t>和</a:t>
+            </a:r>
+            <a:r>
+              <a:rPr lang="en-US" altLang="zh-TW" dirty="0"/>
+              <a:t>if</a:t>
+            </a:r>
+            <a:r>
+              <a:rPr lang="zh-TW" altLang="en-US" dirty="0"/>
+              <a:t>有對齊</a:t>
+            </a:r>
+            <a:endParaRPr lang="en-US" altLang="zh-TW" dirty="0"/>
+          </a:p>
+          <a:p>
+            <a:pPr marL="228600" indent="-228600">
+              <a:buFont typeface="+mj-lt"/>
+              <a:buAutoNum type="arabicPeriod"/>
+            </a:pPr>
+            <a:r>
+              <a:rPr lang="zh-TW" altLang="en-US" dirty="0"/>
+              <a:t>太長了 可以簡寫會更清楚 能簡化就簡化</a:t>
+            </a:r>
+            <a:endParaRPr lang="en-US" altLang="zh-TW" dirty="0"/>
+          </a:p>
+          <a:p>
+            <a:pPr marL="228600" indent="-228600">
+              <a:buFont typeface="+mj-lt"/>
+              <a:buAutoNum type="arabicPeriod"/>
+            </a:pPr>
+            <a:endParaRPr lang="en-US" altLang="zh-TW" dirty="0"/>
+          </a:p>
+          <a:p>
             <a:r>
               <a:rPr lang="zh-TW" altLang="en-US" dirty="0"/>
               <a:t>找一個字串中 </a:t>
@@ -5116,7 +5636,7 @@
             <a:fld id="{518BE4F5-F18B-4D2C-9D11-3E6D941672A9}" type="slidenum">
               <a:rPr lang="zh-TW" altLang="en-US" smtClean="0"/>
               <a:pPr/>
-              <a:t>57</a:t>
+              <a:t>56</a:t>
             </a:fld>
             <a:endParaRPr lang="zh-TW" altLang="en-US"/>
           </a:p>
@@ -5125,7 +5645,7 @@
     </p:spTree>
     <p:extLst>
       <p:ext uri="{BB962C8B-B14F-4D97-AF65-F5344CB8AC3E}">
-        <p14:creationId xmlns:p14="http://schemas.microsoft.com/office/powerpoint/2010/main" val="861390214"/>
+        <p14:creationId xmlns:p14="http://schemas.microsoft.com/office/powerpoint/2010/main" val="3659981381"/>
       </p:ext>
     </p:extLst>
   </p:cSld>
@@ -5179,6 +5699,46 @@
           <a:bodyPr/>
           <a:lstStyle/>
           <a:p>
+            <a:pPr marL="228600" indent="-228600">
+              <a:buFont typeface="+mj-lt"/>
+              <a:buAutoNum type="arabicPeriod"/>
+            </a:pPr>
+            <a:r>
+              <a:rPr lang="en-US" altLang="zh-TW" dirty="0"/>
+              <a:t>For first part </a:t>
+            </a:r>
+            <a:r>
+              <a:rPr lang="zh-TW" altLang="en-US" dirty="0"/>
+              <a:t>這一邊只要註解就好 寫在程式裡面的是要</a:t>
+            </a:r>
+            <a:r>
+              <a:rPr lang="en-US" altLang="zh-TW" dirty="0"/>
+              <a:t>run</a:t>
+            </a:r>
+            <a:r>
+              <a:rPr lang="zh-TW" altLang="en-US" dirty="0"/>
+              <a:t>的，這邊不用</a:t>
+            </a:r>
+            <a:r>
+              <a:rPr lang="en-US" altLang="zh-TW" dirty="0"/>
+              <a:t>run</a:t>
+            </a:r>
+          </a:p>
+          <a:p>
+            <a:pPr marL="228600" indent="-228600">
+              <a:buFont typeface="+mj-lt"/>
+              <a:buAutoNum type="arabicPeriod"/>
+            </a:pPr>
+            <a:r>
+              <a:rPr lang="zh-TW" altLang="en-US" dirty="0"/>
+              <a:t>該斜體沒斜體</a:t>
+            </a:r>
+            <a:endParaRPr lang="en-US" altLang="zh-TW" dirty="0"/>
+          </a:p>
+          <a:p>
+            <a:endParaRPr lang="en-US" altLang="zh-TW" dirty="0"/>
+          </a:p>
+          <a:p>
             <a:r>
               <a:rPr lang="zh-TW" altLang="en-US" dirty="0"/>
               <a:t>找一個字串中 </a:t>
@@ -5289,7 +5849,7 @@
             <a:fld id="{518BE4F5-F18B-4D2C-9D11-3E6D941672A9}" type="slidenum">
               <a:rPr lang="zh-TW" altLang="en-US" smtClean="0"/>
               <a:pPr/>
-              <a:t>58</a:t>
+              <a:t>57</a:t>
             </a:fld>
             <a:endParaRPr lang="zh-TW" altLang="en-US"/>
           </a:p>
@@ -5298,7 +5858,7 @@
     </p:spTree>
     <p:extLst>
       <p:ext uri="{BB962C8B-B14F-4D97-AF65-F5344CB8AC3E}">
-        <p14:creationId xmlns:p14="http://schemas.microsoft.com/office/powerpoint/2010/main" val="1038524378"/>
+        <p14:creationId xmlns:p14="http://schemas.microsoft.com/office/powerpoint/2010/main" val="861390214"/>
       </p:ext>
     </p:extLst>
   </p:cSld>
@@ -5352,6 +5912,223 @@
           <a:bodyPr/>
           <a:lstStyle/>
           <a:p>
+            <a:pPr marL="228600" indent="-228600">
+              <a:buFont typeface="+mj-lt"/>
+              <a:buAutoNum type="arabicPeriod"/>
+            </a:pPr>
+            <a:r>
+              <a:rPr lang="zh-TW" altLang="en-US" dirty="0"/>
+              <a:t>粗體可以是重點程式字</a:t>
+            </a:r>
+            <a:endParaRPr lang="en-US" altLang="zh-TW" dirty="0"/>
+          </a:p>
+          <a:p>
+            <a:pPr marL="228600" indent="-228600">
+              <a:buFont typeface="+mj-lt"/>
+              <a:buAutoNum type="arabicPeriod"/>
+            </a:pPr>
+            <a:r>
+              <a:rPr lang="en-US" altLang="zh-TW" dirty="0" err="1"/>
+              <a:t>i</a:t>
+            </a:r>
+            <a:r>
+              <a:rPr lang="zh-TW" altLang="en-US" dirty="0"/>
+              <a:t>應該要斜體</a:t>
+            </a:r>
+            <a:endParaRPr lang="en-US" altLang="zh-TW" dirty="0"/>
+          </a:p>
+          <a:p>
+            <a:pPr marL="228600" indent="-228600">
+              <a:buFont typeface="+mj-lt"/>
+              <a:buAutoNum type="arabicPeriod"/>
+            </a:pPr>
+            <a:r>
+              <a:rPr lang="en-US" altLang="zh-TW" dirty="0"/>
+              <a:t>if</a:t>
+            </a:r>
+            <a:r>
+              <a:rPr lang="zh-TW" altLang="en-US" dirty="0"/>
+              <a:t>那邊可以適當的縮牌會更清楚</a:t>
+            </a:r>
+            <a:endParaRPr lang="en-US" altLang="zh-TW" dirty="0"/>
+          </a:p>
+          <a:p>
+            <a:endParaRPr lang="en-US" altLang="zh-TW" dirty="0"/>
+          </a:p>
+          <a:p>
+            <a:r>
+              <a:rPr lang="zh-TW" altLang="en-US" dirty="0"/>
+              <a:t>找一個字串中 </a:t>
+            </a:r>
+            <a:r>
+              <a:rPr lang="en-US" altLang="zh-TW" dirty="0"/>
+              <a:t>“</a:t>
+            </a:r>
+            <a:r>
+              <a:rPr lang="zh-TW" altLang="en-US" dirty="0"/>
+              <a:t>字首</a:t>
+            </a:r>
+            <a:r>
+              <a:rPr lang="en-US" altLang="zh-TW" dirty="0"/>
+              <a:t>”</a:t>
+            </a:r>
+            <a:r>
+              <a:rPr lang="zh-TW" altLang="en-US" dirty="0"/>
+              <a:t>出現的次數 </a:t>
+            </a:r>
+            <a:r>
+              <a:rPr lang="en-US" altLang="zh-TW" dirty="0"/>
+              <a:t>(</a:t>
+            </a:r>
+            <a:r>
+              <a:rPr lang="zh-TW" altLang="en-US" dirty="0"/>
+              <a:t> </a:t>
+            </a:r>
+            <a:r>
+              <a:rPr lang="en-US" altLang="zh-TW" dirty="0"/>
+              <a:t>n </a:t>
+            </a:r>
+            <a:r>
+              <a:rPr lang="zh-TW" altLang="en-US" dirty="0"/>
+              <a:t>次以內</a:t>
+            </a:r>
+            <a:r>
+              <a:rPr lang="en-US" altLang="zh-TW" dirty="0"/>
+              <a:t>)</a:t>
+            </a:r>
+          </a:p>
+          <a:p>
+            <a:endParaRPr lang="en-US" altLang="zh-TW" dirty="0"/>
+          </a:p>
+          <a:p>
+            <a:r>
+              <a:rPr lang="en-US" altLang="zh-TW" dirty="0"/>
+              <a:t>ANS </a:t>
+            </a:r>
+          </a:p>
+          <a:p>
+            <a:r>
+              <a:rPr lang="en-US" altLang="zh-TW" dirty="0"/>
+              <a:t>1.1: p</a:t>
+            </a:r>
+            <a:r>
+              <a:rPr lang="en-US" altLang="zh-TW" baseline="0" dirty="0"/>
+              <a:t>    appeared    3    times</a:t>
+            </a:r>
+          </a:p>
+          <a:p>
+            <a:r>
+              <a:rPr lang="en-US" altLang="zh-TW" baseline="0" dirty="0"/>
+              <a:t>1.2: C    appeared    6    times</a:t>
+            </a:r>
+          </a:p>
+          <a:p>
+            <a:endParaRPr lang="en-US" altLang="zh-TW" baseline="0" dirty="0"/>
+          </a:p>
+          <a:p>
+            <a:endParaRPr lang="en-US" altLang="zh-TW" baseline="0" dirty="0"/>
+          </a:p>
+          <a:p>
+            <a:r>
+              <a:rPr lang="zh-TW" altLang="en-US" baseline="0" dirty="0"/>
+              <a:t>題目取自 </a:t>
+            </a:r>
+            <a:r>
+              <a:rPr lang="en-US" altLang="zh-TW" baseline="0" dirty="0"/>
+              <a:t>:</a:t>
+            </a:r>
+            <a:r>
+              <a:rPr lang="zh-TW" altLang="en-US" baseline="0" dirty="0"/>
+              <a:t>  </a:t>
+            </a:r>
+            <a:r>
+              <a:rPr lang="en-US" altLang="zh-TW" baseline="0" dirty="0"/>
+              <a:t>http://programmersknowledge.weebly.com/pseudocode.html</a:t>
+            </a:r>
+          </a:p>
+        </p:txBody>
+      </p:sp>
+      <p:sp>
+        <p:nvSpPr>
+          <p:cNvPr id="4" name="投影片編號版面配置區 3"/>
+          <p:cNvSpPr>
+            <a:spLocks noGrp="1"/>
+          </p:cNvSpPr>
+          <p:nvPr>
+            <p:ph type="sldNum" sz="quarter" idx="10"/>
+          </p:nvPr>
+        </p:nvSpPr>
+        <p:spPr/>
+        <p:txBody>
+          <a:bodyPr/>
+          <a:lstStyle/>
+          <a:p>
+            <a:fld id="{518BE4F5-F18B-4D2C-9D11-3E6D941672A9}" type="slidenum">
+              <a:rPr lang="zh-TW" altLang="en-US" smtClean="0"/>
+              <a:pPr/>
+              <a:t>58</a:t>
+            </a:fld>
+            <a:endParaRPr lang="zh-TW" altLang="en-US"/>
+          </a:p>
+        </p:txBody>
+      </p:sp>
+    </p:spTree>
+    <p:extLst>
+      <p:ext uri="{BB962C8B-B14F-4D97-AF65-F5344CB8AC3E}">
+        <p14:creationId xmlns:p14="http://schemas.microsoft.com/office/powerpoint/2010/main" val="1038524378"/>
+      </p:ext>
+    </p:extLst>
+  </p:cSld>
+  <p:clrMapOvr>
+    <a:masterClrMapping/>
+  </p:clrMapOvr>
+</p:notes>
+</file>
+
+<file path=ppt/notesSlides/notesSlide45.xml><?xml version="1.0" encoding="utf-8"?>
+<p:notes xmlns:a="http://schemas.openxmlformats.org/drawingml/2006/main" xmlns:r="http://schemas.openxmlformats.org/officeDocument/2006/relationships" xmlns:p="http://schemas.openxmlformats.org/presentationml/2006/main">
+  <p:cSld>
+    <p:spTree>
+      <p:nvGrpSpPr>
+        <p:cNvPr id="1" name=""/>
+        <p:cNvGrpSpPr/>
+        <p:nvPr/>
+      </p:nvGrpSpPr>
+      <p:grpSpPr>
+        <a:xfrm>
+          <a:off x="0" y="0"/>
+          <a:ext cx="0" cy="0"/>
+          <a:chOff x="0" y="0"/>
+          <a:chExt cx="0" cy="0"/>
+        </a:xfrm>
+      </p:grpSpPr>
+      <p:sp>
+        <p:nvSpPr>
+          <p:cNvPr id="2" name="投影片圖像版面配置區 1"/>
+          <p:cNvSpPr>
+            <a:spLocks noGrp="1" noRot="1" noChangeAspect="1"/>
+          </p:cNvSpPr>
+          <p:nvPr>
+            <p:ph type="sldImg"/>
+          </p:nvPr>
+        </p:nvSpPr>
+        <p:spPr/>
+      </p:sp>
+      <p:sp>
+        <p:nvSpPr>
+          <p:cNvPr id="3" name="備忘稿版面配置區 2"/>
+          <p:cNvSpPr>
+            <a:spLocks noGrp="1"/>
+          </p:cNvSpPr>
+          <p:nvPr>
+            <p:ph type="body" idx="1"/>
+          </p:nvPr>
+        </p:nvSpPr>
+        <p:spPr/>
+        <p:txBody>
+          <a:bodyPr/>
+          <a:lstStyle/>
+          <a:p>
             <a:r>
               <a:rPr lang="zh-TW" altLang="en-US" dirty="0"/>
               <a:t>找一個字串中 </a:t>
@@ -5481,7 +6258,7 @@
 </p:notes>
 </file>
 
-<file path=ppt/notesSlides/notesSlide45.xml><?xml version="1.0" encoding="utf-8"?>
+<file path=ppt/notesSlides/notesSlide46.xml><?xml version="1.0" encoding="utf-8"?>
 <p:notes xmlns:a="http://schemas.openxmlformats.org/drawingml/2006/main" xmlns:r="http://schemas.openxmlformats.org/officeDocument/2006/relationships" xmlns:p="http://schemas.openxmlformats.org/presentationml/2006/main">
   <p:cSld>
     <p:spTree>
@@ -6512,7 +7289,7 @@
             <a:fld id="{516E6824-C136-46B5-BBFD-EF575568A9FB}" type="datetime1">
               <a:rPr lang="zh-TW" altLang="en-US" smtClean="0"/>
               <a:pPr/>
-              <a:t>2023/11/2</a:t>
+              <a:t>2023/11/9</a:t>
             </a:fld>
             <a:endParaRPr lang="zh-TW" altLang="en-US"/>
           </a:p>
@@ -6725,7 +7502,7 @@
             <a:fld id="{769970E0-4BA9-4262-8911-A329729D855E}" type="datetime1">
               <a:rPr lang="zh-TW" altLang="en-US" smtClean="0"/>
               <a:pPr/>
-              <a:t>2023/11/2</a:t>
+              <a:t>2023/11/9</a:t>
             </a:fld>
             <a:endParaRPr lang="zh-TW" altLang="en-US"/>
           </a:p>
@@ -7052,7 +7829,7 @@
             <a:fld id="{BCDE7421-9970-4433-ACD1-9FCA31CDFF8B}" type="datetime1">
               <a:rPr lang="zh-TW" altLang="en-US" smtClean="0"/>
               <a:pPr/>
-              <a:t>2023/11/2</a:t>
+              <a:t>2023/11/9</a:t>
             </a:fld>
             <a:endParaRPr lang="zh-TW" altLang="en-US"/>
           </a:p>
@@ -7393,7 +8170,7 @@
             <a:fld id="{55E15B8B-A799-4F97-8D8E-C184B5D23DA9}" type="datetime1">
               <a:rPr lang="zh-TW" altLang="en-US" smtClean="0"/>
               <a:pPr/>
-              <a:t>2023/11/2</a:t>
+              <a:t>2023/11/9</a:t>
             </a:fld>
             <a:endParaRPr lang="zh-TW" altLang="en-US"/>
           </a:p>
@@ -7990,7 +8767,7 @@
             <a:fld id="{5C4566C9-EA09-4D01-BD02-65B05559E2CE}" type="datetime1">
               <a:rPr lang="zh-TW" altLang="en-US" smtClean="0"/>
               <a:pPr/>
-              <a:t>2023/11/2</a:t>
+              <a:t>2023/11/9</a:t>
             </a:fld>
             <a:endParaRPr lang="zh-TW" altLang="en-US"/>
           </a:p>
@@ -8323,7 +9100,7 @@
             <a:fld id="{FC15B0CE-B5F0-4DBA-896B-BDCC639F0B8E}" type="datetime1">
               <a:rPr lang="zh-TW" altLang="en-US" smtClean="0"/>
               <a:pPr/>
-              <a:t>2023/11/2</a:t>
+              <a:t>2023/11/9</a:t>
             </a:fld>
             <a:endParaRPr lang="zh-TW" altLang="en-US"/>
           </a:p>
@@ -8788,7 +9565,7 @@
             <a:fld id="{B78CDEA7-8E7A-40E3-B1DA-163793030456}" type="datetime1">
               <a:rPr lang="zh-TW" altLang="en-US" smtClean="0"/>
               <a:pPr/>
-              <a:t>2023/11/2</a:t>
+              <a:t>2023/11/9</a:t>
             </a:fld>
             <a:endParaRPr lang="zh-TW" altLang="en-US"/>
           </a:p>
@@ -8944,7 +9721,7 @@
             <a:fld id="{0D3045F4-CDC5-408E-B400-6F8C0E71B1AE}" type="datetime1">
               <a:rPr lang="zh-TW" altLang="en-US" smtClean="0"/>
               <a:pPr/>
-              <a:t>2023/11/2</a:t>
+              <a:t>2023/11/9</a:t>
             </a:fld>
             <a:endParaRPr lang="zh-TW" altLang="en-US"/>
           </a:p>
@@ -9075,7 +9852,7 @@
             <a:fld id="{124C7EE8-E5D9-4E53-AACC-641BC2BCCB4A}" type="datetime1">
               <a:rPr lang="zh-TW" altLang="en-US" smtClean="0"/>
               <a:pPr/>
-              <a:t>2023/11/2</a:t>
+              <a:t>2023/11/9</a:t>
             </a:fld>
             <a:endParaRPr lang="zh-TW" altLang="en-US"/>
           </a:p>
@@ -9320,7 +10097,7 @@
             <a:fld id="{1CF77360-75DB-4198-B251-47AA158C3BAF}" type="datetime1">
               <a:rPr lang="zh-TW" altLang="en-US" smtClean="0"/>
               <a:pPr/>
-              <a:t>2023/11/2</a:t>
+              <a:t>2023/11/9</a:t>
             </a:fld>
             <a:endParaRPr lang="zh-TW" altLang="en-US"/>
           </a:p>
@@ -9695,7 +10472,7 @@
             <a:fld id="{1F29A803-F72C-461B-9989-329D916014AE}" type="datetime1">
               <a:rPr lang="zh-TW" altLang="en-US" smtClean="0"/>
               <a:pPr/>
-              <a:t>2023/11/2</a:t>
+              <a:t>2023/11/9</a:t>
             </a:fld>
             <a:endParaRPr lang="zh-TW" altLang="en-US"/>
           </a:p>
@@ -10002,7 +10779,7 @@
             <a:fld id="{BCDE7421-9970-4433-ACD1-9FCA31CDFF8B}" type="datetime1">
               <a:rPr lang="zh-TW" altLang="en-US" smtClean="0"/>
               <a:pPr/>
-              <a:t>2023/11/2</a:t>
+              <a:t>2023/11/9</a:t>
             </a:fld>
             <a:endParaRPr lang="zh-TW" altLang="en-US"/>
           </a:p>
@@ -15006,7 +15783,7 @@
           </a:ln>
           <a:extLst>
             <a:ext uri="{AF507438-7753-43e0-B8FC-AC1667EBCBE1}">
-              <a14:hiddenEffects xmlns:a14="http://schemas.microsoft.com/office/drawing/2010/main" xmlns="">
+              <a14:hiddenEffects xmlns="" xmlns:a14="http://schemas.microsoft.com/office/drawing/2010/main">
                 <a:effectLst>
                   <a:outerShdw dist="35921" dir="2700000" algn="ctr" rotWithShape="0">
                     <a:schemeClr val="bg2"/>
@@ -18787,8 +19564,8 @@
           <a:chExt cx="0" cy="0"/>
         </a:xfrm>
       </p:grpSpPr>
-      <mc:AlternateContent xmlns:mc="http://schemas.openxmlformats.org/markup-compatibility/2006" xmlns:a14="http://schemas.microsoft.com/office/drawing/2010/main">
-        <mc:Choice Requires="a14">
+      <mc:AlternateContent xmlns:mc="http://schemas.openxmlformats.org/markup-compatibility/2006">
+        <mc:Choice xmlns:a14="http://schemas.microsoft.com/office/drawing/2010/main" Requires="a14">
           <p:sp>
             <p:nvSpPr>
               <p:cNvPr id="2" name="內容版面配置區 1"/>
@@ -19114,7 +19891,11 @@
               <a:p>
                 <a:pPr lvl="1"/>
                 <a:r>
-                  <a:rPr lang="zh-TW" altLang="en-US" dirty="0"/>
+                  <a:rPr lang="zh-TW" altLang="en-US" dirty="0">
+                    <a:highlight>
+                      <a:srgbClr val="FFFF00"/>
+                    </a:highlight>
+                  </a:rPr>
                   <a:t>一、兩個符號則在</a:t>
                 </a:r>
                 <a:r>
@@ -19122,6 +19903,9 @@
                     <a:solidFill>
                       <a:srgbClr val="FF0000"/>
                     </a:solidFill>
+                    <a:highlight>
+                      <a:srgbClr val="FFFF00"/>
+                    </a:highlight>
                   </a:rPr>
                   <a:t>內文敘述</a:t>
                 </a:r>
@@ -19129,6 +19913,9 @@
                   <a:solidFill>
                     <a:srgbClr val="FF0000"/>
                   </a:solidFill>
+                  <a:highlight>
+                    <a:srgbClr val="FFFF00"/>
+                  </a:highlight>
                 </a:endParaRPr>
               </a:p>
               <a:p>
@@ -19351,7 +20138,7 @@
             </p:txBody>
           </p:sp>
         </mc:Choice>
-        <mc:Fallback xmlns="">
+        <mc:Fallback>
           <p:sp>
             <p:nvSpPr>
               <p:cNvPr id="2" name="內容版面配置區 1"/>
@@ -19364,7 +20151,7 @@
             </p:nvSpPr>
             <p:spPr>
               <a:blipFill>
-                <a:blip r:embed="rId3" cstate="print"/>
+                <a:blip r:embed="rId3"/>
                 <a:stretch>
                   <a:fillRect l="-412" t="-2621" b="-1311"/>
                 </a:stretch>
@@ -19451,7 +20238,7 @@
           </a:ln>
           <a:extLst>
             <a:ext uri="{AF507438-7753-43e0-B8FC-AC1667EBCBE1}">
-              <a14:hiddenEffects xmlns:a14="http://schemas.microsoft.com/office/drawing/2010/main" xmlns="">
+              <a14:hiddenEffects xmlns="" xmlns:a14="http://schemas.microsoft.com/office/drawing/2010/main">
                 <a:effectLst>
                   <a:outerShdw dist="35921" dir="2700000" algn="ctr" rotWithShape="0">
                     <a:schemeClr val="bg2"/>
@@ -21237,6 +22024,86 @@
           </a:prstGeom>
         </p:spPr>
       </p:pic>
+      <p:sp>
+        <p:nvSpPr>
+          <p:cNvPr id="5" name="矩形 4">
+            <a:extLst>
+              <a:ext uri="{FF2B5EF4-FFF2-40B4-BE49-F238E27FC236}">
+                <a16:creationId xmlns:a16="http://schemas.microsoft.com/office/drawing/2014/main" id="{F7E24A39-FEDC-4B2E-B516-5B660E3BA42E}"/>
+              </a:ext>
+            </a:extLst>
+          </p:cNvPr>
+          <p:cNvSpPr/>
+          <p:nvPr/>
+        </p:nvSpPr>
+        <p:spPr bwMode="auto">
+          <a:xfrm>
+            <a:off x="2469715" y="5585195"/>
+            <a:ext cx="1413353" cy="674318"/>
+          </a:xfrm>
+          <a:prstGeom prst="rect">
+            <a:avLst/>
+          </a:prstGeom>
+          <a:noFill/>
+          <a:ln w="38100" cap="flat" cmpd="sng" algn="ctr">
+            <a:solidFill>
+              <a:srgbClr val="FF0000"/>
+            </a:solidFill>
+            <a:prstDash val="solid"/>
+            <a:round/>
+            <a:headEnd type="none" w="med" len="med"/>
+            <a:tailEnd type="none" w="med" len="med"/>
+          </a:ln>
+          <a:effectLst/>
+          <a:extLst>
+            <a:ext uri="{AF507438-7753-43e0-B8FC-AC1667EBCBE1}">
+              <a14:hiddenEffects xmlns:a14="http://schemas.microsoft.com/office/drawing/2010/main" xmlns="">
+                <a:effectLst>
+                  <a:outerShdw dist="35921" dir="2700000" algn="ctr" rotWithShape="0">
+                    <a:schemeClr val="bg2"/>
+                  </a:outerShdw>
+                </a:effectLst>
+              </a14:hiddenEffects>
+            </a:ext>
+          </a:extLst>
+        </p:spPr>
+        <p:txBody>
+          <a:bodyPr vert="horz" wrap="square" lIns="91440" tIns="45720" rIns="91440" bIns="45720" numCol="1" rtlCol="0" anchor="t" anchorCtr="0" compatLnSpc="1">
+            <a:prstTxWarp prst="textNoShape">
+              <a:avLst/>
+            </a:prstTxWarp>
+          </a:bodyPr>
+          <a:lstStyle/>
+          <a:p>
+            <a:pPr marL="0" marR="0" indent="0" algn="l" defTabSz="914400" rtl="0" eaLnBrk="0" fontAlgn="base" latinLnBrk="0" hangingPunct="0">
+              <a:lnSpc>
+                <a:spcPct val="100000"/>
+              </a:lnSpc>
+              <a:spcBef>
+                <a:spcPct val="0"/>
+              </a:spcBef>
+              <a:spcAft>
+                <a:spcPct val="0"/>
+              </a:spcAft>
+              <a:buClrTx/>
+              <a:buSzTx/>
+              <a:buFontTx/>
+              <a:buNone/>
+              <a:tabLst/>
+            </a:pPr>
+            <a:endParaRPr kumimoji="0" lang="zh-TW" altLang="en-US" sz="2400" b="0" i="0" u="none" strike="noStrike" cap="none" normalizeH="0" baseline="0">
+              <a:ln>
+                <a:noFill/>
+              </a:ln>
+              <a:solidFill>
+                <a:schemeClr val="tx1"/>
+              </a:solidFill>
+              <a:effectLst/>
+              <a:latin typeface="Arial" charset="0"/>
+            </a:endParaRPr>
+          </a:p>
+        </p:txBody>
+      </p:sp>
     </p:spTree>
     <p:extLst>
       <p:ext uri="{BB962C8B-B14F-4D97-AF65-F5344CB8AC3E}">
@@ -21360,6 +22227,486 @@
           </a:prstGeom>
         </p:spPr>
       </p:pic>
+      <p:sp>
+        <p:nvSpPr>
+          <p:cNvPr id="6" name="矩形 5">
+            <a:extLst>
+              <a:ext uri="{FF2B5EF4-FFF2-40B4-BE49-F238E27FC236}">
+                <a16:creationId xmlns:a16="http://schemas.microsoft.com/office/drawing/2014/main" id="{00907891-1D9F-4C3A-9397-C762ED5D0FAF}"/>
+              </a:ext>
+            </a:extLst>
+          </p:cNvPr>
+          <p:cNvSpPr/>
+          <p:nvPr/>
+        </p:nvSpPr>
+        <p:spPr bwMode="auto">
+          <a:xfrm>
+            <a:off x="-3331923" y="1778696"/>
+            <a:ext cx="2755428" cy="1077238"/>
+          </a:xfrm>
+          <a:prstGeom prst="rect">
+            <a:avLst/>
+          </a:prstGeom>
+          <a:noFill/>
+          <a:ln w="38100" cap="flat" cmpd="sng" algn="ctr">
+            <a:solidFill>
+              <a:srgbClr val="FF0000"/>
+            </a:solidFill>
+            <a:prstDash val="solid"/>
+            <a:round/>
+            <a:headEnd type="none" w="med" len="med"/>
+            <a:tailEnd type="none" w="med" len="med"/>
+          </a:ln>
+          <a:effectLst/>
+          <a:extLst>
+            <a:ext uri="{AF507438-7753-43e0-B8FC-AC1667EBCBE1}">
+              <a14:hiddenEffects xmlns:a14="http://schemas.microsoft.com/office/drawing/2010/main" xmlns="">
+                <a:effectLst>
+                  <a:outerShdw dist="35921" dir="2700000" algn="ctr" rotWithShape="0">
+                    <a:schemeClr val="bg2"/>
+                  </a:outerShdw>
+                </a:effectLst>
+              </a14:hiddenEffects>
+            </a:ext>
+          </a:extLst>
+        </p:spPr>
+        <p:txBody>
+          <a:bodyPr vert="horz" wrap="square" lIns="91440" tIns="45720" rIns="91440" bIns="45720" numCol="1" rtlCol="0" anchor="t" anchorCtr="0" compatLnSpc="1">
+            <a:prstTxWarp prst="textNoShape">
+              <a:avLst/>
+            </a:prstTxWarp>
+          </a:bodyPr>
+          <a:lstStyle/>
+          <a:p>
+            <a:pPr marL="0" marR="0" indent="0" algn="l" defTabSz="914400" rtl="0" eaLnBrk="0" fontAlgn="base" latinLnBrk="0" hangingPunct="0">
+              <a:lnSpc>
+                <a:spcPct val="100000"/>
+              </a:lnSpc>
+              <a:spcBef>
+                <a:spcPct val="0"/>
+              </a:spcBef>
+              <a:spcAft>
+                <a:spcPct val="0"/>
+              </a:spcAft>
+              <a:buClrTx/>
+              <a:buSzTx/>
+              <a:buFontTx/>
+              <a:buNone/>
+              <a:tabLst/>
+            </a:pPr>
+            <a:endParaRPr kumimoji="0" lang="zh-TW" altLang="en-US" sz="2400" b="0" i="0" u="none" strike="noStrike" cap="none" normalizeH="0" baseline="0">
+              <a:ln>
+                <a:noFill/>
+              </a:ln>
+              <a:solidFill>
+                <a:schemeClr val="tx1"/>
+              </a:solidFill>
+              <a:effectLst/>
+              <a:latin typeface="Arial" charset="0"/>
+            </a:endParaRPr>
+          </a:p>
+        </p:txBody>
+      </p:sp>
+      <p:sp>
+        <p:nvSpPr>
+          <p:cNvPr id="7" name="矩形 6">
+            <a:extLst>
+              <a:ext uri="{FF2B5EF4-FFF2-40B4-BE49-F238E27FC236}">
+                <a16:creationId xmlns:a16="http://schemas.microsoft.com/office/drawing/2014/main" id="{AAE14F78-0DE5-83A5-1F87-60A8E4234E7F}"/>
+              </a:ext>
+            </a:extLst>
+          </p:cNvPr>
+          <p:cNvSpPr/>
+          <p:nvPr/>
+        </p:nvSpPr>
+        <p:spPr bwMode="auto">
+          <a:xfrm>
+            <a:off x="6916456" y="3429000"/>
+            <a:ext cx="1576191" cy="649266"/>
+          </a:xfrm>
+          <a:prstGeom prst="rect">
+            <a:avLst/>
+          </a:prstGeom>
+          <a:noFill/>
+          <a:ln w="38100" cap="flat" cmpd="sng" algn="ctr">
+            <a:solidFill>
+              <a:srgbClr val="FF0000"/>
+            </a:solidFill>
+            <a:prstDash val="solid"/>
+            <a:round/>
+            <a:headEnd type="none" w="med" len="med"/>
+            <a:tailEnd type="none" w="med" len="med"/>
+          </a:ln>
+          <a:effectLst/>
+          <a:extLst>
+            <a:ext uri="{AF507438-7753-43e0-B8FC-AC1667EBCBE1}">
+              <a14:hiddenEffects xmlns:a14="http://schemas.microsoft.com/office/drawing/2010/main" xmlns="">
+                <a:effectLst>
+                  <a:outerShdw dist="35921" dir="2700000" algn="ctr" rotWithShape="0">
+                    <a:schemeClr val="bg2"/>
+                  </a:outerShdw>
+                </a:effectLst>
+              </a14:hiddenEffects>
+            </a:ext>
+          </a:extLst>
+        </p:spPr>
+        <p:txBody>
+          <a:bodyPr vert="horz" wrap="square" lIns="91440" tIns="45720" rIns="91440" bIns="45720" numCol="1" rtlCol="0" anchor="t" anchorCtr="0" compatLnSpc="1">
+            <a:prstTxWarp prst="textNoShape">
+              <a:avLst/>
+            </a:prstTxWarp>
+          </a:bodyPr>
+          <a:lstStyle/>
+          <a:p>
+            <a:pPr marL="0" marR="0" indent="0" algn="l" defTabSz="914400" rtl="0" eaLnBrk="0" fontAlgn="base" latinLnBrk="0" hangingPunct="0">
+              <a:lnSpc>
+                <a:spcPct val="100000"/>
+              </a:lnSpc>
+              <a:spcBef>
+                <a:spcPct val="0"/>
+              </a:spcBef>
+              <a:spcAft>
+                <a:spcPct val="0"/>
+              </a:spcAft>
+              <a:buClrTx/>
+              <a:buSzTx/>
+              <a:buFontTx/>
+              <a:buNone/>
+              <a:tabLst/>
+            </a:pPr>
+            <a:endParaRPr kumimoji="0" lang="zh-TW" altLang="en-US" sz="2400" b="0" i="0" u="none" strike="noStrike" cap="none" normalizeH="0" baseline="0">
+              <a:ln>
+                <a:noFill/>
+              </a:ln>
+              <a:solidFill>
+                <a:schemeClr val="tx1"/>
+              </a:solidFill>
+              <a:effectLst/>
+              <a:latin typeface="Arial" charset="0"/>
+            </a:endParaRPr>
+          </a:p>
+        </p:txBody>
+      </p:sp>
+      <p:sp>
+        <p:nvSpPr>
+          <p:cNvPr id="8" name="矩形 7">
+            <a:extLst>
+              <a:ext uri="{FF2B5EF4-FFF2-40B4-BE49-F238E27FC236}">
+                <a16:creationId xmlns:a16="http://schemas.microsoft.com/office/drawing/2014/main" id="{EAB89BA5-B02D-3595-C333-06617C74A095}"/>
+              </a:ext>
+            </a:extLst>
+          </p:cNvPr>
+          <p:cNvSpPr/>
+          <p:nvPr/>
+        </p:nvSpPr>
+        <p:spPr bwMode="auto">
+          <a:xfrm>
+            <a:off x="3294345" y="3931319"/>
+            <a:ext cx="574607" cy="460566"/>
+          </a:xfrm>
+          <a:prstGeom prst="rect">
+            <a:avLst/>
+          </a:prstGeom>
+          <a:noFill/>
+          <a:ln w="38100" cap="flat" cmpd="sng" algn="ctr">
+            <a:solidFill>
+              <a:srgbClr val="FF0000"/>
+            </a:solidFill>
+            <a:prstDash val="solid"/>
+            <a:round/>
+            <a:headEnd type="none" w="med" len="med"/>
+            <a:tailEnd type="none" w="med" len="med"/>
+          </a:ln>
+          <a:effectLst/>
+          <a:extLst>
+            <a:ext uri="{AF507438-7753-43e0-B8FC-AC1667EBCBE1}">
+              <a14:hiddenEffects xmlns:a14="http://schemas.microsoft.com/office/drawing/2010/main" xmlns="">
+                <a:effectLst>
+                  <a:outerShdw dist="35921" dir="2700000" algn="ctr" rotWithShape="0">
+                    <a:schemeClr val="bg2"/>
+                  </a:outerShdw>
+                </a:effectLst>
+              </a14:hiddenEffects>
+            </a:ext>
+          </a:extLst>
+        </p:spPr>
+        <p:txBody>
+          <a:bodyPr vert="horz" wrap="square" lIns="91440" tIns="45720" rIns="91440" bIns="45720" numCol="1" rtlCol="0" anchor="t" anchorCtr="0" compatLnSpc="1">
+            <a:prstTxWarp prst="textNoShape">
+              <a:avLst/>
+            </a:prstTxWarp>
+          </a:bodyPr>
+          <a:lstStyle/>
+          <a:p>
+            <a:pPr marL="0" marR="0" indent="0" algn="l" defTabSz="914400" rtl="0" eaLnBrk="0" fontAlgn="base" latinLnBrk="0" hangingPunct="0">
+              <a:lnSpc>
+                <a:spcPct val="100000"/>
+              </a:lnSpc>
+              <a:spcBef>
+                <a:spcPct val="0"/>
+              </a:spcBef>
+              <a:spcAft>
+                <a:spcPct val="0"/>
+              </a:spcAft>
+              <a:buClrTx/>
+              <a:buSzTx/>
+              <a:buFontTx/>
+              <a:buNone/>
+              <a:tabLst/>
+            </a:pPr>
+            <a:endParaRPr kumimoji="0" lang="zh-TW" altLang="en-US" sz="2400" b="0" i="0" u="none" strike="noStrike" cap="none" normalizeH="0" baseline="0">
+              <a:ln>
+                <a:noFill/>
+              </a:ln>
+              <a:solidFill>
+                <a:schemeClr val="tx1"/>
+              </a:solidFill>
+              <a:effectLst/>
+              <a:latin typeface="Arial" charset="0"/>
+            </a:endParaRPr>
+          </a:p>
+        </p:txBody>
+      </p:sp>
+      <p:sp>
+        <p:nvSpPr>
+          <p:cNvPr id="9" name="矩形 8">
+            <a:extLst>
+              <a:ext uri="{FF2B5EF4-FFF2-40B4-BE49-F238E27FC236}">
+                <a16:creationId xmlns:a16="http://schemas.microsoft.com/office/drawing/2014/main" id="{58FB3C4F-2DD9-7613-537D-0A25AD48D7CB}"/>
+              </a:ext>
+            </a:extLst>
+          </p:cNvPr>
+          <p:cNvSpPr/>
+          <p:nvPr/>
+        </p:nvSpPr>
+        <p:spPr bwMode="auto">
+          <a:xfrm>
+            <a:off x="3294345" y="2181616"/>
+            <a:ext cx="1413353" cy="674318"/>
+          </a:xfrm>
+          <a:prstGeom prst="rect">
+            <a:avLst/>
+          </a:prstGeom>
+          <a:noFill/>
+          <a:ln w="38100" cap="flat" cmpd="sng" algn="ctr">
+            <a:solidFill>
+              <a:srgbClr val="FF0000"/>
+            </a:solidFill>
+            <a:prstDash val="solid"/>
+            <a:round/>
+            <a:headEnd type="none" w="med" len="med"/>
+            <a:tailEnd type="none" w="med" len="med"/>
+          </a:ln>
+          <a:effectLst/>
+          <a:extLst>
+            <a:ext uri="{AF507438-7753-43e0-B8FC-AC1667EBCBE1}">
+              <a14:hiddenEffects xmlns:a14="http://schemas.microsoft.com/office/drawing/2010/main" xmlns="">
+                <a:effectLst>
+                  <a:outerShdw dist="35921" dir="2700000" algn="ctr" rotWithShape="0">
+                    <a:schemeClr val="bg2"/>
+                  </a:outerShdw>
+                </a:effectLst>
+              </a14:hiddenEffects>
+            </a:ext>
+          </a:extLst>
+        </p:spPr>
+        <p:txBody>
+          <a:bodyPr vert="horz" wrap="square" lIns="91440" tIns="45720" rIns="91440" bIns="45720" numCol="1" rtlCol="0" anchor="t" anchorCtr="0" compatLnSpc="1">
+            <a:prstTxWarp prst="textNoShape">
+              <a:avLst/>
+            </a:prstTxWarp>
+          </a:bodyPr>
+          <a:lstStyle/>
+          <a:p>
+            <a:pPr marL="0" marR="0" indent="0" algn="l" defTabSz="914400" rtl="0" eaLnBrk="0" fontAlgn="base" latinLnBrk="0" hangingPunct="0">
+              <a:lnSpc>
+                <a:spcPct val="100000"/>
+              </a:lnSpc>
+              <a:spcBef>
+                <a:spcPct val="0"/>
+              </a:spcBef>
+              <a:spcAft>
+                <a:spcPct val="0"/>
+              </a:spcAft>
+              <a:buClrTx/>
+              <a:buSzTx/>
+              <a:buFontTx/>
+              <a:buNone/>
+              <a:tabLst/>
+            </a:pPr>
+            <a:endParaRPr kumimoji="0" lang="zh-TW" altLang="en-US" sz="2400" b="0" i="0" u="none" strike="noStrike" cap="none" normalizeH="0" baseline="0">
+              <a:ln>
+                <a:noFill/>
+              </a:ln>
+              <a:solidFill>
+                <a:schemeClr val="tx1"/>
+              </a:solidFill>
+              <a:effectLst/>
+              <a:latin typeface="Arial" charset="0"/>
+            </a:endParaRPr>
+          </a:p>
+        </p:txBody>
+      </p:sp>
+      <p:sp>
+        <p:nvSpPr>
+          <p:cNvPr id="12" name="矩形 11">
+            <a:extLst>
+              <a:ext uri="{FF2B5EF4-FFF2-40B4-BE49-F238E27FC236}">
+                <a16:creationId xmlns:a16="http://schemas.microsoft.com/office/drawing/2014/main" id="{384B9E59-76AF-44FA-3885-AABE9A84B173}"/>
+              </a:ext>
+            </a:extLst>
+          </p:cNvPr>
+          <p:cNvSpPr/>
+          <p:nvPr/>
+        </p:nvSpPr>
+        <p:spPr bwMode="auto">
+          <a:xfrm>
+            <a:off x="5722356" y="1950928"/>
+            <a:ext cx="561583" cy="461375"/>
+          </a:xfrm>
+          <a:prstGeom prst="rect">
+            <a:avLst/>
+          </a:prstGeom>
+          <a:noFill/>
+          <a:ln w="38100" cap="flat" cmpd="sng" algn="ctr">
+            <a:solidFill>
+              <a:srgbClr val="FF0000"/>
+            </a:solidFill>
+            <a:prstDash val="solid"/>
+            <a:round/>
+            <a:headEnd type="none" w="med" len="med"/>
+            <a:tailEnd type="none" w="med" len="med"/>
+          </a:ln>
+          <a:effectLst/>
+          <a:extLst>
+            <a:ext uri="{AF507438-7753-43e0-B8FC-AC1667EBCBE1}">
+              <a14:hiddenEffects xmlns:a14="http://schemas.microsoft.com/office/drawing/2010/main" xmlns="">
+                <a:effectLst>
+                  <a:outerShdw dist="35921" dir="2700000" algn="ctr" rotWithShape="0">
+                    <a:schemeClr val="bg2"/>
+                  </a:outerShdw>
+                </a:effectLst>
+              </a14:hiddenEffects>
+            </a:ext>
+          </a:extLst>
+        </p:spPr>
+        <p:txBody>
+          <a:bodyPr vert="horz" wrap="square" lIns="91440" tIns="45720" rIns="91440" bIns="45720" numCol="1" rtlCol="0" anchor="t" anchorCtr="0" compatLnSpc="1">
+            <a:prstTxWarp prst="textNoShape">
+              <a:avLst/>
+            </a:prstTxWarp>
+          </a:bodyPr>
+          <a:lstStyle/>
+          <a:p>
+            <a:pPr marL="0" marR="0" indent="0" algn="l" defTabSz="914400" rtl="0" eaLnBrk="0" fontAlgn="base" latinLnBrk="0" hangingPunct="0">
+              <a:lnSpc>
+                <a:spcPct val="100000"/>
+              </a:lnSpc>
+              <a:spcBef>
+                <a:spcPct val="0"/>
+              </a:spcBef>
+              <a:spcAft>
+                <a:spcPct val="0"/>
+              </a:spcAft>
+              <a:buClrTx/>
+              <a:buSzTx/>
+              <a:buFontTx/>
+              <a:buNone/>
+              <a:tabLst/>
+            </a:pPr>
+            <a:endParaRPr kumimoji="0" lang="zh-TW" altLang="en-US" sz="2400" b="0" i="0" u="none" strike="noStrike" cap="none" normalizeH="0" baseline="0">
+              <a:ln>
+                <a:noFill/>
+              </a:ln>
+              <a:solidFill>
+                <a:schemeClr val="tx1"/>
+              </a:solidFill>
+              <a:effectLst/>
+              <a:latin typeface="Arial" charset="0"/>
+            </a:endParaRPr>
+          </a:p>
+        </p:txBody>
+      </p:sp>
+      <p:sp>
+        <p:nvSpPr>
+          <p:cNvPr id="13" name="矩形 12">
+            <a:extLst>
+              <a:ext uri="{FF2B5EF4-FFF2-40B4-BE49-F238E27FC236}">
+                <a16:creationId xmlns:a16="http://schemas.microsoft.com/office/drawing/2014/main" id="{F786BD5D-E3A9-9743-9E6C-4F804EEDE6D8}"/>
+              </a:ext>
+            </a:extLst>
+          </p:cNvPr>
+          <p:cNvSpPr/>
+          <p:nvPr/>
+        </p:nvSpPr>
+        <p:spPr bwMode="auto">
+          <a:xfrm>
+            <a:off x="6273151" y="2270711"/>
+            <a:ext cx="599161" cy="481207"/>
+          </a:xfrm>
+          <a:prstGeom prst="rect">
+            <a:avLst/>
+          </a:prstGeom>
+          <a:noFill/>
+          <a:ln w="38100" cap="flat" cmpd="sng" algn="ctr">
+            <a:solidFill>
+              <a:srgbClr val="FF0000"/>
+            </a:solidFill>
+            <a:prstDash val="solid"/>
+            <a:round/>
+            <a:headEnd type="none" w="med" len="med"/>
+            <a:tailEnd type="none" w="med" len="med"/>
+          </a:ln>
+          <a:effectLst/>
+          <a:extLst>
+            <a:ext uri="{AF507438-7753-43e0-B8FC-AC1667EBCBE1}">
+              <a14:hiddenEffects xmlns:a14="http://schemas.microsoft.com/office/drawing/2010/main" xmlns="">
+                <a:effectLst>
+                  <a:outerShdw dist="35921" dir="2700000" algn="ctr" rotWithShape="0">
+                    <a:schemeClr val="bg2"/>
+                  </a:outerShdw>
+                </a:effectLst>
+              </a14:hiddenEffects>
+            </a:ext>
+          </a:extLst>
+        </p:spPr>
+        <p:txBody>
+          <a:bodyPr vert="horz" wrap="square" lIns="91440" tIns="45720" rIns="91440" bIns="45720" numCol="1" rtlCol="0" anchor="t" anchorCtr="0" compatLnSpc="1">
+            <a:prstTxWarp prst="textNoShape">
+              <a:avLst/>
+            </a:prstTxWarp>
+          </a:bodyPr>
+          <a:lstStyle/>
+          <a:p>
+            <a:pPr marL="0" marR="0" indent="0" algn="l" defTabSz="914400" rtl="0" eaLnBrk="0" fontAlgn="base" latinLnBrk="0" hangingPunct="0">
+              <a:lnSpc>
+                <a:spcPct val="100000"/>
+              </a:lnSpc>
+              <a:spcBef>
+                <a:spcPct val="0"/>
+              </a:spcBef>
+              <a:spcAft>
+                <a:spcPct val="0"/>
+              </a:spcAft>
+              <a:buClrTx/>
+              <a:buSzTx/>
+              <a:buFontTx/>
+              <a:buNone/>
+              <a:tabLst/>
+            </a:pPr>
+            <a:endParaRPr kumimoji="0" lang="zh-TW" altLang="en-US" sz="2400" b="0" i="0" u="none" strike="noStrike" cap="none" normalizeH="0" baseline="0">
+              <a:ln>
+                <a:noFill/>
+              </a:ln>
+              <a:solidFill>
+                <a:schemeClr val="tx1"/>
+              </a:solidFill>
+              <a:effectLst/>
+              <a:latin typeface="Arial" charset="0"/>
+            </a:endParaRPr>
+          </a:p>
+        </p:txBody>
+      </p:sp>
     </p:spTree>
     <p:extLst>
       <p:ext uri="{BB962C8B-B14F-4D97-AF65-F5344CB8AC3E}">
@@ -21483,6 +22830,166 @@
           </a:prstGeom>
         </p:spPr>
       </p:pic>
+      <p:sp>
+        <p:nvSpPr>
+          <p:cNvPr id="5" name="矩形 4">
+            <a:extLst>
+              <a:ext uri="{FF2B5EF4-FFF2-40B4-BE49-F238E27FC236}">
+                <a16:creationId xmlns:a16="http://schemas.microsoft.com/office/drawing/2014/main" id="{48925626-69C2-0BA7-53A5-FF46C191E34F}"/>
+              </a:ext>
+            </a:extLst>
+          </p:cNvPr>
+          <p:cNvSpPr/>
+          <p:nvPr/>
+        </p:nvSpPr>
+        <p:spPr bwMode="auto">
+          <a:xfrm>
+            <a:off x="2605414" y="2204581"/>
+            <a:ext cx="3670126" cy="1064712"/>
+          </a:xfrm>
+          <a:prstGeom prst="rect">
+            <a:avLst/>
+          </a:prstGeom>
+          <a:noFill/>
+          <a:ln w="38100" cap="flat" cmpd="sng" algn="ctr">
+            <a:solidFill>
+              <a:srgbClr val="FF0000"/>
+            </a:solidFill>
+            <a:prstDash val="solid"/>
+            <a:round/>
+            <a:headEnd type="none" w="med" len="med"/>
+            <a:tailEnd type="none" w="med" len="med"/>
+          </a:ln>
+          <a:effectLst/>
+          <a:extLst>
+            <a:ext uri="{AF507438-7753-43e0-B8FC-AC1667EBCBE1}">
+              <a14:hiddenEffects xmlns:a14="http://schemas.microsoft.com/office/drawing/2010/main" xmlns="">
+                <a:effectLst>
+                  <a:outerShdw dist="35921" dir="2700000" algn="ctr" rotWithShape="0">
+                    <a:schemeClr val="bg2"/>
+                  </a:outerShdw>
+                </a:effectLst>
+              </a14:hiddenEffects>
+            </a:ext>
+          </a:extLst>
+        </p:spPr>
+        <p:txBody>
+          <a:bodyPr vert="horz" wrap="square" lIns="91440" tIns="45720" rIns="91440" bIns="45720" numCol="1" rtlCol="0" anchor="t" anchorCtr="0" compatLnSpc="1">
+            <a:prstTxWarp prst="textNoShape">
+              <a:avLst/>
+            </a:prstTxWarp>
+          </a:bodyPr>
+          <a:lstStyle/>
+          <a:p>
+            <a:pPr marL="0" marR="0" indent="0" algn="l" defTabSz="914400" rtl="0" eaLnBrk="0" fontAlgn="base" latinLnBrk="0" hangingPunct="0">
+              <a:lnSpc>
+                <a:spcPct val="100000"/>
+              </a:lnSpc>
+              <a:spcBef>
+                <a:spcPct val="0"/>
+              </a:spcBef>
+              <a:spcAft>
+                <a:spcPct val="0"/>
+              </a:spcAft>
+              <a:buClrTx/>
+              <a:buSzTx/>
+              <a:buFontTx/>
+              <a:buNone/>
+              <a:tabLst/>
+            </a:pPr>
+            <a:endParaRPr kumimoji="0" lang="zh-TW" altLang="en-US" sz="2400" b="0" i="0" u="none" strike="noStrike" cap="none" normalizeH="0" baseline="0">
+              <a:ln>
+                <a:noFill/>
+              </a:ln>
+              <a:solidFill>
+                <a:schemeClr val="tx1"/>
+              </a:solidFill>
+              <a:effectLst/>
+              <a:latin typeface="Arial" charset="0"/>
+            </a:endParaRPr>
+          </a:p>
+        </p:txBody>
+      </p:sp>
+      <p:sp>
+        <p:nvSpPr>
+          <p:cNvPr id="6" name="矩形 5">
+            <a:extLst>
+              <a:ext uri="{FF2B5EF4-FFF2-40B4-BE49-F238E27FC236}">
+                <a16:creationId xmlns:a16="http://schemas.microsoft.com/office/drawing/2014/main" id="{06F26725-C950-626E-B53F-C2B34C0AC999}"/>
+              </a:ext>
+            </a:extLst>
+          </p:cNvPr>
+          <p:cNvSpPr/>
+          <p:nvPr/>
+        </p:nvSpPr>
+        <p:spPr bwMode="auto">
+          <a:xfrm>
+            <a:off x="2279738" y="5007978"/>
+            <a:ext cx="3995802" cy="1077238"/>
+          </a:xfrm>
+          <a:prstGeom prst="rect">
+            <a:avLst/>
+          </a:prstGeom>
+          <a:noFill/>
+          <a:ln w="38100" cap="flat" cmpd="sng" algn="ctr">
+            <a:solidFill>
+              <a:srgbClr val="FF0000"/>
+            </a:solidFill>
+            <a:prstDash val="solid"/>
+            <a:round/>
+            <a:headEnd type="none" w="med" len="med"/>
+            <a:tailEnd type="none" w="med" len="med"/>
+          </a:ln>
+          <a:effectLst/>
+          <a:extLst>
+            <a:ext uri="{AF507438-7753-43e0-B8FC-AC1667EBCBE1}">
+              <a14:hiddenEffects xmlns:a14="http://schemas.microsoft.com/office/drawing/2010/main" xmlns="">
+                <a:effectLst>
+                  <a:outerShdw dist="35921" dir="2700000" algn="ctr" rotWithShape="0">
+                    <a:schemeClr val="bg2"/>
+                  </a:outerShdw>
+                </a:effectLst>
+              </a14:hiddenEffects>
+            </a:ext>
+          </a:extLst>
+        </p:spPr>
+        <p:txBody>
+          <a:bodyPr vert="horz" wrap="square" lIns="91440" tIns="45720" rIns="91440" bIns="45720" numCol="1" rtlCol="0" anchor="t" anchorCtr="0" compatLnSpc="1">
+            <a:prstTxWarp prst="textNoShape">
+              <a:avLst/>
+            </a:prstTxWarp>
+          </a:bodyPr>
+          <a:lstStyle/>
+          <a:p>
+            <a:pPr marL="0" marR="0" indent="0" algn="l" defTabSz="914400" rtl="0" eaLnBrk="0" fontAlgn="base" latinLnBrk="0" hangingPunct="0">
+              <a:lnSpc>
+                <a:spcPct val="100000"/>
+              </a:lnSpc>
+              <a:spcBef>
+                <a:spcPct val="0"/>
+              </a:spcBef>
+              <a:spcAft>
+                <a:spcPct val="0"/>
+              </a:spcAft>
+              <a:buClrTx/>
+              <a:buSzTx/>
+              <a:buFontTx/>
+              <a:buNone/>
+              <a:tabLst/>
+            </a:pPr>
+            <a:endParaRPr kumimoji="0" lang="zh-TW" altLang="en-US" sz="2400" b="0" i="0" u="none" strike="noStrike" cap="none" normalizeH="0" baseline="0">
+              <a:ln>
+                <a:noFill/>
+              </a:ln>
+              <a:solidFill>
+                <a:schemeClr val="tx1"/>
+              </a:solidFill>
+              <a:effectLst/>
+              <a:latin typeface="Arial" charset="0"/>
+            </a:endParaRPr>
+          </a:p>
+        </p:txBody>
+      </p:sp>
     </p:spTree>
     <p:extLst>
       <p:ext uri="{BB962C8B-B14F-4D97-AF65-F5344CB8AC3E}">
@@ -22706,6 +24213,86 @@
           </a:prstGeom>
         </p:spPr>
       </p:pic>
+      <p:sp>
+        <p:nvSpPr>
+          <p:cNvPr id="8" name="矩形 7">
+            <a:extLst>
+              <a:ext uri="{FF2B5EF4-FFF2-40B4-BE49-F238E27FC236}">
+                <a16:creationId xmlns:a16="http://schemas.microsoft.com/office/drawing/2014/main" id="{A4991C54-406E-C356-E20B-D17D061B96F8}"/>
+              </a:ext>
+            </a:extLst>
+          </p:cNvPr>
+          <p:cNvSpPr/>
+          <p:nvPr/>
+        </p:nvSpPr>
+        <p:spPr bwMode="auto">
+          <a:xfrm>
+            <a:off x="3733250" y="3313575"/>
+            <a:ext cx="1413353" cy="674318"/>
+          </a:xfrm>
+          <a:prstGeom prst="rect">
+            <a:avLst/>
+          </a:prstGeom>
+          <a:noFill/>
+          <a:ln w="38100" cap="flat" cmpd="sng" algn="ctr">
+            <a:solidFill>
+              <a:srgbClr val="FF0000"/>
+            </a:solidFill>
+            <a:prstDash val="solid"/>
+            <a:round/>
+            <a:headEnd type="none" w="med" len="med"/>
+            <a:tailEnd type="none" w="med" len="med"/>
+          </a:ln>
+          <a:effectLst/>
+          <a:extLst>
+            <a:ext uri="{AF507438-7753-43e0-B8FC-AC1667EBCBE1}">
+              <a14:hiddenEffects xmlns:a14="http://schemas.microsoft.com/office/drawing/2010/main" xmlns="">
+                <a:effectLst>
+                  <a:outerShdw dist="35921" dir="2700000" algn="ctr" rotWithShape="0">
+                    <a:schemeClr val="bg2"/>
+                  </a:outerShdw>
+                </a:effectLst>
+              </a14:hiddenEffects>
+            </a:ext>
+          </a:extLst>
+        </p:spPr>
+        <p:txBody>
+          <a:bodyPr vert="horz" wrap="square" lIns="91440" tIns="45720" rIns="91440" bIns="45720" numCol="1" rtlCol="0" anchor="t" anchorCtr="0" compatLnSpc="1">
+            <a:prstTxWarp prst="textNoShape">
+              <a:avLst/>
+            </a:prstTxWarp>
+          </a:bodyPr>
+          <a:lstStyle/>
+          <a:p>
+            <a:pPr marL="0" marR="0" indent="0" algn="l" defTabSz="914400" rtl="0" eaLnBrk="0" fontAlgn="base" latinLnBrk="0" hangingPunct="0">
+              <a:lnSpc>
+                <a:spcPct val="100000"/>
+              </a:lnSpc>
+              <a:spcBef>
+                <a:spcPct val="0"/>
+              </a:spcBef>
+              <a:spcAft>
+                <a:spcPct val="0"/>
+              </a:spcAft>
+              <a:buClrTx/>
+              <a:buSzTx/>
+              <a:buFontTx/>
+              <a:buNone/>
+              <a:tabLst/>
+            </a:pPr>
+            <a:endParaRPr kumimoji="0" lang="zh-TW" altLang="en-US" sz="2400" b="0" i="0" u="none" strike="noStrike" cap="none" normalizeH="0" baseline="0">
+              <a:ln>
+                <a:noFill/>
+              </a:ln>
+              <a:solidFill>
+                <a:schemeClr val="tx1"/>
+              </a:solidFill>
+              <a:effectLst/>
+              <a:latin typeface="Arial" charset="0"/>
+            </a:endParaRPr>
+          </a:p>
+        </p:txBody>
+      </p:sp>
     </p:spTree>
     <p:extLst>
       <p:ext uri="{BB962C8B-B14F-4D97-AF65-F5344CB8AC3E}">
@@ -23208,6 +24795,86 @@
           </a:prstGeom>
         </p:spPr>
       </p:pic>
+      <p:sp>
+        <p:nvSpPr>
+          <p:cNvPr id="2" name="矩形 1">
+            <a:extLst>
+              <a:ext uri="{FF2B5EF4-FFF2-40B4-BE49-F238E27FC236}">
+                <a16:creationId xmlns:a16="http://schemas.microsoft.com/office/drawing/2014/main" id="{4CED939F-2E93-68E4-53EF-F34320CCD7C2}"/>
+              </a:ext>
+            </a:extLst>
+          </p:cNvPr>
+          <p:cNvSpPr/>
+          <p:nvPr/>
+        </p:nvSpPr>
+        <p:spPr bwMode="auto">
+          <a:xfrm>
+            <a:off x="1027134" y="1371600"/>
+            <a:ext cx="1878903" cy="820455"/>
+          </a:xfrm>
+          <a:prstGeom prst="rect">
+            <a:avLst/>
+          </a:prstGeom>
+          <a:noFill/>
+          <a:ln w="57150" cap="flat" cmpd="sng" algn="ctr">
+            <a:solidFill>
+              <a:srgbClr val="FF0000"/>
+            </a:solidFill>
+            <a:prstDash val="solid"/>
+            <a:round/>
+            <a:headEnd type="none" w="med" len="med"/>
+            <a:tailEnd type="none" w="med" len="med"/>
+          </a:ln>
+          <a:effectLst/>
+          <a:extLst>
+            <a:ext uri="{AF507438-7753-43e0-B8FC-AC1667EBCBE1}">
+              <a14:hiddenEffects xmlns:a14="http://schemas.microsoft.com/office/drawing/2010/main" xmlns="">
+                <a:effectLst>
+                  <a:outerShdw dist="35921" dir="2700000" algn="ctr" rotWithShape="0">
+                    <a:schemeClr val="bg2"/>
+                  </a:outerShdw>
+                </a:effectLst>
+              </a14:hiddenEffects>
+            </a:ext>
+          </a:extLst>
+        </p:spPr>
+        <p:txBody>
+          <a:bodyPr vert="horz" wrap="square" lIns="91440" tIns="45720" rIns="91440" bIns="45720" numCol="1" rtlCol="0" anchor="t" anchorCtr="0" compatLnSpc="1">
+            <a:prstTxWarp prst="textNoShape">
+              <a:avLst/>
+            </a:prstTxWarp>
+          </a:bodyPr>
+          <a:lstStyle/>
+          <a:p>
+            <a:pPr marL="0" marR="0" indent="0" algn="l" defTabSz="914400" rtl="0" eaLnBrk="0" fontAlgn="base" latinLnBrk="0" hangingPunct="0">
+              <a:lnSpc>
+                <a:spcPct val="100000"/>
+              </a:lnSpc>
+              <a:spcBef>
+                <a:spcPct val="0"/>
+              </a:spcBef>
+              <a:spcAft>
+                <a:spcPct val="0"/>
+              </a:spcAft>
+              <a:buClrTx/>
+              <a:buSzTx/>
+              <a:buFontTx/>
+              <a:buNone/>
+              <a:tabLst/>
+            </a:pPr>
+            <a:endParaRPr kumimoji="0" lang="zh-TW" altLang="en-US" sz="2400" b="0" i="0" u="none" strike="noStrike" cap="none" normalizeH="0" baseline="0">
+              <a:ln>
+                <a:noFill/>
+              </a:ln>
+              <a:solidFill>
+                <a:schemeClr val="tx1"/>
+              </a:solidFill>
+              <a:effectLst/>
+              <a:latin typeface="Arial" charset="0"/>
+            </a:endParaRPr>
+          </a:p>
+        </p:txBody>
+      </p:sp>
     </p:spTree>
     <p:extLst>
       <p:ext uri="{BB962C8B-B14F-4D97-AF65-F5344CB8AC3E}">
@@ -23549,8 +25216,16 @@
           </a:p>
           <a:p>
             <a:r>
-              <a:rPr lang="zh-TW" altLang="en-US" dirty="0"/>
-              <a:t>空白不可太大，字體不可太小</a:t>
+              <a:rPr lang="zh-TW" altLang="en-US" dirty="0">
+                <a:highlight>
+                  <a:srgbClr val="FFFF00"/>
+                </a:highlight>
+              </a:rPr>
+              <a:t>空白不可太大</a:t>
+            </a:r>
+            <a:r>
+              <a:rPr lang="zh-TW" altLang="en-US" dirty="0"/>
+              <a:t>，字體不可太小</a:t>
             </a:r>
             <a:endParaRPr lang="en-US" altLang="zh-TW" dirty="0"/>
           </a:p>
@@ -23632,7 +25307,11 @@
           <a:p>
             <a:pPr lvl="1"/>
             <a:r>
-              <a:rPr lang="zh-TW" altLang="en-US" dirty="0"/>
+              <a:rPr lang="zh-TW" altLang="en-US" dirty="0">
+                <a:highlight>
+                  <a:srgbClr val="FFFF00"/>
+                </a:highlight>
+              </a:rPr>
               <a:t>多進</a:t>
             </a:r>
             <a:r>
@@ -23640,55 +25319,106 @@
                 <a:solidFill>
                   <a:srgbClr val="FF0000"/>
                 </a:solidFill>
+                <a:highlight>
+                  <a:srgbClr val="FFFF00"/>
+                </a:highlight>
               </a:rPr>
               <a:t>一出</a:t>
             </a:r>
             <a:r>
-              <a:rPr lang="en-US" altLang="zh-TW" dirty="0"/>
+              <a:rPr lang="en-US" altLang="zh-TW" dirty="0">
+                <a:highlight>
+                  <a:srgbClr val="FFFF00"/>
+                </a:highlight>
+              </a:rPr>
               <a:t>(</a:t>
             </a:r>
             <a:r>
-              <a:rPr lang="zh-TW" altLang="en-US" dirty="0"/>
+              <a:rPr lang="zh-TW" altLang="en-US" dirty="0">
+                <a:highlight>
+                  <a:srgbClr val="FFFF00"/>
+                </a:highlight>
+              </a:rPr>
               <a:t>除了選擇結構</a:t>
             </a:r>
             <a:r>
-              <a:rPr lang="en-US" altLang="zh-TW" dirty="0"/>
+              <a:rPr lang="en-US" altLang="zh-TW" dirty="0">
+                <a:highlight>
+                  <a:srgbClr val="FFFF00"/>
+                </a:highlight>
+              </a:rPr>
               <a:t>)</a:t>
             </a:r>
-            <a:endParaRPr lang="zh-TW" altLang="en-US" dirty="0"/>
+            <a:endParaRPr lang="zh-TW" altLang="en-US" dirty="0">
+              <a:highlight>
+                <a:srgbClr val="FFFF00"/>
+              </a:highlight>
+            </a:endParaRPr>
           </a:p>
           <a:p>
             <a:pPr lvl="1"/>
             <a:r>
-              <a:rPr lang="zh-TW" altLang="en-US" dirty="0"/>
+              <a:rPr lang="zh-TW" altLang="en-US" dirty="0">
+                <a:highlight>
+                  <a:srgbClr val="FFFF00"/>
+                </a:highlight>
+              </a:rPr>
               <a:t>要有</a:t>
             </a:r>
             <a:r>
-              <a:rPr lang="en-US" altLang="zh-TW" dirty="0"/>
+              <a:rPr lang="en-US" altLang="zh-TW" dirty="0">
+                <a:highlight>
+                  <a:srgbClr val="FFFF00"/>
+                </a:highlight>
+              </a:rPr>
               <a:t>”</a:t>
             </a:r>
             <a:r>
-              <a:rPr lang="zh-TW" altLang="en-US" dirty="0"/>
+              <a:rPr lang="zh-TW" altLang="en-US" dirty="0">
+                <a:highlight>
+                  <a:srgbClr val="FFFF00"/>
+                </a:highlight>
+              </a:rPr>
               <a:t>開始</a:t>
             </a:r>
             <a:r>
-              <a:rPr lang="en-US" altLang="zh-TW" dirty="0"/>
+              <a:rPr lang="en-US" altLang="zh-TW" dirty="0">
+                <a:highlight>
+                  <a:srgbClr val="FFFF00"/>
+                </a:highlight>
+              </a:rPr>
               <a:t>”(start)</a:t>
             </a:r>
             <a:r>
-              <a:rPr lang="zh-TW" altLang="en-US" dirty="0"/>
+              <a:rPr lang="zh-TW" altLang="en-US" dirty="0">
+                <a:highlight>
+                  <a:srgbClr val="FFFF00"/>
+                </a:highlight>
+              </a:rPr>
               <a:t>，可能沒有</a:t>
             </a:r>
             <a:r>
-              <a:rPr lang="en-US" altLang="zh-TW" dirty="0"/>
+              <a:rPr lang="en-US" altLang="zh-TW" dirty="0">
+                <a:highlight>
+                  <a:srgbClr val="FFFF00"/>
+                </a:highlight>
+              </a:rPr>
               <a:t>”</a:t>
             </a:r>
             <a:r>
-              <a:rPr lang="zh-TW" altLang="en-US" dirty="0"/>
+              <a:rPr lang="zh-TW" altLang="en-US" dirty="0">
+                <a:highlight>
+                  <a:srgbClr val="FFFF00"/>
+                </a:highlight>
+              </a:rPr>
               <a:t>結束</a:t>
             </a:r>
             <a:r>
-              <a:rPr lang="en-US" altLang="zh-TW" dirty="0"/>
+              <a:rPr lang="en-US" altLang="zh-TW" dirty="0">
+                <a:highlight>
+                  <a:srgbClr val="FFFF00"/>
+                </a:highlight>
+              </a:rPr>
               <a:t>”(end)</a:t>
             </a:r>
           </a:p>
@@ -23932,6 +25662,86 @@
           <a:noFill/>
         </p:spPr>
       </p:pic>
+      <p:sp>
+        <p:nvSpPr>
+          <p:cNvPr id="2" name="矩形 1">
+            <a:extLst>
+              <a:ext uri="{FF2B5EF4-FFF2-40B4-BE49-F238E27FC236}">
+                <a16:creationId xmlns:a16="http://schemas.microsoft.com/office/drawing/2014/main" id="{C79E606B-12B3-D056-13CA-2C6C57D50C78}"/>
+              </a:ext>
+            </a:extLst>
+          </p:cNvPr>
+          <p:cNvSpPr/>
+          <p:nvPr/>
+        </p:nvSpPr>
+        <p:spPr bwMode="auto">
+          <a:xfrm>
+            <a:off x="1478071" y="1845272"/>
+            <a:ext cx="2868461" cy="1962640"/>
+          </a:xfrm>
+          <a:prstGeom prst="rect">
+            <a:avLst/>
+          </a:prstGeom>
+          <a:noFill/>
+          <a:ln w="57150" cap="flat" cmpd="sng" algn="ctr">
+            <a:solidFill>
+              <a:srgbClr val="FF0000"/>
+            </a:solidFill>
+            <a:prstDash val="solid"/>
+            <a:round/>
+            <a:headEnd type="none" w="med" len="med"/>
+            <a:tailEnd type="none" w="med" len="med"/>
+          </a:ln>
+          <a:effectLst/>
+          <a:extLst>
+            <a:ext uri="{AF507438-7753-43e0-B8FC-AC1667EBCBE1}">
+              <a14:hiddenEffects xmlns:a14="http://schemas.microsoft.com/office/drawing/2010/main" xmlns="">
+                <a:effectLst>
+                  <a:outerShdw dist="35921" dir="2700000" algn="ctr" rotWithShape="0">
+                    <a:schemeClr val="bg2"/>
+                  </a:outerShdw>
+                </a:effectLst>
+              </a14:hiddenEffects>
+            </a:ext>
+          </a:extLst>
+        </p:spPr>
+        <p:txBody>
+          <a:bodyPr vert="horz" wrap="square" lIns="91440" tIns="45720" rIns="91440" bIns="45720" numCol="1" rtlCol="0" anchor="t" anchorCtr="0" compatLnSpc="1">
+            <a:prstTxWarp prst="textNoShape">
+              <a:avLst/>
+            </a:prstTxWarp>
+          </a:bodyPr>
+          <a:lstStyle/>
+          <a:p>
+            <a:pPr marL="0" marR="0" indent="0" algn="l" defTabSz="914400" rtl="0" eaLnBrk="0" fontAlgn="base" latinLnBrk="0" hangingPunct="0">
+              <a:lnSpc>
+                <a:spcPct val="100000"/>
+              </a:lnSpc>
+              <a:spcBef>
+                <a:spcPct val="0"/>
+              </a:spcBef>
+              <a:spcAft>
+                <a:spcPct val="0"/>
+              </a:spcAft>
+              <a:buClrTx/>
+              <a:buSzTx/>
+              <a:buFontTx/>
+              <a:buNone/>
+              <a:tabLst/>
+            </a:pPr>
+            <a:endParaRPr kumimoji="0" lang="zh-TW" altLang="en-US" sz="2400" b="0" i="0" u="none" strike="noStrike" cap="none" normalizeH="0" baseline="0">
+              <a:ln>
+                <a:noFill/>
+              </a:ln>
+              <a:solidFill>
+                <a:schemeClr val="tx1"/>
+              </a:solidFill>
+              <a:effectLst/>
+              <a:latin typeface="Arial" charset="0"/>
+            </a:endParaRPr>
+          </a:p>
+        </p:txBody>
+      </p:sp>
     </p:spTree>
     <p:extLst>
       <p:ext uri="{BB962C8B-B14F-4D97-AF65-F5344CB8AC3E}">
@@ -24463,6 +26273,246 @@
           </a:graphicData>
         </a:graphic>
       </p:graphicFrame>
+      <p:sp>
+        <p:nvSpPr>
+          <p:cNvPr id="6" name="矩形 5">
+            <a:extLst>
+              <a:ext uri="{FF2B5EF4-FFF2-40B4-BE49-F238E27FC236}">
+                <a16:creationId xmlns:a16="http://schemas.microsoft.com/office/drawing/2014/main" id="{F8EE2816-440B-2A6A-8D46-B185EAA274A9}"/>
+              </a:ext>
+            </a:extLst>
+          </p:cNvPr>
+          <p:cNvSpPr/>
+          <p:nvPr/>
+        </p:nvSpPr>
+        <p:spPr bwMode="auto">
+          <a:xfrm>
+            <a:off x="4922079" y="800100"/>
+            <a:ext cx="6177722" cy="2782344"/>
+          </a:xfrm>
+          <a:prstGeom prst="rect">
+            <a:avLst/>
+          </a:prstGeom>
+          <a:noFill/>
+          <a:ln w="19050" cap="flat" cmpd="sng" algn="ctr">
+            <a:solidFill>
+              <a:srgbClr val="FF0000"/>
+            </a:solidFill>
+            <a:prstDash val="solid"/>
+            <a:round/>
+            <a:headEnd type="none" w="med" len="med"/>
+            <a:tailEnd type="none" w="med" len="med"/>
+          </a:ln>
+          <a:effectLst/>
+          <a:extLst>
+            <a:ext uri="{AF507438-7753-43e0-B8FC-AC1667EBCBE1}">
+              <a14:hiddenEffects xmlns:a14="http://schemas.microsoft.com/office/drawing/2010/main" xmlns="">
+                <a:effectLst>
+                  <a:outerShdw dist="35921" dir="2700000" algn="ctr" rotWithShape="0">
+                    <a:schemeClr val="bg2"/>
+                  </a:outerShdw>
+                </a:effectLst>
+              </a14:hiddenEffects>
+            </a:ext>
+          </a:extLst>
+        </p:spPr>
+        <p:txBody>
+          <a:bodyPr vert="horz" wrap="square" lIns="91440" tIns="45720" rIns="91440" bIns="45720" numCol="1" rtlCol="0" anchor="t" anchorCtr="0" compatLnSpc="1">
+            <a:prstTxWarp prst="textNoShape">
+              <a:avLst/>
+            </a:prstTxWarp>
+          </a:bodyPr>
+          <a:lstStyle/>
+          <a:p>
+            <a:pPr marL="0" marR="0" indent="0" algn="l" defTabSz="914400" rtl="0" eaLnBrk="0" fontAlgn="base" latinLnBrk="0" hangingPunct="0">
+              <a:lnSpc>
+                <a:spcPct val="100000"/>
+              </a:lnSpc>
+              <a:spcBef>
+                <a:spcPct val="0"/>
+              </a:spcBef>
+              <a:spcAft>
+                <a:spcPct val="0"/>
+              </a:spcAft>
+              <a:buClrTx/>
+              <a:buSzTx/>
+              <a:buFontTx/>
+              <a:buNone/>
+              <a:tabLst/>
+            </a:pPr>
+            <a:endParaRPr kumimoji="0" lang="zh-TW" altLang="en-US" sz="2400" b="0" i="0" u="none" strike="noStrike" cap="none" normalizeH="0" baseline="0">
+              <a:ln>
+                <a:noFill/>
+              </a:ln>
+              <a:solidFill>
+                <a:schemeClr val="tx1"/>
+              </a:solidFill>
+              <a:effectLst/>
+              <a:latin typeface="Arial" charset="0"/>
+            </a:endParaRPr>
+          </a:p>
+        </p:txBody>
+      </p:sp>
+      <p:sp>
+        <p:nvSpPr>
+          <p:cNvPr id="7" name="矩形 6">
+            <a:extLst>
+              <a:ext uri="{FF2B5EF4-FFF2-40B4-BE49-F238E27FC236}">
+                <a16:creationId xmlns:a16="http://schemas.microsoft.com/office/drawing/2014/main" id="{48ACA44B-B6F5-2C44-7590-2A3A9C740962}"/>
+              </a:ext>
+            </a:extLst>
+          </p:cNvPr>
+          <p:cNvSpPr/>
+          <p:nvPr/>
+        </p:nvSpPr>
+        <p:spPr bwMode="auto">
+          <a:xfrm>
+            <a:off x="5892800" y="4400582"/>
+            <a:ext cx="349082" cy="1887484"/>
+          </a:xfrm>
+          <a:prstGeom prst="rect">
+            <a:avLst/>
+          </a:prstGeom>
+          <a:noFill/>
+          <a:ln w="9525" cap="flat" cmpd="sng" algn="ctr">
+            <a:solidFill>
+              <a:srgbClr val="FF0000"/>
+            </a:solidFill>
+            <a:prstDash val="solid"/>
+            <a:round/>
+            <a:headEnd type="none" w="med" len="med"/>
+            <a:tailEnd type="none" w="med" len="med"/>
+          </a:ln>
+          <a:effectLst/>
+          <a:extLst>
+            <a:ext uri="{AF507438-7753-43e0-B8FC-AC1667EBCBE1}">
+              <a14:hiddenEffects xmlns:a14="http://schemas.microsoft.com/office/drawing/2010/main" xmlns="">
+                <a:effectLst>
+                  <a:outerShdw dist="35921" dir="2700000" algn="ctr" rotWithShape="0">
+                    <a:schemeClr val="bg2"/>
+                  </a:outerShdw>
+                </a:effectLst>
+              </a14:hiddenEffects>
+            </a:ext>
+          </a:extLst>
+        </p:spPr>
+        <p:txBody>
+          <a:bodyPr vert="horz" wrap="square" lIns="91440" tIns="45720" rIns="91440" bIns="45720" numCol="1" rtlCol="0" anchor="t" anchorCtr="0" compatLnSpc="1">
+            <a:prstTxWarp prst="textNoShape">
+              <a:avLst/>
+            </a:prstTxWarp>
+          </a:bodyPr>
+          <a:lstStyle/>
+          <a:p>
+            <a:pPr marL="0" marR="0" indent="0" algn="l" defTabSz="914400" rtl="0" eaLnBrk="0" fontAlgn="base" latinLnBrk="0" hangingPunct="0">
+              <a:lnSpc>
+                <a:spcPct val="100000"/>
+              </a:lnSpc>
+              <a:spcBef>
+                <a:spcPct val="0"/>
+              </a:spcBef>
+              <a:spcAft>
+                <a:spcPct val="0"/>
+              </a:spcAft>
+              <a:buClrTx/>
+              <a:buSzTx/>
+              <a:buFontTx/>
+              <a:buNone/>
+              <a:tabLst/>
+            </a:pPr>
+            <a:endParaRPr kumimoji="0" lang="zh-TW" altLang="en-US" sz="2400" b="0" i="0" u="none" strike="noStrike" cap="none" normalizeH="0" baseline="0">
+              <a:ln>
+                <a:noFill/>
+              </a:ln>
+              <a:solidFill>
+                <a:schemeClr val="tx1"/>
+              </a:solidFill>
+              <a:effectLst/>
+              <a:latin typeface="Arial" charset="0"/>
+            </a:endParaRPr>
+          </a:p>
+        </p:txBody>
+      </p:sp>
+      <p:sp>
+        <p:nvSpPr>
+          <p:cNvPr id="8" name="矩形 7">
+            <a:extLst>
+              <a:ext uri="{FF2B5EF4-FFF2-40B4-BE49-F238E27FC236}">
+                <a16:creationId xmlns:a16="http://schemas.microsoft.com/office/drawing/2014/main" id="{E44D44EB-4623-0F57-DF32-782D7ABA3F5C}"/>
+              </a:ext>
+            </a:extLst>
+          </p:cNvPr>
+          <p:cNvSpPr/>
+          <p:nvPr/>
+        </p:nvSpPr>
+        <p:spPr bwMode="auto">
+          <a:xfrm>
+            <a:off x="7948311" y="5824603"/>
+            <a:ext cx="1095481" cy="438411"/>
+          </a:xfrm>
+          <a:prstGeom prst="rect">
+            <a:avLst/>
+          </a:prstGeom>
+          <a:noFill/>
+          <a:ln w="6350" cap="flat" cmpd="sng" algn="ctr">
+            <a:solidFill>
+              <a:srgbClr val="FF0000"/>
+            </a:solidFill>
+            <a:prstDash val="solid"/>
+            <a:round/>
+            <a:headEnd type="none" w="med" len="med"/>
+            <a:tailEnd type="none" w="med" len="med"/>
+          </a:ln>
+          <a:effectLst/>
+          <a:extLst>
+            <a:ext uri="{AF507438-7753-43e0-B8FC-AC1667EBCBE1}">
+              <a14:hiddenEffects xmlns:a14="http://schemas.microsoft.com/office/drawing/2010/main" xmlns="">
+                <a:effectLst>
+                  <a:outerShdw dist="35921" dir="2700000" algn="ctr" rotWithShape="0">
+                    <a:schemeClr val="bg2"/>
+                  </a:outerShdw>
+                </a:effectLst>
+              </a14:hiddenEffects>
+            </a:ext>
+          </a:extLst>
+        </p:spPr>
+        <p:txBody>
+          <a:bodyPr vert="horz" wrap="square" lIns="91440" tIns="45720" rIns="91440" bIns="45720" numCol="1" rtlCol="0" anchor="t" anchorCtr="0" compatLnSpc="1">
+            <a:prstTxWarp prst="textNoShape">
+              <a:avLst/>
+            </a:prstTxWarp>
+          </a:bodyPr>
+          <a:lstStyle/>
+          <a:p>
+            <a:pPr marL="0" marR="0" indent="0" algn="l" defTabSz="914400" rtl="0" eaLnBrk="0" fontAlgn="base" latinLnBrk="0" hangingPunct="0">
+              <a:lnSpc>
+                <a:spcPct val="100000"/>
+              </a:lnSpc>
+              <a:spcBef>
+                <a:spcPct val="0"/>
+              </a:spcBef>
+              <a:spcAft>
+                <a:spcPct val="0"/>
+              </a:spcAft>
+              <a:buClrTx/>
+              <a:buSzTx/>
+              <a:buFontTx/>
+              <a:buNone/>
+              <a:tabLst/>
+            </a:pPr>
+            <a:endParaRPr kumimoji="0" lang="zh-TW" altLang="en-US" sz="2400" b="0" i="0" u="none" strike="noStrike" cap="none" normalizeH="0" baseline="0">
+              <a:ln>
+                <a:noFill/>
+              </a:ln>
+              <a:solidFill>
+                <a:schemeClr val="tx1"/>
+              </a:solidFill>
+              <a:effectLst/>
+              <a:latin typeface="Arial" charset="0"/>
+            </a:endParaRPr>
+          </a:p>
+        </p:txBody>
+      </p:sp>
     </p:spTree>
     <p:extLst>
       <p:ext uri="{BB962C8B-B14F-4D97-AF65-F5344CB8AC3E}">
@@ -24994,6 +27044,86 @@
           </a:prstGeom>
         </p:spPr>
       </p:pic>
+      <p:sp>
+        <p:nvSpPr>
+          <p:cNvPr id="5" name="矩形 4">
+            <a:extLst>
+              <a:ext uri="{FF2B5EF4-FFF2-40B4-BE49-F238E27FC236}">
+                <a16:creationId xmlns:a16="http://schemas.microsoft.com/office/drawing/2014/main" id="{7B8F3E0B-A807-A22A-58AA-C9E3069105CF}"/>
+              </a:ext>
+            </a:extLst>
+          </p:cNvPr>
+          <p:cNvSpPr/>
+          <p:nvPr/>
+        </p:nvSpPr>
+        <p:spPr bwMode="auto">
+          <a:xfrm>
+            <a:off x="4467456" y="6002214"/>
+            <a:ext cx="2589835" cy="627185"/>
+          </a:xfrm>
+          <a:prstGeom prst="rect">
+            <a:avLst/>
+          </a:prstGeom>
+          <a:noFill/>
+          <a:ln w="57150" cap="flat" cmpd="sng" algn="ctr">
+            <a:solidFill>
+              <a:srgbClr val="FF0000"/>
+            </a:solidFill>
+            <a:prstDash val="solid"/>
+            <a:round/>
+            <a:headEnd type="none" w="med" len="med"/>
+            <a:tailEnd type="none" w="med" len="med"/>
+          </a:ln>
+          <a:effectLst/>
+          <a:extLst>
+            <a:ext uri="{AF507438-7753-43e0-B8FC-AC1667EBCBE1}">
+              <a14:hiddenEffects xmlns:a14="http://schemas.microsoft.com/office/drawing/2010/main" xmlns="">
+                <a:effectLst>
+                  <a:outerShdw dist="35921" dir="2700000" algn="ctr" rotWithShape="0">
+                    <a:schemeClr val="bg2"/>
+                  </a:outerShdw>
+                </a:effectLst>
+              </a14:hiddenEffects>
+            </a:ext>
+          </a:extLst>
+        </p:spPr>
+        <p:txBody>
+          <a:bodyPr vert="horz" wrap="square" lIns="91440" tIns="45720" rIns="91440" bIns="45720" numCol="1" rtlCol="0" anchor="t" anchorCtr="0" compatLnSpc="1">
+            <a:prstTxWarp prst="textNoShape">
+              <a:avLst/>
+            </a:prstTxWarp>
+          </a:bodyPr>
+          <a:lstStyle/>
+          <a:p>
+            <a:pPr marL="0" marR="0" indent="0" algn="l" defTabSz="914400" rtl="0" eaLnBrk="0" fontAlgn="base" latinLnBrk="0" hangingPunct="0">
+              <a:lnSpc>
+                <a:spcPct val="100000"/>
+              </a:lnSpc>
+              <a:spcBef>
+                <a:spcPct val="0"/>
+              </a:spcBef>
+              <a:spcAft>
+                <a:spcPct val="0"/>
+              </a:spcAft>
+              <a:buClrTx/>
+              <a:buSzTx/>
+              <a:buFontTx/>
+              <a:buNone/>
+              <a:tabLst/>
+            </a:pPr>
+            <a:endParaRPr kumimoji="0" lang="zh-TW" altLang="en-US" sz="2400" b="0" i="0" u="none" strike="noStrike" cap="none" normalizeH="0" baseline="0">
+              <a:ln>
+                <a:noFill/>
+              </a:ln>
+              <a:solidFill>
+                <a:schemeClr val="tx1"/>
+              </a:solidFill>
+              <a:effectLst/>
+              <a:latin typeface="Arial" charset="0"/>
+            </a:endParaRPr>
+          </a:p>
+        </p:txBody>
+      </p:sp>
     </p:spTree>
     <p:extLst>
       <p:ext uri="{BB962C8B-B14F-4D97-AF65-F5344CB8AC3E}">
@@ -25045,11 +27175,19 @@
           <a:lstStyle/>
           <a:p>
             <a:r>
-              <a:rPr lang="zh-TW" altLang="en-US" dirty="0"/>
+              <a:rPr lang="zh-TW" altLang="en-US" dirty="0">
+                <a:highlight>
+                  <a:srgbClr val="FFFF00"/>
+                </a:highlight>
+              </a:rPr>
               <a:t>不限定語言，但比較類似</a:t>
             </a:r>
             <a:r>
-              <a:rPr lang="en-US" altLang="zh-TW" dirty="0"/>
+              <a:rPr lang="en-US" altLang="zh-TW" dirty="0">
+                <a:highlight>
+                  <a:srgbClr val="FFFF00"/>
+                </a:highlight>
+              </a:rPr>
               <a:t>C</a:t>
             </a:r>
           </a:p>
@@ -25109,39 +27247,69 @@
           </a:p>
           <a:p>
             <a:r>
-              <a:rPr lang="zh-TW" altLang="en-US" dirty="0"/>
+              <a:rPr lang="zh-TW" altLang="en-US" dirty="0">
+                <a:highlight>
+                  <a:srgbClr val="FFFF00"/>
+                </a:highlight>
+              </a:rPr>
               <a:t>不可太複雜，若太複雜，可先寫主程式</a:t>
             </a:r>
             <a:r>
-              <a:rPr lang="en-US" altLang="zh-TW" dirty="0"/>
+              <a:rPr lang="en-US" altLang="zh-TW" dirty="0">
+                <a:highlight>
+                  <a:srgbClr val="FFFF00"/>
+                </a:highlight>
+              </a:rPr>
               <a:t>+</a:t>
             </a:r>
             <a:r>
-              <a:rPr lang="zh-TW" altLang="en-US" dirty="0"/>
+              <a:rPr lang="zh-TW" altLang="en-US" dirty="0">
+                <a:highlight>
+                  <a:srgbClr val="FFFF00"/>
+                </a:highlight>
+              </a:rPr>
               <a:t>函數，再寫函數的虛擬碼</a:t>
             </a:r>
+            <a:endParaRPr lang="en-US" altLang="zh-TW" dirty="0">
+              <a:highlight>
+                <a:srgbClr val="FFFF00"/>
+              </a:highlight>
+            </a:endParaRPr>
+          </a:p>
+          <a:p>
+            <a:r>
+              <a:rPr lang="zh-TW" altLang="en-US" dirty="0"/>
+              <a:t>行距不可太大，一行不要太多字</a:t>
+            </a:r>
             <a:endParaRPr lang="en-US" altLang="zh-TW" dirty="0"/>
           </a:p>
           <a:p>
             <a:r>
               <a:rPr lang="zh-TW" altLang="en-US" dirty="0"/>
-              <a:t>行距不可太大，一行不要太多字</a:t>
+              <a:t>可多用符號</a:t>
             </a:r>
             <a:endParaRPr lang="en-US" altLang="zh-TW" dirty="0"/>
           </a:p>
           <a:p>
             <a:r>
-              <a:rPr lang="zh-TW" altLang="en-US" dirty="0"/>
-              <a:t>可多用符號</a:t>
-            </a:r>
-            <a:endParaRPr lang="en-US" altLang="zh-TW" dirty="0"/>
-          </a:p>
-          <a:p>
-            <a:r>
-              <a:rPr lang="zh-TW" altLang="en-US" dirty="0"/>
-              <a:t>程式指令使用粗體</a:t>
-            </a:r>
-            <a:endParaRPr lang="en-US" altLang="zh-TW" dirty="0"/>
+              <a:rPr lang="zh-TW" altLang="en-US" dirty="0">
+                <a:solidFill>
+                  <a:srgbClr val="FF0000"/>
+                </a:solidFill>
+                <a:highlight>
+                  <a:srgbClr val="FFFF00"/>
+                </a:highlight>
+              </a:rPr>
+              <a:t>程式指令使用粗體 符號可以斜體</a:t>
+            </a:r>
+            <a:endParaRPr lang="en-US" altLang="zh-TW" dirty="0">
+              <a:solidFill>
+                <a:srgbClr val="FF0000"/>
+              </a:solidFill>
+              <a:highlight>
+                <a:srgbClr val="FFFF00"/>
+              </a:highlight>
+            </a:endParaRPr>
           </a:p>
           <a:p>
             <a:r>
@@ -25404,6 +27572,406 @@
           </a:prstGeom>
         </p:spPr>
       </p:pic>
+      <p:sp>
+        <p:nvSpPr>
+          <p:cNvPr id="2" name="矩形 1">
+            <a:extLst>
+              <a:ext uri="{FF2B5EF4-FFF2-40B4-BE49-F238E27FC236}">
+                <a16:creationId xmlns:a16="http://schemas.microsoft.com/office/drawing/2014/main" id="{2595BCE8-1B01-0FAB-749D-C0B2F54AD8C4}"/>
+              </a:ext>
+            </a:extLst>
+          </p:cNvPr>
+          <p:cNvSpPr/>
+          <p:nvPr/>
+        </p:nvSpPr>
+        <p:spPr bwMode="auto">
+          <a:xfrm>
+            <a:off x="2486255" y="2841734"/>
+            <a:ext cx="854821" cy="757251"/>
+          </a:xfrm>
+          <a:prstGeom prst="rect">
+            <a:avLst/>
+          </a:prstGeom>
+          <a:noFill/>
+          <a:ln w="9525" cap="flat" cmpd="sng" algn="ctr">
+            <a:solidFill>
+              <a:srgbClr val="FF0000"/>
+            </a:solidFill>
+            <a:prstDash val="solid"/>
+            <a:round/>
+            <a:headEnd type="none" w="med" len="med"/>
+            <a:tailEnd type="none" w="med" len="med"/>
+          </a:ln>
+          <a:effectLst/>
+          <a:extLst>
+            <a:ext uri="{AF507438-7753-43e0-B8FC-AC1667EBCBE1}">
+              <a14:hiddenEffects xmlns:a14="http://schemas.microsoft.com/office/drawing/2010/main" xmlns="">
+                <a:effectLst>
+                  <a:outerShdw dist="35921" dir="2700000" algn="ctr" rotWithShape="0">
+                    <a:schemeClr val="bg2"/>
+                  </a:outerShdw>
+                </a:effectLst>
+              </a14:hiddenEffects>
+            </a:ext>
+          </a:extLst>
+        </p:spPr>
+        <p:txBody>
+          <a:bodyPr vert="horz" wrap="square" lIns="91440" tIns="45720" rIns="91440" bIns="45720" numCol="1" rtlCol="0" anchor="t" anchorCtr="0" compatLnSpc="1">
+            <a:prstTxWarp prst="textNoShape">
+              <a:avLst/>
+            </a:prstTxWarp>
+          </a:bodyPr>
+          <a:lstStyle/>
+          <a:p>
+            <a:pPr marL="0" marR="0" indent="0" algn="l" defTabSz="914400" rtl="0" eaLnBrk="0" fontAlgn="base" latinLnBrk="0" hangingPunct="0">
+              <a:lnSpc>
+                <a:spcPct val="100000"/>
+              </a:lnSpc>
+              <a:spcBef>
+                <a:spcPct val="0"/>
+              </a:spcBef>
+              <a:spcAft>
+                <a:spcPct val="0"/>
+              </a:spcAft>
+              <a:buClrTx/>
+              <a:buSzTx/>
+              <a:buFontTx/>
+              <a:buNone/>
+              <a:tabLst/>
+            </a:pPr>
+            <a:endParaRPr kumimoji="0" lang="zh-TW" altLang="en-US" sz="2400" b="0" i="0" u="none" strike="noStrike" cap="none" normalizeH="0" baseline="0">
+              <a:ln>
+                <a:noFill/>
+              </a:ln>
+              <a:solidFill>
+                <a:schemeClr val="tx1"/>
+              </a:solidFill>
+              <a:effectLst/>
+              <a:latin typeface="Arial" charset="0"/>
+            </a:endParaRPr>
+          </a:p>
+        </p:txBody>
+      </p:sp>
+      <p:sp>
+        <p:nvSpPr>
+          <p:cNvPr id="5" name="矩形 4">
+            <a:extLst>
+              <a:ext uri="{FF2B5EF4-FFF2-40B4-BE49-F238E27FC236}">
+                <a16:creationId xmlns:a16="http://schemas.microsoft.com/office/drawing/2014/main" id="{19E57204-3392-6FF3-6A4D-88E1767B48F9}"/>
+              </a:ext>
+            </a:extLst>
+          </p:cNvPr>
+          <p:cNvSpPr/>
+          <p:nvPr/>
+        </p:nvSpPr>
+        <p:spPr bwMode="auto">
+          <a:xfrm>
+            <a:off x="4584687" y="4236780"/>
+            <a:ext cx="550022" cy="452451"/>
+          </a:xfrm>
+          <a:prstGeom prst="rect">
+            <a:avLst/>
+          </a:prstGeom>
+          <a:noFill/>
+          <a:ln w="9525" cap="flat" cmpd="sng" algn="ctr">
+            <a:solidFill>
+              <a:srgbClr val="FF0000"/>
+            </a:solidFill>
+            <a:prstDash val="solid"/>
+            <a:round/>
+            <a:headEnd type="none" w="med" len="med"/>
+            <a:tailEnd type="none" w="med" len="med"/>
+          </a:ln>
+          <a:effectLst/>
+          <a:extLst>
+            <a:ext uri="{AF507438-7753-43e0-B8FC-AC1667EBCBE1}">
+              <a14:hiddenEffects xmlns:a14="http://schemas.microsoft.com/office/drawing/2010/main" xmlns="">
+                <a:effectLst>
+                  <a:outerShdw dist="35921" dir="2700000" algn="ctr" rotWithShape="0">
+                    <a:schemeClr val="bg2"/>
+                  </a:outerShdw>
+                </a:effectLst>
+              </a14:hiddenEffects>
+            </a:ext>
+          </a:extLst>
+        </p:spPr>
+        <p:txBody>
+          <a:bodyPr vert="horz" wrap="square" lIns="91440" tIns="45720" rIns="91440" bIns="45720" numCol="1" rtlCol="0" anchor="t" anchorCtr="0" compatLnSpc="1">
+            <a:prstTxWarp prst="textNoShape">
+              <a:avLst/>
+            </a:prstTxWarp>
+          </a:bodyPr>
+          <a:lstStyle/>
+          <a:p>
+            <a:pPr marL="0" marR="0" indent="0" algn="l" defTabSz="914400" rtl="0" eaLnBrk="0" fontAlgn="base" latinLnBrk="0" hangingPunct="0">
+              <a:lnSpc>
+                <a:spcPct val="100000"/>
+              </a:lnSpc>
+              <a:spcBef>
+                <a:spcPct val="0"/>
+              </a:spcBef>
+              <a:spcAft>
+                <a:spcPct val="0"/>
+              </a:spcAft>
+              <a:buClrTx/>
+              <a:buSzTx/>
+              <a:buFontTx/>
+              <a:buNone/>
+              <a:tabLst/>
+            </a:pPr>
+            <a:endParaRPr kumimoji="0" lang="zh-TW" altLang="en-US" sz="2400" b="0" i="0" u="none" strike="noStrike" cap="none" normalizeH="0" baseline="0">
+              <a:ln>
+                <a:noFill/>
+              </a:ln>
+              <a:solidFill>
+                <a:schemeClr val="tx1"/>
+              </a:solidFill>
+              <a:effectLst/>
+              <a:latin typeface="Arial" charset="0"/>
+            </a:endParaRPr>
+          </a:p>
+        </p:txBody>
+      </p:sp>
+      <p:sp>
+        <p:nvSpPr>
+          <p:cNvPr id="7" name="矩形 6">
+            <a:extLst>
+              <a:ext uri="{FF2B5EF4-FFF2-40B4-BE49-F238E27FC236}">
+                <a16:creationId xmlns:a16="http://schemas.microsoft.com/office/drawing/2014/main" id="{3AED61BE-6854-B580-7BCD-2A0DF70EE3CF}"/>
+              </a:ext>
+            </a:extLst>
+          </p:cNvPr>
+          <p:cNvSpPr/>
+          <p:nvPr/>
+        </p:nvSpPr>
+        <p:spPr bwMode="auto">
+          <a:xfrm>
+            <a:off x="2638655" y="3141785"/>
+            <a:ext cx="4078668" cy="609600"/>
+          </a:xfrm>
+          <a:prstGeom prst="rect">
+            <a:avLst/>
+          </a:prstGeom>
+          <a:noFill/>
+          <a:ln w="9525" cap="flat" cmpd="sng" algn="ctr">
+            <a:solidFill>
+              <a:srgbClr val="FF0000"/>
+            </a:solidFill>
+            <a:prstDash val="solid"/>
+            <a:round/>
+            <a:headEnd type="none" w="med" len="med"/>
+            <a:tailEnd type="none" w="med" len="med"/>
+          </a:ln>
+          <a:effectLst/>
+          <a:extLst>
+            <a:ext uri="{AF507438-7753-43e0-B8FC-AC1667EBCBE1}">
+              <a14:hiddenEffects xmlns:a14="http://schemas.microsoft.com/office/drawing/2010/main" xmlns="">
+                <a:effectLst>
+                  <a:outerShdw dist="35921" dir="2700000" algn="ctr" rotWithShape="0">
+                    <a:schemeClr val="bg2"/>
+                  </a:outerShdw>
+                </a:effectLst>
+              </a14:hiddenEffects>
+            </a:ext>
+          </a:extLst>
+        </p:spPr>
+        <p:txBody>
+          <a:bodyPr vert="horz" wrap="square" lIns="91440" tIns="45720" rIns="91440" bIns="45720" numCol="1" rtlCol="0" anchor="t" anchorCtr="0" compatLnSpc="1">
+            <a:prstTxWarp prst="textNoShape">
+              <a:avLst/>
+            </a:prstTxWarp>
+          </a:bodyPr>
+          <a:lstStyle/>
+          <a:p>
+            <a:pPr marL="0" marR="0" indent="0" algn="l" defTabSz="914400" rtl="0" eaLnBrk="0" fontAlgn="base" latinLnBrk="0" hangingPunct="0">
+              <a:lnSpc>
+                <a:spcPct val="100000"/>
+              </a:lnSpc>
+              <a:spcBef>
+                <a:spcPct val="0"/>
+              </a:spcBef>
+              <a:spcAft>
+                <a:spcPct val="0"/>
+              </a:spcAft>
+              <a:buClrTx/>
+              <a:buSzTx/>
+              <a:buFontTx/>
+              <a:buNone/>
+              <a:tabLst/>
+            </a:pPr>
+            <a:endParaRPr kumimoji="0" lang="zh-TW" altLang="en-US" sz="2400" b="0" i="0" u="none" strike="noStrike" cap="none" normalizeH="0" baseline="0">
+              <a:ln>
+                <a:noFill/>
+              </a:ln>
+              <a:solidFill>
+                <a:schemeClr val="tx1"/>
+              </a:solidFill>
+              <a:effectLst/>
+              <a:latin typeface="Arial" charset="0"/>
+            </a:endParaRPr>
+          </a:p>
+        </p:txBody>
+      </p:sp>
+      <p:sp>
+        <p:nvSpPr>
+          <p:cNvPr id="8" name="矩形 7">
+            <a:extLst>
+              <a:ext uri="{FF2B5EF4-FFF2-40B4-BE49-F238E27FC236}">
+                <a16:creationId xmlns:a16="http://schemas.microsoft.com/office/drawing/2014/main" id="{C46E3B82-0C17-90EC-5C2D-FF2F8F4A1B9D}"/>
+              </a:ext>
+            </a:extLst>
+          </p:cNvPr>
+          <p:cNvSpPr/>
+          <p:nvPr/>
+        </p:nvSpPr>
+        <p:spPr bwMode="auto">
+          <a:xfrm>
+            <a:off x="3060684" y="4032734"/>
+            <a:ext cx="4078668" cy="609600"/>
+          </a:xfrm>
+          <a:prstGeom prst="rect">
+            <a:avLst/>
+          </a:prstGeom>
+          <a:noFill/>
+          <a:ln w="9525" cap="flat" cmpd="sng" algn="ctr">
+            <a:solidFill>
+              <a:srgbClr val="FF0000"/>
+            </a:solidFill>
+            <a:prstDash val="solid"/>
+            <a:round/>
+            <a:headEnd type="none" w="med" len="med"/>
+            <a:tailEnd type="none" w="med" len="med"/>
+          </a:ln>
+          <a:effectLst/>
+          <a:extLst>
+            <a:ext uri="{AF507438-7753-43e0-B8FC-AC1667EBCBE1}">
+              <a14:hiddenEffects xmlns:a14="http://schemas.microsoft.com/office/drawing/2010/main" xmlns="">
+                <a:effectLst>
+                  <a:outerShdw dist="35921" dir="2700000" algn="ctr" rotWithShape="0">
+                    <a:schemeClr val="bg2"/>
+                  </a:outerShdw>
+                </a:effectLst>
+              </a14:hiddenEffects>
+            </a:ext>
+          </a:extLst>
+        </p:spPr>
+        <p:txBody>
+          <a:bodyPr vert="horz" wrap="square" lIns="91440" tIns="45720" rIns="91440" bIns="45720" numCol="1" rtlCol="0" anchor="t" anchorCtr="0" compatLnSpc="1">
+            <a:prstTxWarp prst="textNoShape">
+              <a:avLst/>
+            </a:prstTxWarp>
+          </a:bodyPr>
+          <a:lstStyle/>
+          <a:p>
+            <a:pPr marL="0" marR="0" indent="0" algn="l" defTabSz="914400" rtl="0" eaLnBrk="0" fontAlgn="base" latinLnBrk="0" hangingPunct="0">
+              <a:lnSpc>
+                <a:spcPct val="100000"/>
+              </a:lnSpc>
+              <a:spcBef>
+                <a:spcPct val="0"/>
+              </a:spcBef>
+              <a:spcAft>
+                <a:spcPct val="0"/>
+              </a:spcAft>
+              <a:buClrTx/>
+              <a:buSzTx/>
+              <a:buFontTx/>
+              <a:buNone/>
+              <a:tabLst/>
+            </a:pPr>
+            <a:endParaRPr kumimoji="0" lang="zh-TW" altLang="en-US" sz="2400" b="0" i="0" u="none" strike="noStrike" cap="none" normalizeH="0" baseline="0">
+              <a:ln>
+                <a:noFill/>
+              </a:ln>
+              <a:solidFill>
+                <a:schemeClr val="tx1"/>
+              </a:solidFill>
+              <a:effectLst/>
+              <a:latin typeface="Arial" charset="0"/>
+            </a:endParaRPr>
+          </a:p>
+        </p:txBody>
+      </p:sp>
+      <p:sp>
+        <p:nvSpPr>
+          <p:cNvPr id="9" name="矩形 8">
+            <a:extLst>
+              <a:ext uri="{FF2B5EF4-FFF2-40B4-BE49-F238E27FC236}">
+                <a16:creationId xmlns:a16="http://schemas.microsoft.com/office/drawing/2014/main" id="{7F5B6730-177B-73DA-8522-1FCBDF5EA954}"/>
+              </a:ext>
+            </a:extLst>
+          </p:cNvPr>
+          <p:cNvSpPr/>
+          <p:nvPr/>
+        </p:nvSpPr>
+        <p:spPr bwMode="auto">
+          <a:xfrm>
+            <a:off x="2638655" y="5369169"/>
+            <a:ext cx="4078668" cy="309549"/>
+          </a:xfrm>
+          <a:prstGeom prst="rect">
+            <a:avLst/>
+          </a:prstGeom>
+          <a:noFill/>
+          <a:ln w="9525" cap="flat" cmpd="sng" algn="ctr">
+            <a:solidFill>
+              <a:srgbClr val="FF0000"/>
+            </a:solidFill>
+            <a:prstDash val="solid"/>
+            <a:round/>
+            <a:headEnd type="none" w="med" len="med"/>
+            <a:tailEnd type="none" w="med" len="med"/>
+          </a:ln>
+          <a:effectLst/>
+          <a:extLst>
+            <a:ext uri="{AF507438-7753-43e0-B8FC-AC1667EBCBE1}">
+              <a14:hiddenEffects xmlns:a14="http://schemas.microsoft.com/office/drawing/2010/main" xmlns="">
+                <a:effectLst>
+                  <a:outerShdw dist="35921" dir="2700000" algn="ctr" rotWithShape="0">
+                    <a:schemeClr val="bg2"/>
+                  </a:outerShdw>
+                </a:effectLst>
+              </a14:hiddenEffects>
+            </a:ext>
+          </a:extLst>
+        </p:spPr>
+        <p:txBody>
+          <a:bodyPr vert="horz" wrap="square" lIns="91440" tIns="45720" rIns="91440" bIns="45720" numCol="1" rtlCol="0" anchor="t" anchorCtr="0" compatLnSpc="1">
+            <a:prstTxWarp prst="textNoShape">
+              <a:avLst/>
+            </a:prstTxWarp>
+          </a:bodyPr>
+          <a:lstStyle/>
+          <a:p>
+            <a:pPr marL="0" marR="0" indent="0" algn="l" defTabSz="914400" rtl="0" eaLnBrk="0" fontAlgn="base" latinLnBrk="0" hangingPunct="0">
+              <a:lnSpc>
+                <a:spcPct val="100000"/>
+              </a:lnSpc>
+              <a:spcBef>
+                <a:spcPct val="0"/>
+              </a:spcBef>
+              <a:spcAft>
+                <a:spcPct val="0"/>
+              </a:spcAft>
+              <a:buClrTx/>
+              <a:buSzTx/>
+              <a:buFontTx/>
+              <a:buNone/>
+              <a:tabLst/>
+            </a:pPr>
+            <a:endParaRPr kumimoji="0" lang="zh-TW" altLang="en-US" sz="2400" b="0" i="0" u="none" strike="noStrike" cap="none" normalizeH="0" baseline="0">
+              <a:ln>
+                <a:noFill/>
+              </a:ln>
+              <a:solidFill>
+                <a:schemeClr val="tx1"/>
+              </a:solidFill>
+              <a:effectLst/>
+              <a:latin typeface="Arial" charset="0"/>
+            </a:endParaRPr>
+          </a:p>
+        </p:txBody>
+      </p:sp>
     </p:spTree>
     <p:extLst>
       <p:ext uri="{BB962C8B-B14F-4D97-AF65-F5344CB8AC3E}">
@@ -25506,6 +28074,406 @@
           </a:prstGeom>
         </p:spPr>
       </p:pic>
+      <p:sp>
+        <p:nvSpPr>
+          <p:cNvPr id="2" name="矩形 1">
+            <a:extLst>
+              <a:ext uri="{FF2B5EF4-FFF2-40B4-BE49-F238E27FC236}">
+                <a16:creationId xmlns:a16="http://schemas.microsoft.com/office/drawing/2014/main" id="{24EBDB7B-D16B-292F-8171-65C7EE0937B1}"/>
+              </a:ext>
+            </a:extLst>
+          </p:cNvPr>
+          <p:cNvSpPr/>
+          <p:nvPr/>
+        </p:nvSpPr>
+        <p:spPr bwMode="auto">
+          <a:xfrm>
+            <a:off x="4514347" y="1828801"/>
+            <a:ext cx="784484" cy="1143000"/>
+          </a:xfrm>
+          <a:prstGeom prst="rect">
+            <a:avLst/>
+          </a:prstGeom>
+          <a:noFill/>
+          <a:ln w="9525" cap="flat" cmpd="sng" algn="ctr">
+            <a:solidFill>
+              <a:srgbClr val="FF0000"/>
+            </a:solidFill>
+            <a:prstDash val="solid"/>
+            <a:round/>
+            <a:headEnd type="none" w="med" len="med"/>
+            <a:tailEnd type="none" w="med" len="med"/>
+          </a:ln>
+          <a:effectLst/>
+          <a:extLst>
+            <a:ext uri="{AF507438-7753-43e0-B8FC-AC1667EBCBE1}">
+              <a14:hiddenEffects xmlns:a14="http://schemas.microsoft.com/office/drawing/2010/main" xmlns="">
+                <a:effectLst>
+                  <a:outerShdw dist="35921" dir="2700000" algn="ctr" rotWithShape="0">
+                    <a:schemeClr val="bg2"/>
+                  </a:outerShdw>
+                </a:effectLst>
+              </a14:hiddenEffects>
+            </a:ext>
+          </a:extLst>
+        </p:spPr>
+        <p:txBody>
+          <a:bodyPr vert="horz" wrap="square" lIns="91440" tIns="45720" rIns="91440" bIns="45720" numCol="1" rtlCol="0" anchor="t" anchorCtr="0" compatLnSpc="1">
+            <a:prstTxWarp prst="textNoShape">
+              <a:avLst/>
+            </a:prstTxWarp>
+          </a:bodyPr>
+          <a:lstStyle/>
+          <a:p>
+            <a:pPr marL="0" marR="0" indent="0" algn="l" defTabSz="914400" rtl="0" eaLnBrk="0" fontAlgn="base" latinLnBrk="0" hangingPunct="0">
+              <a:lnSpc>
+                <a:spcPct val="100000"/>
+              </a:lnSpc>
+              <a:spcBef>
+                <a:spcPct val="0"/>
+              </a:spcBef>
+              <a:spcAft>
+                <a:spcPct val="0"/>
+              </a:spcAft>
+              <a:buClrTx/>
+              <a:buSzTx/>
+              <a:buFontTx/>
+              <a:buNone/>
+              <a:tabLst/>
+            </a:pPr>
+            <a:endParaRPr kumimoji="0" lang="zh-TW" altLang="en-US" sz="2400" b="0" i="0" u="none" strike="noStrike" cap="none" normalizeH="0" baseline="0">
+              <a:ln>
+                <a:noFill/>
+              </a:ln>
+              <a:solidFill>
+                <a:schemeClr val="tx1"/>
+              </a:solidFill>
+              <a:effectLst/>
+              <a:latin typeface="Arial" charset="0"/>
+            </a:endParaRPr>
+          </a:p>
+        </p:txBody>
+      </p:sp>
+      <p:sp>
+        <p:nvSpPr>
+          <p:cNvPr id="5" name="矩形 4">
+            <a:extLst>
+              <a:ext uri="{FF2B5EF4-FFF2-40B4-BE49-F238E27FC236}">
+                <a16:creationId xmlns:a16="http://schemas.microsoft.com/office/drawing/2014/main" id="{F0890BA3-2809-0D36-F8FE-9C081BFFB566}"/>
+              </a:ext>
+            </a:extLst>
+          </p:cNvPr>
+          <p:cNvSpPr/>
+          <p:nvPr/>
+        </p:nvSpPr>
+        <p:spPr bwMode="auto">
+          <a:xfrm>
+            <a:off x="5298831" y="1502286"/>
+            <a:ext cx="1206514" cy="468923"/>
+          </a:xfrm>
+          <a:prstGeom prst="rect">
+            <a:avLst/>
+          </a:prstGeom>
+          <a:noFill/>
+          <a:ln w="9525" cap="flat" cmpd="sng" algn="ctr">
+            <a:solidFill>
+              <a:srgbClr val="FF0000"/>
+            </a:solidFill>
+            <a:prstDash val="solid"/>
+            <a:round/>
+            <a:headEnd type="none" w="med" len="med"/>
+            <a:tailEnd type="none" w="med" len="med"/>
+          </a:ln>
+          <a:effectLst/>
+          <a:extLst>
+            <a:ext uri="{AF507438-7753-43e0-B8FC-AC1667EBCBE1}">
+              <a14:hiddenEffects xmlns:a14="http://schemas.microsoft.com/office/drawing/2010/main" xmlns="">
+                <a:effectLst>
+                  <a:outerShdw dist="35921" dir="2700000" algn="ctr" rotWithShape="0">
+                    <a:schemeClr val="bg2"/>
+                  </a:outerShdw>
+                </a:effectLst>
+              </a14:hiddenEffects>
+            </a:ext>
+          </a:extLst>
+        </p:spPr>
+        <p:txBody>
+          <a:bodyPr vert="horz" wrap="square" lIns="91440" tIns="45720" rIns="91440" bIns="45720" numCol="1" rtlCol="0" anchor="t" anchorCtr="0" compatLnSpc="1">
+            <a:prstTxWarp prst="textNoShape">
+              <a:avLst/>
+            </a:prstTxWarp>
+          </a:bodyPr>
+          <a:lstStyle/>
+          <a:p>
+            <a:pPr marL="0" marR="0" indent="0" algn="l" defTabSz="914400" rtl="0" eaLnBrk="0" fontAlgn="base" latinLnBrk="0" hangingPunct="0">
+              <a:lnSpc>
+                <a:spcPct val="100000"/>
+              </a:lnSpc>
+              <a:spcBef>
+                <a:spcPct val="0"/>
+              </a:spcBef>
+              <a:spcAft>
+                <a:spcPct val="0"/>
+              </a:spcAft>
+              <a:buClrTx/>
+              <a:buSzTx/>
+              <a:buFontTx/>
+              <a:buNone/>
+              <a:tabLst/>
+            </a:pPr>
+            <a:endParaRPr kumimoji="0" lang="zh-TW" altLang="en-US" sz="2400" b="0" i="0" u="none" strike="noStrike" cap="none" normalizeH="0" baseline="0">
+              <a:ln>
+                <a:noFill/>
+              </a:ln>
+              <a:solidFill>
+                <a:schemeClr val="tx1"/>
+              </a:solidFill>
+              <a:effectLst/>
+              <a:latin typeface="Arial" charset="0"/>
+            </a:endParaRPr>
+          </a:p>
+        </p:txBody>
+      </p:sp>
+      <p:sp>
+        <p:nvSpPr>
+          <p:cNvPr id="6" name="矩形 5">
+            <a:extLst>
+              <a:ext uri="{FF2B5EF4-FFF2-40B4-BE49-F238E27FC236}">
+                <a16:creationId xmlns:a16="http://schemas.microsoft.com/office/drawing/2014/main" id="{42993D39-86E9-4AB0-8CA2-2FEE0A044A2F}"/>
+              </a:ext>
+            </a:extLst>
+          </p:cNvPr>
+          <p:cNvSpPr/>
+          <p:nvPr/>
+        </p:nvSpPr>
+        <p:spPr bwMode="auto">
+          <a:xfrm>
+            <a:off x="4514347" y="1431948"/>
+            <a:ext cx="737591" cy="609600"/>
+          </a:xfrm>
+          <a:prstGeom prst="rect">
+            <a:avLst/>
+          </a:prstGeom>
+          <a:noFill/>
+          <a:ln w="9525" cap="flat" cmpd="sng" algn="ctr">
+            <a:solidFill>
+              <a:srgbClr val="FF0000"/>
+            </a:solidFill>
+            <a:prstDash val="solid"/>
+            <a:round/>
+            <a:headEnd type="none" w="med" len="med"/>
+            <a:tailEnd type="none" w="med" len="med"/>
+          </a:ln>
+          <a:effectLst/>
+          <a:extLst>
+            <a:ext uri="{AF507438-7753-43e0-B8FC-AC1667EBCBE1}">
+              <a14:hiddenEffects xmlns:a14="http://schemas.microsoft.com/office/drawing/2010/main" xmlns="">
+                <a:effectLst>
+                  <a:outerShdw dist="35921" dir="2700000" algn="ctr" rotWithShape="0">
+                    <a:schemeClr val="bg2"/>
+                  </a:outerShdw>
+                </a:effectLst>
+              </a14:hiddenEffects>
+            </a:ext>
+          </a:extLst>
+        </p:spPr>
+        <p:txBody>
+          <a:bodyPr vert="horz" wrap="square" lIns="91440" tIns="45720" rIns="91440" bIns="45720" numCol="1" rtlCol="0" anchor="t" anchorCtr="0" compatLnSpc="1">
+            <a:prstTxWarp prst="textNoShape">
+              <a:avLst/>
+            </a:prstTxWarp>
+          </a:bodyPr>
+          <a:lstStyle/>
+          <a:p>
+            <a:pPr marL="0" marR="0" indent="0" algn="l" defTabSz="914400" rtl="0" eaLnBrk="0" fontAlgn="base" latinLnBrk="0" hangingPunct="0">
+              <a:lnSpc>
+                <a:spcPct val="100000"/>
+              </a:lnSpc>
+              <a:spcBef>
+                <a:spcPct val="0"/>
+              </a:spcBef>
+              <a:spcAft>
+                <a:spcPct val="0"/>
+              </a:spcAft>
+              <a:buClrTx/>
+              <a:buSzTx/>
+              <a:buFontTx/>
+              <a:buNone/>
+              <a:tabLst/>
+            </a:pPr>
+            <a:endParaRPr kumimoji="0" lang="zh-TW" altLang="en-US" sz="2400" b="0" i="0" u="none" strike="noStrike" cap="none" normalizeH="0" baseline="0">
+              <a:ln>
+                <a:noFill/>
+              </a:ln>
+              <a:solidFill>
+                <a:schemeClr val="tx1"/>
+              </a:solidFill>
+              <a:effectLst/>
+              <a:latin typeface="Arial" charset="0"/>
+            </a:endParaRPr>
+          </a:p>
+        </p:txBody>
+      </p:sp>
+      <p:sp>
+        <p:nvSpPr>
+          <p:cNvPr id="8" name="矩形 7">
+            <a:extLst>
+              <a:ext uri="{FF2B5EF4-FFF2-40B4-BE49-F238E27FC236}">
+                <a16:creationId xmlns:a16="http://schemas.microsoft.com/office/drawing/2014/main" id="{583E6349-D019-126E-10DA-A6388174240F}"/>
+              </a:ext>
+            </a:extLst>
+          </p:cNvPr>
+          <p:cNvSpPr/>
+          <p:nvPr/>
+        </p:nvSpPr>
+        <p:spPr bwMode="auto">
+          <a:xfrm>
+            <a:off x="4701916" y="5835693"/>
+            <a:ext cx="737591" cy="609600"/>
+          </a:xfrm>
+          <a:prstGeom prst="rect">
+            <a:avLst/>
+          </a:prstGeom>
+          <a:noFill/>
+          <a:ln w="9525" cap="flat" cmpd="sng" algn="ctr">
+            <a:solidFill>
+              <a:srgbClr val="FF0000"/>
+            </a:solidFill>
+            <a:prstDash val="solid"/>
+            <a:round/>
+            <a:headEnd type="none" w="med" len="med"/>
+            <a:tailEnd type="none" w="med" len="med"/>
+          </a:ln>
+          <a:effectLst/>
+          <a:extLst>
+            <a:ext uri="{AF507438-7753-43e0-B8FC-AC1667EBCBE1}">
+              <a14:hiddenEffects xmlns:a14="http://schemas.microsoft.com/office/drawing/2010/main" xmlns="">
+                <a:effectLst>
+                  <a:outerShdw dist="35921" dir="2700000" algn="ctr" rotWithShape="0">
+                    <a:schemeClr val="bg2"/>
+                  </a:outerShdw>
+                </a:effectLst>
+              </a14:hiddenEffects>
+            </a:ext>
+          </a:extLst>
+        </p:spPr>
+        <p:txBody>
+          <a:bodyPr vert="horz" wrap="square" lIns="91440" tIns="45720" rIns="91440" bIns="45720" numCol="1" rtlCol="0" anchor="t" anchorCtr="0" compatLnSpc="1">
+            <a:prstTxWarp prst="textNoShape">
+              <a:avLst/>
+            </a:prstTxWarp>
+          </a:bodyPr>
+          <a:lstStyle/>
+          <a:p>
+            <a:pPr marL="0" marR="0" indent="0" algn="l" defTabSz="914400" rtl="0" eaLnBrk="0" fontAlgn="base" latinLnBrk="0" hangingPunct="0">
+              <a:lnSpc>
+                <a:spcPct val="100000"/>
+              </a:lnSpc>
+              <a:spcBef>
+                <a:spcPct val="0"/>
+              </a:spcBef>
+              <a:spcAft>
+                <a:spcPct val="0"/>
+              </a:spcAft>
+              <a:buClrTx/>
+              <a:buSzTx/>
+              <a:buFontTx/>
+              <a:buNone/>
+              <a:tabLst/>
+            </a:pPr>
+            <a:endParaRPr kumimoji="0" lang="zh-TW" altLang="en-US" sz="2400" b="0" i="0" u="none" strike="noStrike" cap="none" normalizeH="0" baseline="0">
+              <a:ln>
+                <a:noFill/>
+              </a:ln>
+              <a:solidFill>
+                <a:schemeClr val="tx1"/>
+              </a:solidFill>
+              <a:effectLst/>
+              <a:latin typeface="Arial" charset="0"/>
+            </a:endParaRPr>
+          </a:p>
+        </p:txBody>
+      </p:sp>
+      <p:sp>
+        <p:nvSpPr>
+          <p:cNvPr id="9" name="矩形 8">
+            <a:extLst>
+              <a:ext uri="{FF2B5EF4-FFF2-40B4-BE49-F238E27FC236}">
+                <a16:creationId xmlns:a16="http://schemas.microsoft.com/office/drawing/2014/main" id="{2E03F3A5-3D69-4725-E575-7230C9FB7B03}"/>
+              </a:ext>
+            </a:extLst>
+          </p:cNvPr>
+          <p:cNvSpPr/>
+          <p:nvPr/>
+        </p:nvSpPr>
+        <p:spPr bwMode="auto">
+          <a:xfrm>
+            <a:off x="4221043" y="3610707"/>
+            <a:ext cx="6270883" cy="1093707"/>
+          </a:xfrm>
+          <a:prstGeom prst="rect">
+            <a:avLst/>
+          </a:prstGeom>
+          <a:noFill/>
+          <a:ln w="9525" cap="flat" cmpd="sng" algn="ctr">
+            <a:solidFill>
+              <a:srgbClr val="FF0000"/>
+            </a:solidFill>
+            <a:prstDash val="solid"/>
+            <a:round/>
+            <a:headEnd type="none" w="med" len="med"/>
+            <a:tailEnd type="none" w="med" len="med"/>
+          </a:ln>
+          <a:effectLst/>
+          <a:extLst>
+            <a:ext uri="{AF507438-7753-43e0-B8FC-AC1667EBCBE1}">
+              <a14:hiddenEffects xmlns:a14="http://schemas.microsoft.com/office/drawing/2010/main" xmlns="">
+                <a:effectLst>
+                  <a:outerShdw dist="35921" dir="2700000" algn="ctr" rotWithShape="0">
+                    <a:schemeClr val="bg2"/>
+                  </a:outerShdw>
+                </a:effectLst>
+              </a14:hiddenEffects>
+            </a:ext>
+          </a:extLst>
+        </p:spPr>
+        <p:txBody>
+          <a:bodyPr vert="horz" wrap="square" lIns="91440" tIns="45720" rIns="91440" bIns="45720" numCol="1" rtlCol="0" anchor="t" anchorCtr="0" compatLnSpc="1">
+            <a:prstTxWarp prst="textNoShape">
+              <a:avLst/>
+            </a:prstTxWarp>
+          </a:bodyPr>
+          <a:lstStyle/>
+          <a:p>
+            <a:pPr marL="0" marR="0" indent="0" algn="l" defTabSz="914400" rtl="0" eaLnBrk="0" fontAlgn="base" latinLnBrk="0" hangingPunct="0">
+              <a:lnSpc>
+                <a:spcPct val="100000"/>
+              </a:lnSpc>
+              <a:spcBef>
+                <a:spcPct val="0"/>
+              </a:spcBef>
+              <a:spcAft>
+                <a:spcPct val="0"/>
+              </a:spcAft>
+              <a:buClrTx/>
+              <a:buSzTx/>
+              <a:buFontTx/>
+              <a:buNone/>
+              <a:tabLst/>
+            </a:pPr>
+            <a:endParaRPr kumimoji="0" lang="zh-TW" altLang="en-US" sz="2400" b="0" i="0" u="none" strike="noStrike" cap="none" normalizeH="0" baseline="0">
+              <a:ln>
+                <a:noFill/>
+              </a:ln>
+              <a:solidFill>
+                <a:schemeClr val="tx1"/>
+              </a:solidFill>
+              <a:effectLst/>
+              <a:latin typeface="Arial" charset="0"/>
+            </a:endParaRPr>
+          </a:p>
+        </p:txBody>
+      </p:sp>
     </p:spTree>
     <p:extLst>
       <p:ext uri="{BB962C8B-B14F-4D97-AF65-F5344CB8AC3E}">
@@ -25608,6 +28576,246 @@
           </a:prstGeom>
         </p:spPr>
       </p:pic>
+      <p:sp>
+        <p:nvSpPr>
+          <p:cNvPr id="2" name="矩形 1">
+            <a:extLst>
+              <a:ext uri="{FF2B5EF4-FFF2-40B4-BE49-F238E27FC236}">
+                <a16:creationId xmlns:a16="http://schemas.microsoft.com/office/drawing/2014/main" id="{71329D0C-531A-596C-847F-4AE4CA72BA7B}"/>
+              </a:ext>
+            </a:extLst>
+          </p:cNvPr>
+          <p:cNvSpPr/>
+          <p:nvPr/>
+        </p:nvSpPr>
+        <p:spPr bwMode="auto">
+          <a:xfrm>
+            <a:off x="4978881" y="715107"/>
+            <a:ext cx="2899027" cy="1324707"/>
+          </a:xfrm>
+          <a:prstGeom prst="rect">
+            <a:avLst/>
+          </a:prstGeom>
+          <a:noFill/>
+          <a:ln w="9525" cap="flat" cmpd="sng" algn="ctr">
+            <a:solidFill>
+              <a:srgbClr val="FF0000"/>
+            </a:solidFill>
+            <a:prstDash val="solid"/>
+            <a:round/>
+            <a:headEnd type="none" w="med" len="med"/>
+            <a:tailEnd type="none" w="med" len="med"/>
+          </a:ln>
+          <a:effectLst/>
+          <a:extLst>
+            <a:ext uri="{AF507438-7753-43e0-B8FC-AC1667EBCBE1}">
+              <a14:hiddenEffects xmlns:a14="http://schemas.microsoft.com/office/drawing/2010/main" xmlns="">
+                <a:effectLst>
+                  <a:outerShdw dist="35921" dir="2700000" algn="ctr" rotWithShape="0">
+                    <a:schemeClr val="bg2"/>
+                  </a:outerShdw>
+                </a:effectLst>
+              </a14:hiddenEffects>
+            </a:ext>
+          </a:extLst>
+        </p:spPr>
+        <p:txBody>
+          <a:bodyPr vert="horz" wrap="square" lIns="91440" tIns="45720" rIns="91440" bIns="45720" numCol="1" rtlCol="0" anchor="t" anchorCtr="0" compatLnSpc="1">
+            <a:prstTxWarp prst="textNoShape">
+              <a:avLst/>
+            </a:prstTxWarp>
+          </a:bodyPr>
+          <a:lstStyle/>
+          <a:p>
+            <a:pPr marL="0" marR="0" indent="0" algn="l" defTabSz="914400" rtl="0" eaLnBrk="0" fontAlgn="base" latinLnBrk="0" hangingPunct="0">
+              <a:lnSpc>
+                <a:spcPct val="100000"/>
+              </a:lnSpc>
+              <a:spcBef>
+                <a:spcPct val="0"/>
+              </a:spcBef>
+              <a:spcAft>
+                <a:spcPct val="0"/>
+              </a:spcAft>
+              <a:buClrTx/>
+              <a:buSzTx/>
+              <a:buFontTx/>
+              <a:buNone/>
+              <a:tabLst/>
+            </a:pPr>
+            <a:endParaRPr kumimoji="0" lang="zh-TW" altLang="en-US" sz="2400" b="0" i="0" u="none" strike="noStrike" cap="none" normalizeH="0" baseline="0">
+              <a:ln>
+                <a:noFill/>
+              </a:ln>
+              <a:solidFill>
+                <a:schemeClr val="tx1"/>
+              </a:solidFill>
+              <a:effectLst/>
+              <a:latin typeface="Arial" charset="0"/>
+            </a:endParaRPr>
+          </a:p>
+        </p:txBody>
+      </p:sp>
+      <p:sp>
+        <p:nvSpPr>
+          <p:cNvPr id="6" name="矩形 5">
+            <a:extLst>
+              <a:ext uri="{FF2B5EF4-FFF2-40B4-BE49-F238E27FC236}">
+                <a16:creationId xmlns:a16="http://schemas.microsoft.com/office/drawing/2014/main" id="{DA6ACAB5-81CE-4623-0CF3-52D7363D1491}"/>
+              </a:ext>
+            </a:extLst>
+          </p:cNvPr>
+          <p:cNvSpPr/>
+          <p:nvPr/>
+        </p:nvSpPr>
+        <p:spPr bwMode="auto">
+          <a:xfrm>
+            <a:off x="5892800" y="2127736"/>
+            <a:ext cx="730738" cy="849926"/>
+          </a:xfrm>
+          <a:prstGeom prst="rect">
+            <a:avLst/>
+          </a:prstGeom>
+          <a:noFill/>
+          <a:ln w="9525" cap="flat" cmpd="sng" algn="ctr">
+            <a:solidFill>
+              <a:srgbClr val="FF0000"/>
+            </a:solidFill>
+            <a:prstDash val="solid"/>
+            <a:round/>
+            <a:headEnd type="none" w="med" len="med"/>
+            <a:tailEnd type="none" w="med" len="med"/>
+          </a:ln>
+          <a:effectLst/>
+          <a:extLst>
+            <a:ext uri="{AF507438-7753-43e0-B8FC-AC1667EBCBE1}">
+              <a14:hiddenEffects xmlns:a14="http://schemas.microsoft.com/office/drawing/2010/main" xmlns="">
+                <a:effectLst>
+                  <a:outerShdw dist="35921" dir="2700000" algn="ctr" rotWithShape="0">
+                    <a:schemeClr val="bg2"/>
+                  </a:outerShdw>
+                </a:effectLst>
+              </a14:hiddenEffects>
+            </a:ext>
+          </a:extLst>
+        </p:spPr>
+        <p:txBody>
+          <a:bodyPr vert="horz" wrap="square" lIns="91440" tIns="45720" rIns="91440" bIns="45720" numCol="1" rtlCol="0" anchor="t" anchorCtr="0" compatLnSpc="1">
+            <a:prstTxWarp prst="textNoShape">
+              <a:avLst/>
+            </a:prstTxWarp>
+          </a:bodyPr>
+          <a:lstStyle/>
+          <a:p>
+            <a:pPr marL="0" marR="0" indent="0" algn="l" defTabSz="914400" rtl="0" eaLnBrk="0" fontAlgn="base" latinLnBrk="0" hangingPunct="0">
+              <a:lnSpc>
+                <a:spcPct val="100000"/>
+              </a:lnSpc>
+              <a:spcBef>
+                <a:spcPct val="0"/>
+              </a:spcBef>
+              <a:spcAft>
+                <a:spcPct val="0"/>
+              </a:spcAft>
+              <a:buClrTx/>
+              <a:buSzTx/>
+              <a:buFontTx/>
+              <a:buNone/>
+              <a:tabLst/>
+            </a:pPr>
+            <a:endParaRPr kumimoji="0" lang="zh-TW" altLang="en-US" sz="2400" b="0" i="0" u="none" strike="noStrike" cap="none" normalizeH="0" baseline="0">
+              <a:ln>
+                <a:noFill/>
+              </a:ln>
+              <a:solidFill>
+                <a:schemeClr val="tx1"/>
+              </a:solidFill>
+              <a:effectLst/>
+              <a:latin typeface="Arial" charset="0"/>
+            </a:endParaRPr>
+          </a:p>
+        </p:txBody>
+      </p:sp>
+      <p:sp>
+        <p:nvSpPr>
+          <p:cNvPr id="7" name="矩形 6">
+            <a:extLst>
+              <a:ext uri="{FF2B5EF4-FFF2-40B4-BE49-F238E27FC236}">
+                <a16:creationId xmlns:a16="http://schemas.microsoft.com/office/drawing/2014/main" id="{DB09C998-E2BA-4877-FC67-93FE85EB1C40}"/>
+              </a:ext>
+            </a:extLst>
+          </p:cNvPr>
+          <p:cNvSpPr/>
+          <p:nvPr/>
+        </p:nvSpPr>
+        <p:spPr bwMode="auto">
+          <a:xfrm>
+            <a:off x="5892800" y="3238017"/>
+            <a:ext cx="730738" cy="849926"/>
+          </a:xfrm>
+          <a:prstGeom prst="rect">
+            <a:avLst/>
+          </a:prstGeom>
+          <a:noFill/>
+          <a:ln w="9525" cap="flat" cmpd="sng" algn="ctr">
+            <a:solidFill>
+              <a:srgbClr val="FF0000"/>
+            </a:solidFill>
+            <a:prstDash val="solid"/>
+            <a:round/>
+            <a:headEnd type="none" w="med" len="med"/>
+            <a:tailEnd type="none" w="med" len="med"/>
+          </a:ln>
+          <a:effectLst/>
+          <a:extLst>
+            <a:ext uri="{AF507438-7753-43e0-B8FC-AC1667EBCBE1}">
+              <a14:hiddenEffects xmlns:a14="http://schemas.microsoft.com/office/drawing/2010/main" xmlns="">
+                <a:effectLst>
+                  <a:outerShdw dist="35921" dir="2700000" algn="ctr" rotWithShape="0">
+                    <a:schemeClr val="bg2"/>
+                  </a:outerShdw>
+                </a:effectLst>
+              </a14:hiddenEffects>
+            </a:ext>
+          </a:extLst>
+        </p:spPr>
+        <p:txBody>
+          <a:bodyPr vert="horz" wrap="square" lIns="91440" tIns="45720" rIns="91440" bIns="45720" numCol="1" rtlCol="0" anchor="t" anchorCtr="0" compatLnSpc="1">
+            <a:prstTxWarp prst="textNoShape">
+              <a:avLst/>
+            </a:prstTxWarp>
+          </a:bodyPr>
+          <a:lstStyle/>
+          <a:p>
+            <a:pPr marL="0" marR="0" indent="0" algn="l" defTabSz="914400" rtl="0" eaLnBrk="0" fontAlgn="base" latinLnBrk="0" hangingPunct="0">
+              <a:lnSpc>
+                <a:spcPct val="100000"/>
+              </a:lnSpc>
+              <a:spcBef>
+                <a:spcPct val="0"/>
+              </a:spcBef>
+              <a:spcAft>
+                <a:spcPct val="0"/>
+              </a:spcAft>
+              <a:buClrTx/>
+              <a:buSzTx/>
+              <a:buFontTx/>
+              <a:buNone/>
+              <a:tabLst/>
+            </a:pPr>
+            <a:endParaRPr kumimoji="0" lang="zh-TW" altLang="en-US" sz="2400" b="0" i="0" u="none" strike="noStrike" cap="none" normalizeH="0" baseline="0">
+              <a:ln>
+                <a:noFill/>
+              </a:ln>
+              <a:solidFill>
+                <a:schemeClr val="tx1"/>
+              </a:solidFill>
+              <a:effectLst/>
+              <a:latin typeface="Arial" charset="0"/>
+            </a:endParaRPr>
+          </a:p>
+        </p:txBody>
+      </p:sp>
     </p:spTree>
     <p:extLst>
       <p:ext uri="{BB962C8B-B14F-4D97-AF65-F5344CB8AC3E}">
@@ -25708,6 +28916,326 @@
           </a:prstGeom>
         </p:spPr>
       </p:pic>
+      <p:sp>
+        <p:nvSpPr>
+          <p:cNvPr id="2" name="矩形 1">
+            <a:extLst>
+              <a:ext uri="{FF2B5EF4-FFF2-40B4-BE49-F238E27FC236}">
+                <a16:creationId xmlns:a16="http://schemas.microsoft.com/office/drawing/2014/main" id="{FCAA7ADE-602F-79AB-D36C-651734AECA09}"/>
+              </a:ext>
+            </a:extLst>
+          </p:cNvPr>
+          <p:cNvSpPr/>
+          <p:nvPr/>
+        </p:nvSpPr>
+        <p:spPr bwMode="auto">
+          <a:xfrm>
+            <a:off x="5037016" y="1529860"/>
+            <a:ext cx="730738" cy="849926"/>
+          </a:xfrm>
+          <a:prstGeom prst="rect">
+            <a:avLst/>
+          </a:prstGeom>
+          <a:noFill/>
+          <a:ln w="9525" cap="flat" cmpd="sng" algn="ctr">
+            <a:solidFill>
+              <a:srgbClr val="FF0000"/>
+            </a:solidFill>
+            <a:prstDash val="solid"/>
+            <a:round/>
+            <a:headEnd type="none" w="med" len="med"/>
+            <a:tailEnd type="none" w="med" len="med"/>
+          </a:ln>
+          <a:effectLst/>
+          <a:extLst>
+            <a:ext uri="{AF507438-7753-43e0-B8FC-AC1667EBCBE1}">
+              <a14:hiddenEffects xmlns:a14="http://schemas.microsoft.com/office/drawing/2010/main" xmlns="">
+                <a:effectLst>
+                  <a:outerShdw dist="35921" dir="2700000" algn="ctr" rotWithShape="0">
+                    <a:schemeClr val="bg2"/>
+                  </a:outerShdw>
+                </a:effectLst>
+              </a14:hiddenEffects>
+            </a:ext>
+          </a:extLst>
+        </p:spPr>
+        <p:txBody>
+          <a:bodyPr vert="horz" wrap="square" lIns="91440" tIns="45720" rIns="91440" bIns="45720" numCol="1" rtlCol="0" anchor="t" anchorCtr="0" compatLnSpc="1">
+            <a:prstTxWarp prst="textNoShape">
+              <a:avLst/>
+            </a:prstTxWarp>
+          </a:bodyPr>
+          <a:lstStyle/>
+          <a:p>
+            <a:pPr marL="0" marR="0" indent="0" algn="l" defTabSz="914400" rtl="0" eaLnBrk="0" fontAlgn="base" latinLnBrk="0" hangingPunct="0">
+              <a:lnSpc>
+                <a:spcPct val="100000"/>
+              </a:lnSpc>
+              <a:spcBef>
+                <a:spcPct val="0"/>
+              </a:spcBef>
+              <a:spcAft>
+                <a:spcPct val="0"/>
+              </a:spcAft>
+              <a:buClrTx/>
+              <a:buSzTx/>
+              <a:buFontTx/>
+              <a:buNone/>
+              <a:tabLst/>
+            </a:pPr>
+            <a:endParaRPr kumimoji="0" lang="zh-TW" altLang="en-US" sz="2400" b="0" i="0" u="none" strike="noStrike" cap="none" normalizeH="0" baseline="0">
+              <a:ln>
+                <a:noFill/>
+              </a:ln>
+              <a:solidFill>
+                <a:schemeClr val="tx1"/>
+              </a:solidFill>
+              <a:effectLst/>
+              <a:latin typeface="Arial" charset="0"/>
+            </a:endParaRPr>
+          </a:p>
+        </p:txBody>
+      </p:sp>
+      <p:sp>
+        <p:nvSpPr>
+          <p:cNvPr id="6" name="矩形 5">
+            <a:extLst>
+              <a:ext uri="{FF2B5EF4-FFF2-40B4-BE49-F238E27FC236}">
+                <a16:creationId xmlns:a16="http://schemas.microsoft.com/office/drawing/2014/main" id="{12AC7D25-B50E-94E0-465A-85C988C67DC4}"/>
+              </a:ext>
+            </a:extLst>
+          </p:cNvPr>
+          <p:cNvSpPr/>
+          <p:nvPr/>
+        </p:nvSpPr>
+        <p:spPr bwMode="auto">
+          <a:xfrm>
+            <a:off x="5162062" y="2579074"/>
+            <a:ext cx="730738" cy="849926"/>
+          </a:xfrm>
+          <a:prstGeom prst="rect">
+            <a:avLst/>
+          </a:prstGeom>
+          <a:noFill/>
+          <a:ln w="9525" cap="flat" cmpd="sng" algn="ctr">
+            <a:solidFill>
+              <a:srgbClr val="FF0000"/>
+            </a:solidFill>
+            <a:prstDash val="solid"/>
+            <a:round/>
+            <a:headEnd type="none" w="med" len="med"/>
+            <a:tailEnd type="none" w="med" len="med"/>
+          </a:ln>
+          <a:effectLst/>
+          <a:extLst>
+            <a:ext uri="{AF507438-7753-43e0-B8FC-AC1667EBCBE1}">
+              <a14:hiddenEffects xmlns:a14="http://schemas.microsoft.com/office/drawing/2010/main" xmlns="">
+                <a:effectLst>
+                  <a:outerShdw dist="35921" dir="2700000" algn="ctr" rotWithShape="0">
+                    <a:schemeClr val="bg2"/>
+                  </a:outerShdw>
+                </a:effectLst>
+              </a14:hiddenEffects>
+            </a:ext>
+          </a:extLst>
+        </p:spPr>
+        <p:txBody>
+          <a:bodyPr vert="horz" wrap="square" lIns="91440" tIns="45720" rIns="91440" bIns="45720" numCol="1" rtlCol="0" anchor="t" anchorCtr="0" compatLnSpc="1">
+            <a:prstTxWarp prst="textNoShape">
+              <a:avLst/>
+            </a:prstTxWarp>
+          </a:bodyPr>
+          <a:lstStyle/>
+          <a:p>
+            <a:pPr marL="0" marR="0" indent="0" algn="l" defTabSz="914400" rtl="0" eaLnBrk="0" fontAlgn="base" latinLnBrk="0" hangingPunct="0">
+              <a:lnSpc>
+                <a:spcPct val="100000"/>
+              </a:lnSpc>
+              <a:spcBef>
+                <a:spcPct val="0"/>
+              </a:spcBef>
+              <a:spcAft>
+                <a:spcPct val="0"/>
+              </a:spcAft>
+              <a:buClrTx/>
+              <a:buSzTx/>
+              <a:buFontTx/>
+              <a:buNone/>
+              <a:tabLst/>
+            </a:pPr>
+            <a:endParaRPr kumimoji="0" lang="zh-TW" altLang="en-US" sz="2400" b="0" i="0" u="none" strike="noStrike" cap="none" normalizeH="0" baseline="0">
+              <a:ln>
+                <a:noFill/>
+              </a:ln>
+              <a:solidFill>
+                <a:schemeClr val="tx1"/>
+              </a:solidFill>
+              <a:effectLst/>
+              <a:latin typeface="Arial" charset="0"/>
+            </a:endParaRPr>
+          </a:p>
+        </p:txBody>
+      </p:sp>
+      <p:sp>
+        <p:nvSpPr>
+          <p:cNvPr id="7" name="矩形 6">
+            <a:extLst>
+              <a:ext uri="{FF2B5EF4-FFF2-40B4-BE49-F238E27FC236}">
+                <a16:creationId xmlns:a16="http://schemas.microsoft.com/office/drawing/2014/main" id="{B95A2278-BA8C-67F3-8E93-C4E0A256F9E3}"/>
+              </a:ext>
+            </a:extLst>
+          </p:cNvPr>
+          <p:cNvSpPr/>
+          <p:nvPr/>
+        </p:nvSpPr>
+        <p:spPr bwMode="auto">
+          <a:xfrm>
+            <a:off x="5365262" y="3429000"/>
+            <a:ext cx="4083538" cy="1008186"/>
+          </a:xfrm>
+          <a:prstGeom prst="rect">
+            <a:avLst/>
+          </a:prstGeom>
+          <a:noFill/>
+          <a:ln w="9525" cap="flat" cmpd="sng" algn="ctr">
+            <a:solidFill>
+              <a:srgbClr val="FF0000"/>
+            </a:solidFill>
+            <a:prstDash val="solid"/>
+            <a:round/>
+            <a:headEnd type="none" w="med" len="med"/>
+            <a:tailEnd type="none" w="med" len="med"/>
+          </a:ln>
+          <a:effectLst/>
+          <a:extLst>
+            <a:ext uri="{AF507438-7753-43e0-B8FC-AC1667EBCBE1}">
+              <a14:hiddenEffects xmlns:a14="http://schemas.microsoft.com/office/drawing/2010/main" xmlns="">
+                <a:effectLst>
+                  <a:outerShdw dist="35921" dir="2700000" algn="ctr" rotWithShape="0">
+                    <a:schemeClr val="bg2"/>
+                  </a:outerShdw>
+                </a:effectLst>
+              </a14:hiddenEffects>
+            </a:ext>
+          </a:extLst>
+        </p:spPr>
+        <p:txBody>
+          <a:bodyPr vert="horz" wrap="square" lIns="91440" tIns="45720" rIns="91440" bIns="45720" numCol="1" rtlCol="0" anchor="t" anchorCtr="0" compatLnSpc="1">
+            <a:prstTxWarp prst="textNoShape">
+              <a:avLst/>
+            </a:prstTxWarp>
+          </a:bodyPr>
+          <a:lstStyle/>
+          <a:p>
+            <a:pPr marL="0" marR="0" indent="0" algn="l" defTabSz="914400" rtl="0" eaLnBrk="0" fontAlgn="base" latinLnBrk="0" hangingPunct="0">
+              <a:lnSpc>
+                <a:spcPct val="100000"/>
+              </a:lnSpc>
+              <a:spcBef>
+                <a:spcPct val="0"/>
+              </a:spcBef>
+              <a:spcAft>
+                <a:spcPct val="0"/>
+              </a:spcAft>
+              <a:buClrTx/>
+              <a:buSzTx/>
+              <a:buFontTx/>
+              <a:buNone/>
+              <a:tabLst/>
+            </a:pPr>
+            <a:endParaRPr kumimoji="0" lang="zh-TW" altLang="en-US" sz="2400" b="0" i="0" u="none" strike="noStrike" cap="none" normalizeH="0" baseline="0">
+              <a:ln>
+                <a:noFill/>
+              </a:ln>
+              <a:solidFill>
+                <a:schemeClr val="tx1"/>
+              </a:solidFill>
+              <a:effectLst/>
+              <a:latin typeface="Arial" charset="0"/>
+            </a:endParaRPr>
+          </a:p>
+        </p:txBody>
+      </p:sp>
+      <p:sp>
+        <p:nvSpPr>
+          <p:cNvPr id="8" name="矩形 7">
+            <a:extLst>
+              <a:ext uri="{FF2B5EF4-FFF2-40B4-BE49-F238E27FC236}">
+                <a16:creationId xmlns:a16="http://schemas.microsoft.com/office/drawing/2014/main" id="{A22A885B-944C-A497-848D-D8393973D864}"/>
+              </a:ext>
+            </a:extLst>
+          </p:cNvPr>
+          <p:cNvSpPr/>
+          <p:nvPr/>
+        </p:nvSpPr>
+        <p:spPr bwMode="auto">
+          <a:xfrm>
+            <a:off x="5974866" y="2368061"/>
+            <a:ext cx="324336" cy="398588"/>
+          </a:xfrm>
+          <a:prstGeom prst="rect">
+            <a:avLst/>
+          </a:prstGeom>
+          <a:noFill/>
+          <a:ln w="9525" cap="flat" cmpd="sng" algn="ctr">
+            <a:solidFill>
+              <a:srgbClr val="FF0000"/>
+            </a:solidFill>
+            <a:prstDash val="solid"/>
+            <a:round/>
+            <a:headEnd type="none" w="med" len="med"/>
+            <a:tailEnd type="none" w="med" len="med"/>
+          </a:ln>
+          <a:effectLst/>
+          <a:extLst>
+            <a:ext uri="{AF507438-7753-43e0-B8FC-AC1667EBCBE1}">
+              <a14:hiddenEffects xmlns:a14="http://schemas.microsoft.com/office/drawing/2010/main" xmlns="">
+                <a:effectLst>
+                  <a:outerShdw dist="35921" dir="2700000" algn="ctr" rotWithShape="0">
+                    <a:schemeClr val="bg2"/>
+                  </a:outerShdw>
+                </a:effectLst>
+              </a14:hiddenEffects>
+            </a:ext>
+          </a:extLst>
+        </p:spPr>
+        <p:txBody>
+          <a:bodyPr vert="horz" wrap="square" lIns="91440" tIns="45720" rIns="91440" bIns="45720" numCol="1" rtlCol="0" anchor="t" anchorCtr="0" compatLnSpc="1">
+            <a:prstTxWarp prst="textNoShape">
+              <a:avLst/>
+            </a:prstTxWarp>
+          </a:bodyPr>
+          <a:lstStyle/>
+          <a:p>
+            <a:pPr marL="0" marR="0" indent="0" algn="l" defTabSz="914400" rtl="0" eaLnBrk="0" fontAlgn="base" latinLnBrk="0" hangingPunct="0">
+              <a:lnSpc>
+                <a:spcPct val="100000"/>
+              </a:lnSpc>
+              <a:spcBef>
+                <a:spcPct val="0"/>
+              </a:spcBef>
+              <a:spcAft>
+                <a:spcPct val="0"/>
+              </a:spcAft>
+              <a:buClrTx/>
+              <a:buSzTx/>
+              <a:buFontTx/>
+              <a:buNone/>
+              <a:tabLst/>
+            </a:pPr>
+            <a:endParaRPr kumimoji="0" lang="zh-TW" altLang="en-US" sz="2400" b="0" i="0" u="none" strike="noStrike" cap="none" normalizeH="0" baseline="0">
+              <a:ln>
+                <a:noFill/>
+              </a:ln>
+              <a:solidFill>
+                <a:schemeClr val="tx1"/>
+              </a:solidFill>
+              <a:effectLst/>
+              <a:latin typeface="Arial" charset="0"/>
+            </a:endParaRPr>
+          </a:p>
+        </p:txBody>
+      </p:sp>
     </p:spTree>
     <p:extLst>
       <p:ext uri="{BB962C8B-B14F-4D97-AF65-F5344CB8AC3E}">
@@ -27485,7 +31013,7 @@
         <a:effectLst/>
         <a:extLst>
           <a:ext uri="{AF507438-7753-43e0-B8FC-AC1667EBCBE1}">
-            <a14:hiddenEffects xmlns:a14="http://schemas.microsoft.com/office/drawing/2010/main" xmlns="">
+            <a14:hiddenEffects xmlns="" xmlns:a14="http://schemas.microsoft.com/office/drawing/2010/main">
               <a:effectLst>
                 <a:outerShdw dist="35921" dir="2700000" algn="ctr" rotWithShape="0">
                   <a:schemeClr val="bg2"/>
@@ -27546,7 +31074,7 @@
         <a:effectLst/>
         <a:extLst>
           <a:ext uri="{AF507438-7753-43e0-B8FC-AC1667EBCBE1}">
-            <a14:hiddenEffects xmlns:a14="http://schemas.microsoft.com/office/drawing/2010/main" xmlns="">
+            <a14:hiddenEffects xmlns="" xmlns:a14="http://schemas.microsoft.com/office/drawing/2010/main">
               <a:effectLst>
                 <a:outerShdw dist="35921" dir="2700000" algn="ctr" rotWithShape="0">
                   <a:schemeClr val="bg2"/>

--- a/MI5014701 科技研究與論文寫作 Technology Research and Thesis Writing/5. Notation-Algorithm.pptx
+++ b/MI5014701 科技研究與論文寫作 Technology Research and Thesis Writing/5. Notation-Algorithm.pptx
@@ -5,10 +5,10 @@
     <p:sldMasterId id="2147484164" r:id="rId1"/>
   </p:sldMasterIdLst>
   <p:notesMasterIdLst>
-    <p:notesMasterId r:id="rId62"/>
+    <p:notesMasterId r:id="rId63"/>
   </p:notesMasterIdLst>
   <p:handoutMasterIdLst>
-    <p:handoutMasterId r:id="rId63"/>
+    <p:handoutMasterId r:id="rId64"/>
   </p:handoutMasterIdLst>
   <p:sldIdLst>
     <p:sldId id="256" r:id="rId2"/>
@@ -69,8 +69,9 @@
     <p:sldId id="374" r:id="rId57"/>
     <p:sldId id="373" r:id="rId58"/>
     <p:sldId id="384" r:id="rId59"/>
-    <p:sldId id="372" r:id="rId60"/>
-    <p:sldId id="376" r:id="rId61"/>
+    <p:sldId id="385" r:id="rId60"/>
+    <p:sldId id="372" r:id="rId61"/>
+    <p:sldId id="376" r:id="rId62"/>
   </p:sldIdLst>
   <p:sldSz cx="12192000" cy="6858000"/>
   <p:notesSz cx="6858000" cy="9144000"/>
@@ -232,6 +233,7 @@
             <p14:sldId id="374"/>
             <p14:sldId id="373"/>
             <p14:sldId id="384"/>
+            <p14:sldId id="385"/>
             <p14:sldId id="372"/>
             <p14:sldId id="376"/>
           </p14:sldIdLst>
@@ -6239,7 +6241,7 @@
             <a:fld id="{518BE4F5-F18B-4D2C-9D11-3E6D941672A9}" type="slidenum">
               <a:rPr lang="zh-TW" altLang="en-US" smtClean="0"/>
               <a:pPr/>
-              <a:t>59</a:t>
+              <a:t>60</a:t>
             </a:fld>
             <a:endParaRPr lang="zh-TW" altLang="en-US"/>
           </a:p>
@@ -6412,7 +6414,7 @@
             <a:fld id="{518BE4F5-F18B-4D2C-9D11-3E6D941672A9}" type="slidenum">
               <a:rPr lang="zh-TW" altLang="en-US" smtClean="0"/>
               <a:pPr/>
-              <a:t>60</a:t>
+              <a:t>61</a:t>
             </a:fld>
             <a:endParaRPr lang="zh-TW" altLang="en-US"/>
           </a:p>
@@ -15783,7 +15785,7 @@
           </a:ln>
           <a:extLst>
             <a:ext uri="{AF507438-7753-43e0-B8FC-AC1667EBCBE1}">
-              <a14:hiddenEffects xmlns="" xmlns:a14="http://schemas.microsoft.com/office/drawing/2010/main">
+              <a14:hiddenEffects xmlns:a14="http://schemas.microsoft.com/office/drawing/2010/main" xmlns="">
                 <a:effectLst>
                   <a:outerShdw dist="35921" dir="2700000" algn="ctr" rotWithShape="0">
                     <a:schemeClr val="bg2"/>
@@ -19564,8 +19566,8 @@
           <a:chExt cx="0" cy="0"/>
         </a:xfrm>
       </p:grpSpPr>
-      <mc:AlternateContent xmlns:mc="http://schemas.openxmlformats.org/markup-compatibility/2006">
-        <mc:Choice xmlns:a14="http://schemas.microsoft.com/office/drawing/2010/main" Requires="a14">
+      <mc:AlternateContent xmlns:mc="http://schemas.openxmlformats.org/markup-compatibility/2006" xmlns:a14="http://schemas.microsoft.com/office/drawing/2010/main">
+        <mc:Choice Requires="a14">
           <p:sp>
             <p:nvSpPr>
               <p:cNvPr id="2" name="內容版面配置區 1"/>
@@ -20138,7 +20140,7 @@
             </p:txBody>
           </p:sp>
         </mc:Choice>
-        <mc:Fallback>
+        <mc:Fallback xmlns="">
           <p:sp>
             <p:nvSpPr>
               <p:cNvPr id="2" name="內容版面配置區 1"/>
@@ -20238,7 +20240,7 @@
           </a:ln>
           <a:extLst>
             <a:ext uri="{AF507438-7753-43e0-B8FC-AC1667EBCBE1}">
-              <a14:hiddenEffects xmlns="" xmlns:a14="http://schemas.microsoft.com/office/drawing/2010/main">
+              <a14:hiddenEffects xmlns:a14="http://schemas.microsoft.com/office/drawing/2010/main" xmlns="">
                 <a:effectLst>
                   <a:outerShdw dist="35921" dir="2700000" algn="ctr" rotWithShape="0">
                     <a:schemeClr val="bg2"/>
@@ -22057,7 +22059,7 @@
           <a:effectLst/>
           <a:extLst>
             <a:ext uri="{AF507438-7753-43e0-B8FC-AC1667EBCBE1}">
-              <a14:hiddenEffects xmlns:a14="http://schemas.microsoft.com/office/drawing/2010/main" xmlns="">
+              <a14:hiddenEffects xmlns="" xmlns:a14="http://schemas.microsoft.com/office/drawing/2010/main">
                 <a:effectLst>
                   <a:outerShdw dist="35921" dir="2700000" algn="ctr" rotWithShape="0">
                     <a:schemeClr val="bg2"/>
@@ -22260,7 +22262,7 @@
           <a:effectLst/>
           <a:extLst>
             <a:ext uri="{AF507438-7753-43e0-B8FC-AC1667EBCBE1}">
-              <a14:hiddenEffects xmlns:a14="http://schemas.microsoft.com/office/drawing/2010/main" xmlns="">
+              <a14:hiddenEffects xmlns="" xmlns:a14="http://schemas.microsoft.com/office/drawing/2010/main">
                 <a:effectLst>
                   <a:outerShdw dist="35921" dir="2700000" algn="ctr" rotWithShape="0">
                     <a:schemeClr val="bg2"/>
@@ -22340,7 +22342,7 @@
           <a:effectLst/>
           <a:extLst>
             <a:ext uri="{AF507438-7753-43e0-B8FC-AC1667EBCBE1}">
-              <a14:hiddenEffects xmlns:a14="http://schemas.microsoft.com/office/drawing/2010/main" xmlns="">
+              <a14:hiddenEffects xmlns="" xmlns:a14="http://schemas.microsoft.com/office/drawing/2010/main">
                 <a:effectLst>
                   <a:outerShdw dist="35921" dir="2700000" algn="ctr" rotWithShape="0">
                     <a:schemeClr val="bg2"/>
@@ -22420,7 +22422,7 @@
           <a:effectLst/>
           <a:extLst>
             <a:ext uri="{AF507438-7753-43e0-B8FC-AC1667EBCBE1}">
-              <a14:hiddenEffects xmlns:a14="http://schemas.microsoft.com/office/drawing/2010/main" xmlns="">
+              <a14:hiddenEffects xmlns="" xmlns:a14="http://schemas.microsoft.com/office/drawing/2010/main">
                 <a:effectLst>
                   <a:outerShdw dist="35921" dir="2700000" algn="ctr" rotWithShape="0">
                     <a:schemeClr val="bg2"/>
@@ -22500,7 +22502,7 @@
           <a:effectLst/>
           <a:extLst>
             <a:ext uri="{AF507438-7753-43e0-B8FC-AC1667EBCBE1}">
-              <a14:hiddenEffects xmlns:a14="http://schemas.microsoft.com/office/drawing/2010/main" xmlns="">
+              <a14:hiddenEffects xmlns="" xmlns:a14="http://schemas.microsoft.com/office/drawing/2010/main">
                 <a:effectLst>
                   <a:outerShdw dist="35921" dir="2700000" algn="ctr" rotWithShape="0">
                     <a:schemeClr val="bg2"/>
@@ -22580,7 +22582,7 @@
           <a:effectLst/>
           <a:extLst>
             <a:ext uri="{AF507438-7753-43e0-B8FC-AC1667EBCBE1}">
-              <a14:hiddenEffects xmlns:a14="http://schemas.microsoft.com/office/drawing/2010/main" xmlns="">
+              <a14:hiddenEffects xmlns="" xmlns:a14="http://schemas.microsoft.com/office/drawing/2010/main">
                 <a:effectLst>
                   <a:outerShdw dist="35921" dir="2700000" algn="ctr" rotWithShape="0">
                     <a:schemeClr val="bg2"/>
@@ -22660,7 +22662,7 @@
           <a:effectLst/>
           <a:extLst>
             <a:ext uri="{AF507438-7753-43e0-B8FC-AC1667EBCBE1}">
-              <a14:hiddenEffects xmlns:a14="http://schemas.microsoft.com/office/drawing/2010/main" xmlns="">
+              <a14:hiddenEffects xmlns="" xmlns:a14="http://schemas.microsoft.com/office/drawing/2010/main">
                 <a:effectLst>
                   <a:outerShdw dist="35921" dir="2700000" algn="ctr" rotWithShape="0">
                     <a:schemeClr val="bg2"/>
@@ -22863,7 +22865,7 @@
           <a:effectLst/>
           <a:extLst>
             <a:ext uri="{AF507438-7753-43e0-B8FC-AC1667EBCBE1}">
-              <a14:hiddenEffects xmlns:a14="http://schemas.microsoft.com/office/drawing/2010/main" xmlns="">
+              <a14:hiddenEffects xmlns="" xmlns:a14="http://schemas.microsoft.com/office/drawing/2010/main">
                 <a:effectLst>
                   <a:outerShdw dist="35921" dir="2700000" algn="ctr" rotWithShape="0">
                     <a:schemeClr val="bg2"/>
@@ -22943,7 +22945,7 @@
           <a:effectLst/>
           <a:extLst>
             <a:ext uri="{AF507438-7753-43e0-B8FC-AC1667EBCBE1}">
-              <a14:hiddenEffects xmlns:a14="http://schemas.microsoft.com/office/drawing/2010/main" xmlns="">
+              <a14:hiddenEffects xmlns="" xmlns:a14="http://schemas.microsoft.com/office/drawing/2010/main">
                 <a:effectLst>
                   <a:outerShdw dist="35921" dir="2700000" algn="ctr" rotWithShape="0">
                     <a:schemeClr val="bg2"/>
@@ -24246,7 +24248,7 @@
           <a:effectLst/>
           <a:extLst>
             <a:ext uri="{AF507438-7753-43e0-B8FC-AC1667EBCBE1}">
-              <a14:hiddenEffects xmlns:a14="http://schemas.microsoft.com/office/drawing/2010/main" xmlns="">
+              <a14:hiddenEffects xmlns="" xmlns:a14="http://schemas.microsoft.com/office/drawing/2010/main">
                 <a:effectLst>
                   <a:outerShdw dist="35921" dir="2700000" algn="ctr" rotWithShape="0">
                     <a:schemeClr val="bg2"/>
@@ -24828,7 +24830,7 @@
           <a:effectLst/>
           <a:extLst>
             <a:ext uri="{AF507438-7753-43e0-B8FC-AC1667EBCBE1}">
-              <a14:hiddenEffects xmlns:a14="http://schemas.microsoft.com/office/drawing/2010/main" xmlns="">
+              <a14:hiddenEffects xmlns="" xmlns:a14="http://schemas.microsoft.com/office/drawing/2010/main">
                 <a:effectLst>
                   <a:outerShdw dist="35921" dir="2700000" algn="ctr" rotWithShape="0">
                     <a:schemeClr val="bg2"/>
@@ -25695,7 +25697,7 @@
           <a:effectLst/>
           <a:extLst>
             <a:ext uri="{AF507438-7753-43e0-B8FC-AC1667EBCBE1}">
-              <a14:hiddenEffects xmlns:a14="http://schemas.microsoft.com/office/drawing/2010/main" xmlns="">
+              <a14:hiddenEffects xmlns="" xmlns:a14="http://schemas.microsoft.com/office/drawing/2010/main">
                 <a:effectLst>
                   <a:outerShdw dist="35921" dir="2700000" algn="ctr" rotWithShape="0">
                     <a:schemeClr val="bg2"/>
@@ -26306,7 +26308,7 @@
           <a:effectLst/>
           <a:extLst>
             <a:ext uri="{AF507438-7753-43e0-B8FC-AC1667EBCBE1}">
-              <a14:hiddenEffects xmlns:a14="http://schemas.microsoft.com/office/drawing/2010/main" xmlns="">
+              <a14:hiddenEffects xmlns="" xmlns:a14="http://schemas.microsoft.com/office/drawing/2010/main">
                 <a:effectLst>
                   <a:outerShdw dist="35921" dir="2700000" algn="ctr" rotWithShape="0">
                     <a:schemeClr val="bg2"/>
@@ -26386,7 +26388,7 @@
           <a:effectLst/>
           <a:extLst>
             <a:ext uri="{AF507438-7753-43e0-B8FC-AC1667EBCBE1}">
-              <a14:hiddenEffects xmlns:a14="http://schemas.microsoft.com/office/drawing/2010/main" xmlns="">
+              <a14:hiddenEffects xmlns="" xmlns:a14="http://schemas.microsoft.com/office/drawing/2010/main">
                 <a:effectLst>
                   <a:outerShdw dist="35921" dir="2700000" algn="ctr" rotWithShape="0">
                     <a:schemeClr val="bg2"/>
@@ -26466,7 +26468,7 @@
           <a:effectLst/>
           <a:extLst>
             <a:ext uri="{AF507438-7753-43e0-B8FC-AC1667EBCBE1}">
-              <a14:hiddenEffects xmlns:a14="http://schemas.microsoft.com/office/drawing/2010/main" xmlns="">
+              <a14:hiddenEffects xmlns="" xmlns:a14="http://schemas.microsoft.com/office/drawing/2010/main">
                 <a:effectLst>
                   <a:outerShdw dist="35921" dir="2700000" algn="ctr" rotWithShape="0">
                     <a:schemeClr val="bg2"/>
@@ -27077,7 +27079,7 @@
           <a:effectLst/>
           <a:extLst>
             <a:ext uri="{AF507438-7753-43e0-B8FC-AC1667EBCBE1}">
-              <a14:hiddenEffects xmlns:a14="http://schemas.microsoft.com/office/drawing/2010/main" xmlns="">
+              <a14:hiddenEffects xmlns="" xmlns:a14="http://schemas.microsoft.com/office/drawing/2010/main">
                 <a:effectLst>
                   <a:outerShdw dist="35921" dir="2700000" algn="ctr" rotWithShape="0">
                     <a:schemeClr val="bg2"/>
@@ -27605,7 +27607,7 @@
           <a:effectLst/>
           <a:extLst>
             <a:ext uri="{AF507438-7753-43e0-B8FC-AC1667EBCBE1}">
-              <a14:hiddenEffects xmlns:a14="http://schemas.microsoft.com/office/drawing/2010/main" xmlns="">
+              <a14:hiddenEffects xmlns="" xmlns:a14="http://schemas.microsoft.com/office/drawing/2010/main">
                 <a:effectLst>
                   <a:outerShdw dist="35921" dir="2700000" algn="ctr" rotWithShape="0">
                     <a:schemeClr val="bg2"/>
@@ -27685,7 +27687,7 @@
           <a:effectLst/>
           <a:extLst>
             <a:ext uri="{AF507438-7753-43e0-B8FC-AC1667EBCBE1}">
-              <a14:hiddenEffects xmlns:a14="http://schemas.microsoft.com/office/drawing/2010/main" xmlns="">
+              <a14:hiddenEffects xmlns="" xmlns:a14="http://schemas.microsoft.com/office/drawing/2010/main">
                 <a:effectLst>
                   <a:outerShdw dist="35921" dir="2700000" algn="ctr" rotWithShape="0">
                     <a:schemeClr val="bg2"/>
@@ -27765,7 +27767,7 @@
           <a:effectLst/>
           <a:extLst>
             <a:ext uri="{AF507438-7753-43e0-B8FC-AC1667EBCBE1}">
-              <a14:hiddenEffects xmlns:a14="http://schemas.microsoft.com/office/drawing/2010/main" xmlns="">
+              <a14:hiddenEffects xmlns="" xmlns:a14="http://schemas.microsoft.com/office/drawing/2010/main">
                 <a:effectLst>
                   <a:outerShdw dist="35921" dir="2700000" algn="ctr" rotWithShape="0">
                     <a:schemeClr val="bg2"/>
@@ -27845,7 +27847,7 @@
           <a:effectLst/>
           <a:extLst>
             <a:ext uri="{AF507438-7753-43e0-B8FC-AC1667EBCBE1}">
-              <a14:hiddenEffects xmlns:a14="http://schemas.microsoft.com/office/drawing/2010/main" xmlns="">
+              <a14:hiddenEffects xmlns="" xmlns:a14="http://schemas.microsoft.com/office/drawing/2010/main">
                 <a:effectLst>
                   <a:outerShdw dist="35921" dir="2700000" algn="ctr" rotWithShape="0">
                     <a:schemeClr val="bg2"/>
@@ -27925,7 +27927,7 @@
           <a:effectLst/>
           <a:extLst>
             <a:ext uri="{AF507438-7753-43e0-B8FC-AC1667EBCBE1}">
-              <a14:hiddenEffects xmlns:a14="http://schemas.microsoft.com/office/drawing/2010/main" xmlns="">
+              <a14:hiddenEffects xmlns="" xmlns:a14="http://schemas.microsoft.com/office/drawing/2010/main">
                 <a:effectLst>
                   <a:outerShdw dist="35921" dir="2700000" algn="ctr" rotWithShape="0">
                     <a:schemeClr val="bg2"/>
@@ -28107,7 +28109,7 @@
           <a:effectLst/>
           <a:extLst>
             <a:ext uri="{AF507438-7753-43e0-B8FC-AC1667EBCBE1}">
-              <a14:hiddenEffects xmlns:a14="http://schemas.microsoft.com/office/drawing/2010/main" xmlns="">
+              <a14:hiddenEffects xmlns="" xmlns:a14="http://schemas.microsoft.com/office/drawing/2010/main">
                 <a:effectLst>
                   <a:outerShdw dist="35921" dir="2700000" algn="ctr" rotWithShape="0">
                     <a:schemeClr val="bg2"/>
@@ -28187,7 +28189,7 @@
           <a:effectLst/>
           <a:extLst>
             <a:ext uri="{AF507438-7753-43e0-B8FC-AC1667EBCBE1}">
-              <a14:hiddenEffects xmlns:a14="http://schemas.microsoft.com/office/drawing/2010/main" xmlns="">
+              <a14:hiddenEffects xmlns="" xmlns:a14="http://schemas.microsoft.com/office/drawing/2010/main">
                 <a:effectLst>
                   <a:outerShdw dist="35921" dir="2700000" algn="ctr" rotWithShape="0">
                     <a:schemeClr val="bg2"/>
@@ -28267,7 +28269,7 @@
           <a:effectLst/>
           <a:extLst>
             <a:ext uri="{AF507438-7753-43e0-B8FC-AC1667EBCBE1}">
-              <a14:hiddenEffects xmlns:a14="http://schemas.microsoft.com/office/drawing/2010/main" xmlns="">
+              <a14:hiddenEffects xmlns="" xmlns:a14="http://schemas.microsoft.com/office/drawing/2010/main">
                 <a:effectLst>
                   <a:outerShdw dist="35921" dir="2700000" algn="ctr" rotWithShape="0">
                     <a:schemeClr val="bg2"/>
@@ -28347,7 +28349,7 @@
           <a:effectLst/>
           <a:extLst>
             <a:ext uri="{AF507438-7753-43e0-B8FC-AC1667EBCBE1}">
-              <a14:hiddenEffects xmlns:a14="http://schemas.microsoft.com/office/drawing/2010/main" xmlns="">
+              <a14:hiddenEffects xmlns="" xmlns:a14="http://schemas.microsoft.com/office/drawing/2010/main">
                 <a:effectLst>
                   <a:outerShdw dist="35921" dir="2700000" algn="ctr" rotWithShape="0">
                     <a:schemeClr val="bg2"/>
@@ -28427,7 +28429,7 @@
           <a:effectLst/>
           <a:extLst>
             <a:ext uri="{AF507438-7753-43e0-B8FC-AC1667EBCBE1}">
-              <a14:hiddenEffects xmlns:a14="http://schemas.microsoft.com/office/drawing/2010/main" xmlns="">
+              <a14:hiddenEffects xmlns="" xmlns:a14="http://schemas.microsoft.com/office/drawing/2010/main">
                 <a:effectLst>
                   <a:outerShdw dist="35921" dir="2700000" algn="ctr" rotWithShape="0">
                     <a:schemeClr val="bg2"/>
@@ -28609,7 +28611,7 @@
           <a:effectLst/>
           <a:extLst>
             <a:ext uri="{AF507438-7753-43e0-B8FC-AC1667EBCBE1}">
-              <a14:hiddenEffects xmlns:a14="http://schemas.microsoft.com/office/drawing/2010/main" xmlns="">
+              <a14:hiddenEffects xmlns="" xmlns:a14="http://schemas.microsoft.com/office/drawing/2010/main">
                 <a:effectLst>
                   <a:outerShdw dist="35921" dir="2700000" algn="ctr" rotWithShape="0">
                     <a:schemeClr val="bg2"/>
@@ -28689,7 +28691,7 @@
           <a:effectLst/>
           <a:extLst>
             <a:ext uri="{AF507438-7753-43e0-B8FC-AC1667EBCBE1}">
-              <a14:hiddenEffects xmlns:a14="http://schemas.microsoft.com/office/drawing/2010/main" xmlns="">
+              <a14:hiddenEffects xmlns="" xmlns:a14="http://schemas.microsoft.com/office/drawing/2010/main">
                 <a:effectLst>
                   <a:outerShdw dist="35921" dir="2700000" algn="ctr" rotWithShape="0">
                     <a:schemeClr val="bg2"/>
@@ -28769,7 +28771,7 @@
           <a:effectLst/>
           <a:extLst>
             <a:ext uri="{AF507438-7753-43e0-B8FC-AC1667EBCBE1}">
-              <a14:hiddenEffects xmlns:a14="http://schemas.microsoft.com/office/drawing/2010/main" xmlns="">
+              <a14:hiddenEffects xmlns="" xmlns:a14="http://schemas.microsoft.com/office/drawing/2010/main">
                 <a:effectLst>
                   <a:outerShdw dist="35921" dir="2700000" algn="ctr" rotWithShape="0">
                     <a:schemeClr val="bg2"/>
@@ -28949,7 +28951,7 @@
           <a:effectLst/>
           <a:extLst>
             <a:ext uri="{AF507438-7753-43e0-B8FC-AC1667EBCBE1}">
-              <a14:hiddenEffects xmlns:a14="http://schemas.microsoft.com/office/drawing/2010/main" xmlns="">
+              <a14:hiddenEffects xmlns="" xmlns:a14="http://schemas.microsoft.com/office/drawing/2010/main">
                 <a:effectLst>
                   <a:outerShdw dist="35921" dir="2700000" algn="ctr" rotWithShape="0">
                     <a:schemeClr val="bg2"/>
@@ -29029,7 +29031,7 @@
           <a:effectLst/>
           <a:extLst>
             <a:ext uri="{AF507438-7753-43e0-B8FC-AC1667EBCBE1}">
-              <a14:hiddenEffects xmlns:a14="http://schemas.microsoft.com/office/drawing/2010/main" xmlns="">
+              <a14:hiddenEffects xmlns="" xmlns:a14="http://schemas.microsoft.com/office/drawing/2010/main">
                 <a:effectLst>
                   <a:outerShdw dist="35921" dir="2700000" algn="ctr" rotWithShape="0">
                     <a:schemeClr val="bg2"/>
@@ -29109,7 +29111,7 @@
           <a:effectLst/>
           <a:extLst>
             <a:ext uri="{AF507438-7753-43e0-B8FC-AC1667EBCBE1}">
-              <a14:hiddenEffects xmlns:a14="http://schemas.microsoft.com/office/drawing/2010/main" xmlns="">
+              <a14:hiddenEffects xmlns="" xmlns:a14="http://schemas.microsoft.com/office/drawing/2010/main">
                 <a:effectLst>
                   <a:outerShdw dist="35921" dir="2700000" algn="ctr" rotWithShape="0">
                     <a:schemeClr val="bg2"/>
@@ -29189,7 +29191,7 @@
           <a:effectLst/>
           <a:extLst>
             <a:ext uri="{AF507438-7753-43e0-B8FC-AC1667EBCBE1}">
-              <a14:hiddenEffects xmlns:a14="http://schemas.microsoft.com/office/drawing/2010/main" xmlns="">
+              <a14:hiddenEffects xmlns="" xmlns:a14="http://schemas.microsoft.com/office/drawing/2010/main">
                 <a:effectLst>
                   <a:outerShdw dist="35921" dir="2700000" algn="ctr" rotWithShape="0">
                     <a:schemeClr val="bg2"/>
@@ -29266,9 +29268,43 @@
           <a:chExt cx="0" cy="0"/>
         </a:xfrm>
       </p:grpSpPr>
-      <p:sp>
-        <p:nvSpPr>
-          <p:cNvPr id="3" name="投影片編號版面配置區 2"/>
+      <p:pic>
+        <p:nvPicPr>
+          <p:cNvPr id="6" name="內容版面配置區 5">
+            <a:extLst>
+              <a:ext uri="{FF2B5EF4-FFF2-40B4-BE49-F238E27FC236}">
+                <a16:creationId xmlns:a16="http://schemas.microsoft.com/office/drawing/2014/main" id="{A5C0DBD6-EB31-0213-5256-669A1502D733}"/>
+              </a:ext>
+            </a:extLst>
+          </p:cNvPr>
+          <p:cNvPicPr>
+            <a:picLocks noGrp="1" noChangeAspect="1"/>
+          </p:cNvPicPr>
+          <p:nvPr>
+            <p:ph idx="1"/>
+          </p:nvPr>
+        </p:nvPicPr>
+        <p:blipFill rotWithShape="1">
+          <a:blip r:embed="rId2"/>
+          <a:srcRect t="25968" r="21408" b="21214"/>
+          <a:stretch/>
+        </p:blipFill>
+        <p:spPr>
+          <a:xfrm>
+            <a:off x="2894818" y="1255306"/>
+            <a:ext cx="5995964" cy="5374094"/>
+          </a:xfrm>
+        </p:spPr>
+      </p:pic>
+      <p:sp>
+        <p:nvSpPr>
+          <p:cNvPr id="3" name="投影片編號版面配置區 2">
+            <a:extLst>
+              <a:ext uri="{FF2B5EF4-FFF2-40B4-BE49-F238E27FC236}">
+                <a16:creationId xmlns:a16="http://schemas.microsoft.com/office/drawing/2014/main" id="{E5D2B138-8085-D300-203A-9993377BD763}"/>
+              </a:ext>
+            </a:extLst>
+          </p:cNvPr>
           <p:cNvSpPr>
             <a:spLocks noGrp="1"/>
           </p:cNvSpPr>
@@ -29285,6 +29321,423 @@
               <a:rPr lang="zh-TW" altLang="en-US" smtClean="0"/>
               <a:pPr/>
               <a:t>59</a:t>
+            </a:fld>
+            <a:endParaRPr lang="zh-TW" altLang="en-US" dirty="0"/>
+          </a:p>
+        </p:txBody>
+      </p:sp>
+      <p:sp>
+        <p:nvSpPr>
+          <p:cNvPr id="4" name="標題 3">
+            <a:extLst>
+              <a:ext uri="{FF2B5EF4-FFF2-40B4-BE49-F238E27FC236}">
+                <a16:creationId xmlns:a16="http://schemas.microsoft.com/office/drawing/2014/main" id="{B9B3F935-2FAF-8E1D-2B05-D619D1D685D9}"/>
+              </a:ext>
+            </a:extLst>
+          </p:cNvPr>
+          <p:cNvSpPr>
+            <a:spLocks noGrp="1"/>
+          </p:cNvSpPr>
+          <p:nvPr>
+            <p:ph type="title"/>
+          </p:nvPr>
+        </p:nvSpPr>
+        <p:spPr/>
+        <p:txBody>
+          <a:bodyPr/>
+          <a:lstStyle/>
+          <a:p>
+            <a:r>
+              <a:rPr lang="zh-TW" altLang="en-US" dirty="0"/>
+              <a:t>較佳方法</a:t>
+            </a:r>
+          </a:p>
+        </p:txBody>
+      </p:sp>
+    </p:spTree>
+    <p:extLst>
+      <p:ext uri="{BB962C8B-B14F-4D97-AF65-F5344CB8AC3E}">
+        <p14:creationId xmlns:p14="http://schemas.microsoft.com/office/powerpoint/2010/main" val="2463173174"/>
+      </p:ext>
+    </p:extLst>
+  </p:cSld>
+  <p:clrMapOvr>
+    <a:masterClrMapping/>
+  </p:clrMapOvr>
+</p:sld>
+</file>
+
+<file path=ppt/slides/slide6.xml><?xml version="1.0" encoding="utf-8"?>
+<p:sld xmlns:a="http://schemas.openxmlformats.org/drawingml/2006/main" xmlns:r="http://schemas.openxmlformats.org/officeDocument/2006/relationships" xmlns:p="http://schemas.openxmlformats.org/presentationml/2006/main">
+  <p:cSld>
+    <p:spTree>
+      <p:nvGrpSpPr>
+        <p:cNvPr id="1" name=""/>
+        <p:cNvGrpSpPr/>
+        <p:nvPr/>
+      </p:nvGrpSpPr>
+      <p:grpSpPr>
+        <a:xfrm>
+          <a:off x="0" y="0"/>
+          <a:ext cx="0" cy="0"/>
+          <a:chOff x="0" y="0"/>
+          <a:chExt cx="0" cy="0"/>
+        </a:xfrm>
+      </p:grpSpPr>
+      <p:sp>
+        <p:nvSpPr>
+          <p:cNvPr id="2" name="內容版面配置區 1"/>
+          <p:cNvSpPr>
+            <a:spLocks noGrp="1"/>
+          </p:cNvSpPr>
+          <p:nvPr>
+            <p:ph idx="1"/>
+          </p:nvPr>
+        </p:nvSpPr>
+        <p:spPr/>
+        <p:txBody>
+          <a:bodyPr/>
+          <a:lstStyle/>
+          <a:p>
+            <a:r>
+              <a:rPr lang="zh-TW" altLang="en-US" dirty="0"/>
+              <a:t>分隔</a:t>
+            </a:r>
+            <a:r>
+              <a:rPr lang="zh-TW" altLang="en-US" dirty="0">
+                <a:solidFill>
+                  <a:srgbClr val="FF0000"/>
+                </a:solidFill>
+              </a:rPr>
+              <a:t>不是</a:t>
+            </a:r>
+            <a:r>
+              <a:rPr lang="zh-TW" altLang="en-US" dirty="0"/>
+              <a:t>由連接詞連接的子句</a:t>
+            </a:r>
+            <a:endParaRPr lang="en-US" altLang="zh-TW" dirty="0"/>
+          </a:p>
+          <a:p>
+            <a:pPr lvl="1"/>
+            <a:r>
+              <a:rPr lang="en-US" altLang="zh-TW" dirty="0"/>
+              <a:t>The participants in the first study were paid</a:t>
+            </a:r>
+            <a:r>
+              <a:rPr lang="en-US" altLang="zh-TW" dirty="0">
+                <a:solidFill>
+                  <a:srgbClr val="FF0000"/>
+                </a:solidFill>
+              </a:rPr>
+              <a:t>;</a:t>
+            </a:r>
+            <a:r>
+              <a:rPr lang="en-US" altLang="zh-TW" dirty="0"/>
+              <a:t> those in the second were unpaid.</a:t>
+            </a:r>
+          </a:p>
+          <a:p>
+            <a:r>
+              <a:rPr lang="zh-TW" altLang="en-US" dirty="0"/>
+              <a:t>分開一系列</a:t>
+            </a:r>
+            <a:r>
+              <a:rPr lang="zh-TW" altLang="en-US" dirty="0">
+                <a:solidFill>
+                  <a:srgbClr val="FF0000"/>
+                </a:solidFill>
+              </a:rPr>
+              <a:t>已經有逗號</a:t>
+            </a:r>
+            <a:r>
+              <a:rPr lang="zh-TW" altLang="en-US" dirty="0"/>
+              <a:t>的要素</a:t>
+            </a:r>
+            <a:endParaRPr lang="en-US" altLang="zh-TW" dirty="0"/>
+          </a:p>
+          <a:p>
+            <a:pPr lvl="1"/>
+            <a:r>
+              <a:rPr lang="en-US" altLang="zh-TW" dirty="0"/>
+              <a:t>The color order was red, yellow, blue</a:t>
+            </a:r>
+            <a:r>
+              <a:rPr lang="en-US" altLang="zh-TW" dirty="0">
+                <a:solidFill>
+                  <a:srgbClr val="FF0000"/>
+                </a:solidFill>
+              </a:rPr>
+              <a:t>;</a:t>
+            </a:r>
+            <a:r>
+              <a:rPr lang="en-US" altLang="zh-TW" dirty="0"/>
+              <a:t> blue, yellow, red</a:t>
+            </a:r>
+            <a:r>
+              <a:rPr lang="en-US" altLang="zh-TW" dirty="0">
+                <a:solidFill>
+                  <a:srgbClr val="FF0000"/>
+                </a:solidFill>
+              </a:rPr>
+              <a:t>;</a:t>
+            </a:r>
+            <a:r>
+              <a:rPr lang="en-US" altLang="zh-TW" dirty="0"/>
+              <a:t> or yellow, red, blue.</a:t>
+            </a:r>
+          </a:p>
+          <a:p>
+            <a:pPr lvl="1"/>
+            <a:r>
+              <a:rPr lang="en-US" altLang="zh-TW" dirty="0"/>
+              <a:t>(Davis &amp; Harry, 1994</a:t>
+            </a:r>
+            <a:r>
+              <a:rPr lang="en-US" altLang="zh-TW" dirty="0">
+                <a:solidFill>
+                  <a:srgbClr val="FF0000"/>
+                </a:solidFill>
+              </a:rPr>
+              <a:t>; </a:t>
+            </a:r>
+            <a:r>
+              <a:rPr lang="en-US" altLang="zh-TW" dirty="0"/>
+              <a:t>Pettigrew, 1993)</a:t>
+            </a:r>
+          </a:p>
+          <a:p>
+            <a:pPr lvl="1"/>
+            <a:r>
+              <a:rPr lang="en-US" altLang="zh-TW" dirty="0"/>
+              <a:t>age, </a:t>
+            </a:r>
+            <a:r>
+              <a:rPr lang="en-US" altLang="zh-TW" i="1" dirty="0"/>
+              <a:t>M </a:t>
+            </a:r>
+            <a:r>
+              <a:rPr lang="en-US" altLang="zh-TW" dirty="0"/>
+              <a:t>= 34.5 years</a:t>
+            </a:r>
+            <a:r>
+              <a:rPr lang="en-US" altLang="zh-TW" dirty="0">
+                <a:solidFill>
+                  <a:srgbClr val="FF0000"/>
+                </a:solidFill>
+              </a:rPr>
+              <a:t>,</a:t>
+            </a:r>
+            <a:r>
+              <a:rPr lang="en-US" altLang="zh-TW" dirty="0"/>
+              <a:t> 95% CI [29.4</a:t>
+            </a:r>
+            <a:r>
+              <a:rPr lang="en-US" altLang="zh-TW" dirty="0">
+                <a:solidFill>
+                  <a:srgbClr val="FF0000"/>
+                </a:solidFill>
+              </a:rPr>
+              <a:t>, </a:t>
+            </a:r>
+            <a:r>
+              <a:rPr lang="en-US" altLang="zh-TW" dirty="0"/>
+              <a:t>39.6]</a:t>
+            </a:r>
+            <a:r>
+              <a:rPr lang="en-US" altLang="zh-TW" dirty="0">
+                <a:solidFill>
+                  <a:srgbClr val="FF0000"/>
+                </a:solidFill>
+              </a:rPr>
+              <a:t>;</a:t>
+            </a:r>
+            <a:r>
+              <a:rPr lang="en-US" altLang="zh-TW" dirty="0"/>
+              <a:t> years of education</a:t>
+            </a:r>
+            <a:r>
+              <a:rPr lang="en-US" altLang="zh-TW" dirty="0">
+                <a:solidFill>
+                  <a:srgbClr val="FF0000"/>
+                </a:solidFill>
+              </a:rPr>
+              <a:t>, </a:t>
+            </a:r>
+            <a:r>
+              <a:rPr lang="en-US" altLang="zh-TW" i="1" dirty="0"/>
+              <a:t>M</a:t>
+            </a:r>
+            <a:r>
+              <a:rPr lang="en-US" altLang="zh-TW" dirty="0"/>
+              <a:t> = 10.4 [8.7</a:t>
+            </a:r>
+            <a:r>
+              <a:rPr lang="en-US" altLang="zh-TW" dirty="0">
+                <a:solidFill>
+                  <a:srgbClr val="FF0000"/>
+                </a:solidFill>
+              </a:rPr>
+              <a:t>,</a:t>
+            </a:r>
+            <a:r>
+              <a:rPr lang="en-US" altLang="zh-TW" dirty="0"/>
+              <a:t> 12.1]</a:t>
+            </a:r>
+            <a:r>
+              <a:rPr lang="en-US" altLang="zh-TW" dirty="0">
+                <a:solidFill>
+                  <a:srgbClr val="FF0000"/>
+                </a:solidFill>
+              </a:rPr>
+              <a:t>; </a:t>
+            </a:r>
+            <a:r>
+              <a:rPr lang="en-US" altLang="zh-TW" dirty="0"/>
+              <a:t>and weekly income</a:t>
+            </a:r>
+            <a:r>
+              <a:rPr lang="en-US" altLang="zh-TW" dirty="0">
+                <a:solidFill>
+                  <a:srgbClr val="FF0000"/>
+                </a:solidFill>
+              </a:rPr>
+              <a:t>,</a:t>
+            </a:r>
+            <a:r>
+              <a:rPr lang="en-US" altLang="zh-TW" dirty="0"/>
+              <a:t> </a:t>
+            </a:r>
+            <a:r>
+              <a:rPr lang="en-US" altLang="zh-TW" i="1" dirty="0"/>
+              <a:t>M</a:t>
+            </a:r>
+            <a:r>
+              <a:rPr lang="en-US" altLang="zh-TW" dirty="0"/>
+              <a:t> = 612 [522</a:t>
+            </a:r>
+            <a:r>
+              <a:rPr lang="en-US" altLang="zh-TW" dirty="0">
+                <a:solidFill>
+                  <a:srgbClr val="FF0000"/>
+                </a:solidFill>
+              </a:rPr>
+              <a:t>, </a:t>
+            </a:r>
+            <a:r>
+              <a:rPr lang="en-US" altLang="zh-TW" dirty="0"/>
+              <a:t>702]</a:t>
+            </a:r>
+            <a:r>
+              <a:rPr lang="en-US" altLang="zh-TW" dirty="0">
+                <a:solidFill>
+                  <a:srgbClr val="FF0000"/>
+                </a:solidFill>
+              </a:rPr>
+              <a:t>;</a:t>
+            </a:r>
+            <a:endParaRPr lang="zh-TW" altLang="en-US" dirty="0">
+              <a:solidFill>
+                <a:srgbClr val="FF0000"/>
+              </a:solidFill>
+            </a:endParaRPr>
+          </a:p>
+        </p:txBody>
+      </p:sp>
+      <p:sp>
+        <p:nvSpPr>
+          <p:cNvPr id="3" name="投影片編號版面配置區 2"/>
+          <p:cNvSpPr>
+            <a:spLocks noGrp="1"/>
+          </p:cNvSpPr>
+          <p:nvPr>
+            <p:ph type="sldNum" sz="quarter" idx="11"/>
+          </p:nvPr>
+        </p:nvSpPr>
+        <p:spPr/>
+        <p:txBody>
+          <a:bodyPr/>
+          <a:lstStyle/>
+          <a:p>
+            <a:fld id="{18182BEB-C3EA-40AB-B02C-9E044A7FB21F}" type="slidenum">
+              <a:rPr lang="zh-TW" altLang="en-US" smtClean="0"/>
+              <a:pPr/>
+              <a:t>6</a:t>
+            </a:fld>
+            <a:endParaRPr lang="zh-TW" altLang="en-US" dirty="0"/>
+          </a:p>
+        </p:txBody>
+      </p:sp>
+      <p:sp>
+        <p:nvSpPr>
+          <p:cNvPr id="4" name="標題 3"/>
+          <p:cNvSpPr>
+            <a:spLocks noGrp="1"/>
+          </p:cNvSpPr>
+          <p:nvPr>
+            <p:ph type="title"/>
+          </p:nvPr>
+        </p:nvSpPr>
+        <p:spPr/>
+        <p:txBody>
+          <a:bodyPr/>
+          <a:lstStyle/>
+          <a:p>
+            <a:r>
+              <a:rPr lang="zh-TW" altLang="en-US" dirty="0"/>
+              <a:t>分號</a:t>
+            </a:r>
+          </a:p>
+        </p:txBody>
+      </p:sp>
+    </p:spTree>
+    <p:extLst>
+      <p:ext uri="{BB962C8B-B14F-4D97-AF65-F5344CB8AC3E}">
+        <p14:creationId xmlns:p14="http://schemas.microsoft.com/office/powerpoint/2010/main" val="2664255766"/>
+      </p:ext>
+    </p:extLst>
+  </p:cSld>
+  <p:clrMapOvr>
+    <a:masterClrMapping/>
+  </p:clrMapOvr>
+</p:sld>
+</file>
+
+<file path=ppt/slides/slide60.xml><?xml version="1.0" encoding="utf-8"?>
+<p:sld xmlns:a="http://schemas.openxmlformats.org/drawingml/2006/main" xmlns:r="http://schemas.openxmlformats.org/officeDocument/2006/relationships" xmlns:p="http://schemas.openxmlformats.org/presentationml/2006/main">
+  <p:cSld>
+    <p:spTree>
+      <p:nvGrpSpPr>
+        <p:cNvPr id="1" name=""/>
+        <p:cNvGrpSpPr/>
+        <p:nvPr/>
+      </p:nvGrpSpPr>
+      <p:grpSpPr>
+        <a:xfrm>
+          <a:off x="0" y="0"/>
+          <a:ext cx="0" cy="0"/>
+          <a:chOff x="0" y="0"/>
+          <a:chExt cx="0" cy="0"/>
+        </a:xfrm>
+      </p:grpSpPr>
+      <p:sp>
+        <p:nvSpPr>
+          <p:cNvPr id="3" name="投影片編號版面配置區 2"/>
+          <p:cNvSpPr>
+            <a:spLocks noGrp="1"/>
+          </p:cNvSpPr>
+          <p:nvPr>
+            <p:ph type="sldNum" sz="quarter" idx="11"/>
+          </p:nvPr>
+        </p:nvSpPr>
+        <p:spPr/>
+        <p:txBody>
+          <a:bodyPr/>
+          <a:lstStyle/>
+          <a:p>
+            <a:fld id="{18182BEB-C3EA-40AB-B02C-9E044A7FB21F}" type="slidenum">
+              <a:rPr lang="zh-TW" altLang="en-US" smtClean="0"/>
+              <a:pPr/>
+              <a:t>60</a:t>
             </a:fld>
             <a:endParaRPr lang="zh-TW" altLang="en-US" dirty="0"/>
           </a:p>
@@ -29368,7 +29821,7 @@
 </p:sld>
 </file>
 
-<file path=ppt/slides/slide6.xml><?xml version="1.0" encoding="utf-8"?>
+<file path=ppt/slides/slide61.xml><?xml version="1.0" encoding="utf-8"?>
 <p:sld xmlns:a="http://schemas.openxmlformats.org/drawingml/2006/main" xmlns:r="http://schemas.openxmlformats.org/officeDocument/2006/relationships" xmlns:p="http://schemas.openxmlformats.org/presentationml/2006/main">
   <p:cSld>
     <p:spTree>
@@ -29387,265 +29840,6 @@
       </p:grpSpPr>
       <p:sp>
         <p:nvSpPr>
-          <p:cNvPr id="2" name="內容版面配置區 1"/>
-          <p:cNvSpPr>
-            <a:spLocks noGrp="1"/>
-          </p:cNvSpPr>
-          <p:nvPr>
-            <p:ph idx="1"/>
-          </p:nvPr>
-        </p:nvSpPr>
-        <p:spPr/>
-        <p:txBody>
-          <a:bodyPr/>
-          <a:lstStyle/>
-          <a:p>
-            <a:r>
-              <a:rPr lang="zh-TW" altLang="en-US" dirty="0"/>
-              <a:t>分隔</a:t>
-            </a:r>
-            <a:r>
-              <a:rPr lang="zh-TW" altLang="en-US" dirty="0">
-                <a:solidFill>
-                  <a:srgbClr val="FF0000"/>
-                </a:solidFill>
-              </a:rPr>
-              <a:t>不是</a:t>
-            </a:r>
-            <a:r>
-              <a:rPr lang="zh-TW" altLang="en-US" dirty="0"/>
-              <a:t>由連接詞連接的子句</a:t>
-            </a:r>
-            <a:endParaRPr lang="en-US" altLang="zh-TW" dirty="0"/>
-          </a:p>
-          <a:p>
-            <a:pPr lvl="1"/>
-            <a:r>
-              <a:rPr lang="en-US" altLang="zh-TW" dirty="0"/>
-              <a:t>The participants in the first study were paid</a:t>
-            </a:r>
-            <a:r>
-              <a:rPr lang="en-US" altLang="zh-TW" dirty="0">
-                <a:solidFill>
-                  <a:srgbClr val="FF0000"/>
-                </a:solidFill>
-              </a:rPr>
-              <a:t>;</a:t>
-            </a:r>
-            <a:r>
-              <a:rPr lang="en-US" altLang="zh-TW" dirty="0"/>
-              <a:t> those in the second were unpaid.</a:t>
-            </a:r>
-          </a:p>
-          <a:p>
-            <a:r>
-              <a:rPr lang="zh-TW" altLang="en-US" dirty="0"/>
-              <a:t>分開一系列</a:t>
-            </a:r>
-            <a:r>
-              <a:rPr lang="zh-TW" altLang="en-US" dirty="0">
-                <a:solidFill>
-                  <a:srgbClr val="FF0000"/>
-                </a:solidFill>
-              </a:rPr>
-              <a:t>已經有逗號</a:t>
-            </a:r>
-            <a:r>
-              <a:rPr lang="zh-TW" altLang="en-US" dirty="0"/>
-              <a:t>的要素</a:t>
-            </a:r>
-            <a:endParaRPr lang="en-US" altLang="zh-TW" dirty="0"/>
-          </a:p>
-          <a:p>
-            <a:pPr lvl="1"/>
-            <a:r>
-              <a:rPr lang="en-US" altLang="zh-TW" dirty="0"/>
-              <a:t>The color order was red, yellow, blue</a:t>
-            </a:r>
-            <a:r>
-              <a:rPr lang="en-US" altLang="zh-TW" dirty="0">
-                <a:solidFill>
-                  <a:srgbClr val="FF0000"/>
-                </a:solidFill>
-              </a:rPr>
-              <a:t>;</a:t>
-            </a:r>
-            <a:r>
-              <a:rPr lang="en-US" altLang="zh-TW" dirty="0"/>
-              <a:t> blue, yellow, red</a:t>
-            </a:r>
-            <a:r>
-              <a:rPr lang="en-US" altLang="zh-TW" dirty="0">
-                <a:solidFill>
-                  <a:srgbClr val="FF0000"/>
-                </a:solidFill>
-              </a:rPr>
-              <a:t>;</a:t>
-            </a:r>
-            <a:r>
-              <a:rPr lang="en-US" altLang="zh-TW" dirty="0"/>
-              <a:t> or yellow, red, blue.</a:t>
-            </a:r>
-          </a:p>
-          <a:p>
-            <a:pPr lvl="1"/>
-            <a:r>
-              <a:rPr lang="en-US" altLang="zh-TW" dirty="0"/>
-              <a:t>(Davis &amp; Harry, 1994</a:t>
-            </a:r>
-            <a:r>
-              <a:rPr lang="en-US" altLang="zh-TW" dirty="0">
-                <a:solidFill>
-                  <a:srgbClr val="FF0000"/>
-                </a:solidFill>
-              </a:rPr>
-              <a:t>; </a:t>
-            </a:r>
-            <a:r>
-              <a:rPr lang="en-US" altLang="zh-TW" dirty="0"/>
-              <a:t>Pettigrew, 1993)</a:t>
-            </a:r>
-          </a:p>
-          <a:p>
-            <a:pPr lvl="1"/>
-            <a:r>
-              <a:rPr lang="en-US" altLang="zh-TW" dirty="0"/>
-              <a:t>age, </a:t>
-            </a:r>
-            <a:r>
-              <a:rPr lang="en-US" altLang="zh-TW" i="1" dirty="0"/>
-              <a:t>M </a:t>
-            </a:r>
-            <a:r>
-              <a:rPr lang="en-US" altLang="zh-TW" dirty="0"/>
-              <a:t>= 34.5 years</a:t>
-            </a:r>
-            <a:r>
-              <a:rPr lang="en-US" altLang="zh-TW" dirty="0">
-                <a:solidFill>
-                  <a:srgbClr val="FF0000"/>
-                </a:solidFill>
-              </a:rPr>
-              <a:t>,</a:t>
-            </a:r>
-            <a:r>
-              <a:rPr lang="en-US" altLang="zh-TW" dirty="0"/>
-              <a:t> 95% CI [29.4</a:t>
-            </a:r>
-            <a:r>
-              <a:rPr lang="en-US" altLang="zh-TW" dirty="0">
-                <a:solidFill>
-                  <a:srgbClr val="FF0000"/>
-                </a:solidFill>
-              </a:rPr>
-              <a:t>, </a:t>
-            </a:r>
-            <a:r>
-              <a:rPr lang="en-US" altLang="zh-TW" dirty="0"/>
-              <a:t>39.6]</a:t>
-            </a:r>
-            <a:r>
-              <a:rPr lang="en-US" altLang="zh-TW" dirty="0">
-                <a:solidFill>
-                  <a:srgbClr val="FF0000"/>
-                </a:solidFill>
-              </a:rPr>
-              <a:t>;</a:t>
-            </a:r>
-            <a:r>
-              <a:rPr lang="en-US" altLang="zh-TW" dirty="0"/>
-              <a:t> years of education</a:t>
-            </a:r>
-            <a:r>
-              <a:rPr lang="en-US" altLang="zh-TW" dirty="0">
-                <a:solidFill>
-                  <a:srgbClr val="FF0000"/>
-                </a:solidFill>
-              </a:rPr>
-              <a:t>, </a:t>
-            </a:r>
-            <a:r>
-              <a:rPr lang="en-US" altLang="zh-TW" i="1" dirty="0"/>
-              <a:t>M</a:t>
-            </a:r>
-            <a:r>
-              <a:rPr lang="en-US" altLang="zh-TW" dirty="0"/>
-              <a:t> = 10.4 [8.7</a:t>
-            </a:r>
-            <a:r>
-              <a:rPr lang="en-US" altLang="zh-TW" dirty="0">
-                <a:solidFill>
-                  <a:srgbClr val="FF0000"/>
-                </a:solidFill>
-              </a:rPr>
-              <a:t>,</a:t>
-            </a:r>
-            <a:r>
-              <a:rPr lang="en-US" altLang="zh-TW" dirty="0"/>
-              <a:t> 12.1]</a:t>
-            </a:r>
-            <a:r>
-              <a:rPr lang="en-US" altLang="zh-TW" dirty="0">
-                <a:solidFill>
-                  <a:srgbClr val="FF0000"/>
-                </a:solidFill>
-              </a:rPr>
-              <a:t>; </a:t>
-            </a:r>
-            <a:r>
-              <a:rPr lang="en-US" altLang="zh-TW" dirty="0"/>
-              <a:t>and weekly income</a:t>
-            </a:r>
-            <a:r>
-              <a:rPr lang="en-US" altLang="zh-TW" dirty="0">
-                <a:solidFill>
-                  <a:srgbClr val="FF0000"/>
-                </a:solidFill>
-              </a:rPr>
-              <a:t>,</a:t>
-            </a:r>
-            <a:r>
-              <a:rPr lang="en-US" altLang="zh-TW" dirty="0"/>
-              <a:t> </a:t>
-            </a:r>
-            <a:r>
-              <a:rPr lang="en-US" altLang="zh-TW" i="1" dirty="0"/>
-              <a:t>M</a:t>
-            </a:r>
-            <a:r>
-              <a:rPr lang="en-US" altLang="zh-TW" dirty="0"/>
-              <a:t> = 612 [522</a:t>
-            </a:r>
-            <a:r>
-              <a:rPr lang="en-US" altLang="zh-TW" dirty="0">
-                <a:solidFill>
-                  <a:srgbClr val="FF0000"/>
-                </a:solidFill>
-              </a:rPr>
-              <a:t>, </a:t>
-            </a:r>
-            <a:r>
-              <a:rPr lang="en-US" altLang="zh-TW" dirty="0"/>
-              <a:t>702]</a:t>
-            </a:r>
-            <a:r>
-              <a:rPr lang="en-US" altLang="zh-TW" dirty="0">
-                <a:solidFill>
-                  <a:srgbClr val="FF0000"/>
-                </a:solidFill>
-              </a:rPr>
-              <a:t>;</a:t>
-            </a:r>
-            <a:endParaRPr lang="zh-TW" altLang="en-US" dirty="0">
-              <a:solidFill>
-                <a:srgbClr val="FF0000"/>
-              </a:solidFill>
-            </a:endParaRPr>
-          </a:p>
-        </p:txBody>
-      </p:sp>
-      <p:sp>
-        <p:nvSpPr>
           <p:cNvPr id="3" name="投影片編號版面配置區 2"/>
           <p:cNvSpPr>
             <a:spLocks noGrp="1"/>
@@ -29662,83 +29856,7 @@
             <a:fld id="{18182BEB-C3EA-40AB-B02C-9E044A7FB21F}" type="slidenum">
               <a:rPr lang="zh-TW" altLang="en-US" smtClean="0"/>
               <a:pPr/>
-              <a:t>6</a:t>
-            </a:fld>
-            <a:endParaRPr lang="zh-TW" altLang="en-US" dirty="0"/>
-          </a:p>
-        </p:txBody>
-      </p:sp>
-      <p:sp>
-        <p:nvSpPr>
-          <p:cNvPr id="4" name="標題 3"/>
-          <p:cNvSpPr>
-            <a:spLocks noGrp="1"/>
-          </p:cNvSpPr>
-          <p:nvPr>
-            <p:ph type="title"/>
-          </p:nvPr>
-        </p:nvSpPr>
-        <p:spPr/>
-        <p:txBody>
-          <a:bodyPr/>
-          <a:lstStyle/>
-          <a:p>
-            <a:r>
-              <a:rPr lang="zh-TW" altLang="en-US" dirty="0"/>
-              <a:t>分號</a:t>
-            </a:r>
-          </a:p>
-        </p:txBody>
-      </p:sp>
-    </p:spTree>
-    <p:extLst>
-      <p:ext uri="{BB962C8B-B14F-4D97-AF65-F5344CB8AC3E}">
-        <p14:creationId xmlns:p14="http://schemas.microsoft.com/office/powerpoint/2010/main" val="2664255766"/>
-      </p:ext>
-    </p:extLst>
-  </p:cSld>
-  <p:clrMapOvr>
-    <a:masterClrMapping/>
-  </p:clrMapOvr>
-</p:sld>
-</file>
-
-<file path=ppt/slides/slide60.xml><?xml version="1.0" encoding="utf-8"?>
-<p:sld xmlns:a="http://schemas.openxmlformats.org/drawingml/2006/main" xmlns:r="http://schemas.openxmlformats.org/officeDocument/2006/relationships" xmlns:p="http://schemas.openxmlformats.org/presentationml/2006/main">
-  <p:cSld>
-    <p:spTree>
-      <p:nvGrpSpPr>
-        <p:cNvPr id="1" name=""/>
-        <p:cNvGrpSpPr/>
-        <p:nvPr/>
-      </p:nvGrpSpPr>
-      <p:grpSpPr>
-        <a:xfrm>
-          <a:off x="0" y="0"/>
-          <a:ext cx="0" cy="0"/>
-          <a:chOff x="0" y="0"/>
-          <a:chExt cx="0" cy="0"/>
-        </a:xfrm>
-      </p:grpSpPr>
-      <p:sp>
-        <p:nvSpPr>
-          <p:cNvPr id="3" name="投影片編號版面配置區 2"/>
-          <p:cNvSpPr>
-            <a:spLocks noGrp="1"/>
-          </p:cNvSpPr>
-          <p:nvPr>
-            <p:ph type="sldNum" sz="quarter" idx="11"/>
-          </p:nvPr>
-        </p:nvSpPr>
-        <p:spPr/>
-        <p:txBody>
-          <a:bodyPr/>
-          <a:lstStyle/>
-          <a:p>
-            <a:fld id="{18182BEB-C3EA-40AB-B02C-9E044A7FB21F}" type="slidenum">
-              <a:rPr lang="zh-TW" altLang="en-US" smtClean="0"/>
-              <a:pPr/>
-              <a:t>60</a:t>
+              <a:t>61</a:t>
             </a:fld>
             <a:endParaRPr lang="zh-TW" altLang="en-US" dirty="0"/>
           </a:p>
@@ -31013,7 +31131,7 @@
         <a:effectLst/>
         <a:extLst>
           <a:ext uri="{AF507438-7753-43e0-B8FC-AC1667EBCBE1}">
-            <a14:hiddenEffects xmlns="" xmlns:a14="http://schemas.microsoft.com/office/drawing/2010/main">
+            <a14:hiddenEffects xmlns:a14="http://schemas.microsoft.com/office/drawing/2010/main" xmlns="">
               <a:effectLst>
                 <a:outerShdw dist="35921" dir="2700000" algn="ctr" rotWithShape="0">
                   <a:schemeClr val="bg2"/>
@@ -31074,7 +31192,7 @@
         <a:effectLst/>
         <a:extLst>
           <a:ext uri="{AF507438-7753-43e0-B8FC-AC1667EBCBE1}">
-            <a14:hiddenEffects xmlns="" xmlns:a14="http://schemas.microsoft.com/office/drawing/2010/main">
+            <a14:hiddenEffects xmlns:a14="http://schemas.microsoft.com/office/drawing/2010/main" xmlns="">
               <a:effectLst>
                 <a:outerShdw dist="35921" dir="2700000" algn="ctr" rotWithShape="0">
                   <a:schemeClr val="bg2"/>
